--- a/support/documents/Covidien Gateway Prototype Project Status and Plan.pptx
+++ b/support/documents/Covidien Gateway Prototype Project Status and Plan.pptx
@@ -5,7 +5,7 @@
     <p:sldMasterId id="2147484038" r:id="rId1"/>
   </p:sldMasterIdLst>
   <p:notesMasterIdLst>
-    <p:notesMasterId r:id="rId36"/>
+    <p:notesMasterId r:id="rId43"/>
   </p:notesMasterIdLst>
   <p:sldIdLst>
     <p:sldId id="256" r:id="rId2"/>
@@ -34,14 +34,21 @@
     <p:sldId id="282" r:id="rId25"/>
     <p:sldId id="284" r:id="rId26"/>
     <p:sldId id="290" r:id="rId27"/>
-    <p:sldId id="286" r:id="rId28"/>
-    <p:sldId id="292" r:id="rId29"/>
-    <p:sldId id="293" r:id="rId30"/>
-    <p:sldId id="294" r:id="rId31"/>
-    <p:sldId id="287" r:id="rId32"/>
-    <p:sldId id="289" r:id="rId33"/>
-    <p:sldId id="288" r:id="rId34"/>
-    <p:sldId id="267" r:id="rId35"/>
+    <p:sldId id="302" r:id="rId28"/>
+    <p:sldId id="303" r:id="rId29"/>
+    <p:sldId id="304" r:id="rId30"/>
+    <p:sldId id="286" r:id="rId31"/>
+    <p:sldId id="292" r:id="rId32"/>
+    <p:sldId id="293" r:id="rId33"/>
+    <p:sldId id="305" r:id="rId34"/>
+    <p:sldId id="294" r:id="rId35"/>
+    <p:sldId id="287" r:id="rId36"/>
+    <p:sldId id="298" r:id="rId37"/>
+    <p:sldId id="299" r:id="rId38"/>
+    <p:sldId id="300" r:id="rId39"/>
+    <p:sldId id="306" r:id="rId40"/>
+    <p:sldId id="288" r:id="rId41"/>
+    <p:sldId id="267" r:id="rId42"/>
   </p:sldIdLst>
   <p:sldSz cx="9144000" cy="6858000" type="screen4x3"/>
   <p:notesSz cx="6858000" cy="9144000"/>
@@ -28749,7 +28756,7 @@
             <a:fld id="{7C3CF00A-964B-428B-92CD-BC1671700981}" type="datetimeFigureOut">
               <a:rPr lang="en-US" smtClean="0"/>
               <a:pPr/>
-              <a:t>11/3/2011</a:t>
+              <a:t>11/25/2011</a:t>
             </a:fld>
             <a:endParaRPr lang="en-US"/>
           </a:p>
@@ -29083,7 +29090,7 @@
             <a:fld id="{5A3AD515-ECB1-434C-A789-151FC86B37F2}" type="slidenum">
               <a:rPr lang="en-US" smtClean="0"/>
               <a:pPr/>
-              <a:t>33</a:t>
+              <a:t>40</a:t>
             </a:fld>
             <a:endParaRPr lang="en-US"/>
           </a:p>
@@ -31163,7 +31170,7 @@
           <a:p>
             <a:r>
               <a:rPr lang="en-US" dirty="0" smtClean="0"/>
-              <a:t>October 18, 2011</a:t>
+              <a:t>November 23, 2011</a:t>
             </a:r>
           </a:p>
           <a:p>
@@ -31242,7 +31249,7 @@
         <p:spPr/>
         <p:txBody>
           <a:bodyPr>
-            <a:normAutofit fontScale="85000" lnSpcReduction="20000"/>
+            <a:normAutofit fontScale="70000" lnSpcReduction="20000"/>
           </a:bodyPr>
           <a:lstStyle/>
           <a:p>
@@ -31282,7 +31289,19 @@
             </a:r>
             <a:r>
               <a:rPr lang="en-US" dirty="0" smtClean="0"/>
-              <a:t>”), and temperature (“temp”) data </a:t>
+              <a:t>”), and temperature (“temp”) data</a:t>
+            </a:r>
+          </a:p>
+          <a:p>
+            <a:r>
+              <a:rPr lang="en-US" dirty="0" smtClean="0"/>
+              <a:t>Simulation from multiple machines</a:t>
+            </a:r>
+          </a:p>
+          <a:p>
+            <a:r>
+              <a:rPr lang="en-US" dirty="0" smtClean="0"/>
+              <a:t>Category based logging for publishers and subscribers </a:t>
             </a:r>
           </a:p>
           <a:p>
@@ -31390,7 +31409,7 @@
           </a:sp3d>
           <a:extLst>
             <a:ext uri="{91240B29-F687-4F45-9708-019B960494DF}">
-              <a14:hiddenLine xmlns="" xmlns:a14="http://schemas.microsoft.com/office/drawing/2010/main" w="25400" cap="flat" cmpd="sng" algn="ctr">
+              <a14:hiddenLine xmlns:a14="http://schemas.microsoft.com/office/drawing/2010/main" xmlns="" w="25400" cap="flat" cmpd="sng" algn="ctr">
                 <a:solidFill>
                   <a:schemeClr val="accent1">
                     <a:shade val="50000"/>
@@ -31498,7 +31517,7 @@
           </a:sp3d>
           <a:extLst>
             <a:ext uri="{91240B29-F687-4F45-9708-019B960494DF}">
-              <a14:hiddenLine xmlns="" xmlns:a14="http://schemas.microsoft.com/office/drawing/2010/main" w="25400" cap="flat" cmpd="sng" algn="ctr">
+              <a14:hiddenLine xmlns:a14="http://schemas.microsoft.com/office/drawing/2010/main" xmlns="" w="25400" cap="flat" cmpd="sng" algn="ctr">
                 <a:solidFill>
                   <a:schemeClr val="accent1">
                     <a:shade val="50000"/>
@@ -31606,7 +31625,7 @@
           </a:sp3d>
           <a:extLst>
             <a:ext uri="{91240B29-F687-4F45-9708-019B960494DF}">
-              <a14:hiddenLine xmlns="" xmlns:a14="http://schemas.microsoft.com/office/drawing/2010/main" w="25400" cap="flat" cmpd="sng" algn="ctr">
+              <a14:hiddenLine xmlns:a14="http://schemas.microsoft.com/office/drawing/2010/main" xmlns="" w="25400" cap="flat" cmpd="sng" algn="ctr">
                 <a:solidFill>
                   <a:schemeClr val="accent1">
                     <a:shade val="50000"/>
@@ -31714,7 +31733,7 @@
           <a:effectLst/>
           <a:extLst>
             <a:ext uri="{91240B29-F687-4F45-9708-019B960494DF}">
-              <a14:hiddenLine xmlns="" xmlns:a14="http://schemas.microsoft.com/office/drawing/2010/main" w="25400" cap="flat" cmpd="sng" algn="ctr">
+              <a14:hiddenLine xmlns:a14="http://schemas.microsoft.com/office/drawing/2010/main" xmlns="" w="25400" cap="flat" cmpd="sng" algn="ctr">
                 <a:solidFill>
                   <a:schemeClr val="accent1">
                     <a:shade val="50000"/>
@@ -31820,7 +31839,7 @@
           </a:sp3d>
           <a:extLst>
             <a:ext uri="{91240B29-F687-4F45-9708-019B960494DF}">
-              <a14:hiddenLine xmlns="" xmlns:a14="http://schemas.microsoft.com/office/drawing/2010/main" w="25400" cap="flat" cmpd="sng" algn="ctr">
+              <a14:hiddenLine xmlns:a14="http://schemas.microsoft.com/office/drawing/2010/main" xmlns="" w="25400" cap="flat" cmpd="sng" algn="ctr">
                 <a:solidFill>
                   <a:schemeClr val="accent1">
                     <a:shade val="50000"/>
@@ -32251,7 +32270,7 @@
           </a:sp3d>
           <a:extLst>
             <a:ext uri="{91240B29-F687-4F45-9708-019B960494DF}">
-              <a14:hiddenLine xmlns="" xmlns:a14="http://schemas.microsoft.com/office/drawing/2010/main" w="25400" cap="flat" cmpd="sng" algn="ctr">
+              <a14:hiddenLine xmlns:a14="http://schemas.microsoft.com/office/drawing/2010/main" xmlns="" w="25400" cap="flat" cmpd="sng" algn="ctr">
                 <a:solidFill>
                   <a:schemeClr val="accent1">
                     <a:shade val="50000"/>
@@ -32410,7 +32429,7 @@
           </a:sp3d>
           <a:extLst>
             <a:ext uri="{91240B29-F687-4F45-9708-019B960494DF}">
-              <a14:hiddenLine xmlns="" xmlns:a14="http://schemas.microsoft.com/office/drawing/2010/main" w="25400" cap="flat" cmpd="sng" algn="ctr">
+              <a14:hiddenLine xmlns:a14="http://schemas.microsoft.com/office/drawing/2010/main" xmlns="" w="25400" cap="flat" cmpd="sng" algn="ctr">
                 <a:solidFill>
                   <a:schemeClr val="accent1">
                     <a:shade val="50000"/>
@@ -32576,7 +32595,7 @@
           </a:sp3d>
           <a:extLst>
             <a:ext uri="{91240B29-F687-4F45-9708-019B960494DF}">
-              <a14:hiddenLine xmlns="" xmlns:a14="http://schemas.microsoft.com/office/drawing/2010/main" w="25400" cap="flat" cmpd="sng" algn="ctr">
+              <a14:hiddenLine xmlns:a14="http://schemas.microsoft.com/office/drawing/2010/main" xmlns="" w="25400" cap="flat" cmpd="sng" algn="ctr">
                 <a:solidFill>
                   <a:schemeClr val="accent1">
                     <a:shade val="50000"/>
@@ -32742,7 +32761,7 @@
           </a:sp3d>
           <a:extLst>
             <a:ext uri="{91240B29-F687-4F45-9708-019B960494DF}">
-              <a14:hiddenLine xmlns="" xmlns:a14="http://schemas.microsoft.com/office/drawing/2010/main" w="25400" cap="flat" cmpd="sng" algn="ctr">
+              <a14:hiddenLine xmlns:a14="http://schemas.microsoft.com/office/drawing/2010/main" xmlns="" w="25400" cap="flat" cmpd="sng" algn="ctr">
                 <a:solidFill>
                   <a:schemeClr val="accent1">
                     <a:shade val="50000"/>
@@ -32908,7 +32927,7 @@
           </a:sp3d>
           <a:extLst>
             <a:ext uri="{91240B29-F687-4F45-9708-019B960494DF}">
-              <a14:hiddenLine xmlns="" xmlns:a14="http://schemas.microsoft.com/office/drawing/2010/main" w="25400" cap="flat" cmpd="sng" algn="ctr">
+              <a14:hiddenLine xmlns:a14="http://schemas.microsoft.com/office/drawing/2010/main" xmlns="" w="25400" cap="flat" cmpd="sng" algn="ctr">
                 <a:solidFill>
                   <a:schemeClr val="accent1">
                     <a:shade val="50000"/>
@@ -33167,7 +33186,7 @@
           </a:sp3d>
           <a:extLst>
             <a:ext uri="{91240B29-F687-4F45-9708-019B960494DF}">
-              <a14:hiddenLine xmlns="" xmlns:a14="http://schemas.microsoft.com/office/drawing/2010/main" w="25400" cap="flat" cmpd="sng" algn="ctr">
+              <a14:hiddenLine xmlns:a14="http://schemas.microsoft.com/office/drawing/2010/main" xmlns="" w="25400" cap="flat" cmpd="sng" algn="ctr">
                 <a:solidFill>
                   <a:schemeClr val="accent1">
                     <a:shade val="50000"/>
@@ -33426,7 +33445,7 @@
           </a:sp3d>
           <a:extLst>
             <a:ext uri="{91240B29-F687-4F45-9708-019B960494DF}">
-              <a14:hiddenLine xmlns="" xmlns:a14="http://schemas.microsoft.com/office/drawing/2010/main" w="25400" cap="flat" cmpd="sng" algn="ctr">
+              <a14:hiddenLine xmlns:a14="http://schemas.microsoft.com/office/drawing/2010/main" xmlns="" w="25400" cap="flat" cmpd="sng" algn="ctr">
                 <a:solidFill>
                   <a:schemeClr val="accent1">
                     <a:shade val="50000"/>
@@ -33685,7 +33704,7 @@
           </a:sp3d>
           <a:extLst>
             <a:ext uri="{91240B29-F687-4F45-9708-019B960494DF}">
-              <a14:hiddenLine xmlns="" xmlns:a14="http://schemas.microsoft.com/office/drawing/2010/main" w="25400" cap="flat" cmpd="sng" algn="ctr">
+              <a14:hiddenLine xmlns:a14="http://schemas.microsoft.com/office/drawing/2010/main" xmlns="" w="25400" cap="flat" cmpd="sng" algn="ctr">
                 <a:solidFill>
                   <a:schemeClr val="accent1">
                     <a:shade val="50000"/>
@@ -33851,7 +33870,7 @@
           </a:sp3d>
           <a:extLst>
             <a:ext uri="{91240B29-F687-4F45-9708-019B960494DF}">
-              <a14:hiddenLine xmlns="" xmlns:a14="http://schemas.microsoft.com/office/drawing/2010/main" w="25400" cap="flat" cmpd="sng" algn="ctr">
+              <a14:hiddenLine xmlns:a14="http://schemas.microsoft.com/office/drawing/2010/main" xmlns="" w="25400" cap="flat" cmpd="sng" algn="ctr">
                 <a:solidFill>
                   <a:schemeClr val="accent1">
                     <a:shade val="50000"/>
@@ -34023,7 +34042,7 @@
           </a:sp3d>
           <a:extLst>
             <a:ext uri="{91240B29-F687-4F45-9708-019B960494DF}">
-              <a14:hiddenLine xmlns="" xmlns:a14="http://schemas.microsoft.com/office/drawing/2010/main" w="25400" cap="flat" cmpd="sng" algn="ctr">
+              <a14:hiddenLine xmlns:a14="http://schemas.microsoft.com/office/drawing/2010/main" xmlns="" w="25400" cap="flat" cmpd="sng" algn="ctr">
                 <a:solidFill>
                   <a:schemeClr val="accent1">
                     <a:shade val="50000"/>
@@ -34033,7 +34052,7 @@
               </a14:hiddenLine>
             </a:ext>
             <a:ext uri="{53640926-AAD7-44D8-BBD7-CCE9431645EC}">
-              <a14:shadowObscured xmlns="" xmlns:a14="http://schemas.microsoft.com/office/drawing/2010/main" val="1"/>
+              <a14:shadowObscured xmlns:a14="http://schemas.microsoft.com/office/drawing/2010/main" xmlns="" val="1"/>
             </a:ext>
           </a:extLst>
         </p:spPr>
@@ -34201,7 +34220,7 @@
           </a:sp3d>
           <a:extLst>
             <a:ext uri="{91240B29-F687-4F45-9708-019B960494DF}">
-              <a14:hiddenLine xmlns="" xmlns:a14="http://schemas.microsoft.com/office/drawing/2010/main" w="25400" cap="flat" cmpd="sng" algn="ctr">
+              <a14:hiddenLine xmlns:a14="http://schemas.microsoft.com/office/drawing/2010/main" xmlns="" w="25400" cap="flat" cmpd="sng" algn="ctr">
                 <a:solidFill>
                   <a:schemeClr val="accent1">
                     <a:shade val="50000"/>
@@ -34211,7 +34230,7 @@
               </a14:hiddenLine>
             </a:ext>
             <a:ext uri="{53640926-AAD7-44D8-BBD7-CCE9431645EC}">
-              <a14:shadowObscured xmlns="" xmlns:a14="http://schemas.microsoft.com/office/drawing/2010/main" val="1"/>
+              <a14:shadowObscured xmlns:a14="http://schemas.microsoft.com/office/drawing/2010/main" xmlns="" val="1"/>
             </a:ext>
           </a:extLst>
         </p:spPr>
@@ -34379,7 +34398,7 @@
           </a:sp3d>
           <a:extLst>
             <a:ext uri="{91240B29-F687-4F45-9708-019B960494DF}">
-              <a14:hiddenLine xmlns="" xmlns:a14="http://schemas.microsoft.com/office/drawing/2010/main" w="25400" cap="flat" cmpd="sng" algn="ctr">
+              <a14:hiddenLine xmlns:a14="http://schemas.microsoft.com/office/drawing/2010/main" xmlns="" w="25400" cap="flat" cmpd="sng" algn="ctr">
                 <a:solidFill>
                   <a:schemeClr val="accent1">
                     <a:shade val="50000"/>
@@ -34389,7 +34408,7 @@
               </a14:hiddenLine>
             </a:ext>
             <a:ext uri="{53640926-AAD7-44D8-BBD7-CCE9431645EC}">
-              <a14:shadowObscured xmlns="" xmlns:a14="http://schemas.microsoft.com/office/drawing/2010/main" val="1"/>
+              <a14:shadowObscured xmlns:a14="http://schemas.microsoft.com/office/drawing/2010/main" xmlns="" val="1"/>
             </a:ext>
           </a:extLst>
         </p:spPr>
@@ -34557,7 +34576,7 @@
           </a:sp3d>
           <a:extLst>
             <a:ext uri="{91240B29-F687-4F45-9708-019B960494DF}">
-              <a14:hiddenLine xmlns="" xmlns:a14="http://schemas.microsoft.com/office/drawing/2010/main" w="25400" cap="flat" cmpd="sng" algn="ctr">
+              <a14:hiddenLine xmlns:a14="http://schemas.microsoft.com/office/drawing/2010/main" xmlns="" w="25400" cap="flat" cmpd="sng" algn="ctr">
                 <a:solidFill>
                   <a:schemeClr val="accent1">
                     <a:shade val="50000"/>
@@ -34567,7 +34586,7 @@
               </a14:hiddenLine>
             </a:ext>
             <a:ext uri="{53640926-AAD7-44D8-BBD7-CCE9431645EC}">
-              <a14:shadowObscured xmlns="" xmlns:a14="http://schemas.microsoft.com/office/drawing/2010/main" val="1"/>
+              <a14:shadowObscured xmlns:a14="http://schemas.microsoft.com/office/drawing/2010/main" xmlns="" val="1"/>
             </a:ext>
           </a:extLst>
         </p:spPr>
@@ -34735,7 +34754,7 @@
           </a:sp3d>
           <a:extLst>
             <a:ext uri="{91240B29-F687-4F45-9708-019B960494DF}">
-              <a14:hiddenLine xmlns="" xmlns:a14="http://schemas.microsoft.com/office/drawing/2010/main" w="25400" cap="flat" cmpd="sng" algn="ctr">
+              <a14:hiddenLine xmlns:a14="http://schemas.microsoft.com/office/drawing/2010/main" xmlns="" w="25400" cap="flat" cmpd="sng" algn="ctr">
                 <a:solidFill>
                   <a:schemeClr val="accent1">
                     <a:shade val="50000"/>
@@ -34745,7 +34764,7 @@
               </a14:hiddenLine>
             </a:ext>
             <a:ext uri="{53640926-AAD7-44D8-BBD7-CCE9431645EC}">
-              <a14:shadowObscured xmlns="" xmlns:a14="http://schemas.microsoft.com/office/drawing/2010/main" val="1"/>
+              <a14:shadowObscured xmlns:a14="http://schemas.microsoft.com/office/drawing/2010/main" xmlns="" val="1"/>
             </a:ext>
           </a:extLst>
         </p:spPr>
@@ -34876,7 +34895,7 @@
     </p:custDataLst>
     <p:extLst>
       <p:ext uri="{BB962C8B-B14F-4D97-AF65-F5344CB8AC3E}">
-        <p14:creationId xmlns="" xmlns:p14="http://schemas.microsoft.com/office/powerpoint/2010/main" val="2848529613"/>
+        <p14:creationId xmlns:p14="http://schemas.microsoft.com/office/powerpoint/2010/main" xmlns="" val="2848529613"/>
       </p:ext>
     </p:extLst>
   </p:cSld>
@@ -34926,10 +34945,9 @@
           <a:lstStyle/>
           <a:p>
             <a:r>
-              <a:rPr lang="en-US" smtClean="0"/>
+              <a:rPr lang="en-US" dirty="0" smtClean="0"/>
               <a:t>Prototype base platform</a:t>
             </a:r>
-            <a:endParaRPr lang="en-US" dirty="0" smtClean="0"/>
           </a:p>
         </p:txBody>
       </p:sp>
@@ -34946,7 +34964,7 @@
         <p:spPr/>
         <p:txBody>
           <a:bodyPr>
-            <a:normAutofit lnSpcReduction="10000"/>
+            <a:normAutofit fontScale="92500" lnSpcReduction="20000"/>
           </a:bodyPr>
           <a:lstStyle/>
           <a:p>
@@ -34988,11 +35006,11 @@
           <a:p>
             <a:r>
               <a:rPr lang="en-US" dirty="0" err="1" smtClean="0"/>
-              <a:t>Simd</a:t>
+              <a:t>SimpleDDS</a:t>
             </a:r>
             <a:r>
               <a:rPr lang="en-US" dirty="0" smtClean="0"/>
-              <a:t>-cxx – v0.9 (DDS framework)</a:t>
+              <a:t> Library (DDS framework)</a:t>
             </a:r>
           </a:p>
           <a:p>
@@ -35015,6 +35033,12 @@
             <a:r>
               <a:rPr lang="en-US" dirty="0" smtClean="0"/>
               <a:t>Mongo cxx driver v1.8 (database driver)</a:t>
+            </a:r>
+          </a:p>
+          <a:p>
+            <a:r>
+              <a:rPr lang="en-US" dirty="0" smtClean="0"/>
+              <a:t>Log4cpp-v1.0 (for logging)</a:t>
             </a:r>
           </a:p>
           <a:p>
@@ -36080,25 +36104,25 @@
           <a:lstStyle/>
           <a:p>
             <a:r>
-              <a:rPr lang="en-US" smtClean="0"/>
+              <a:rPr lang="en-US" dirty="0" smtClean="0"/>
               <a:t>Generates the random data for Pulse-ox, Blood Pressure and temperature as per the structure defined in the  previous slide.</a:t>
             </a:r>
           </a:p>
           <a:p>
             <a:r>
-              <a:rPr lang="en-US" smtClean="0"/>
+              <a:rPr lang="en-US" dirty="0" smtClean="0"/>
               <a:t>Has some pre-defined constraints to generate random data. (example systolic random data between 1 to 210 mmHg)</a:t>
             </a:r>
           </a:p>
           <a:p>
             <a:r>
-              <a:rPr lang="en-US" smtClean="0"/>
+              <a:rPr lang="en-US" dirty="0" smtClean="0"/>
               <a:t>Simultaneously creates timestamp for each data that is generated.</a:t>
             </a:r>
           </a:p>
           <a:p>
             <a:r>
-              <a:rPr lang="en-US" smtClean="0"/>
+              <a:rPr lang="en-US" dirty="0" smtClean="0"/>
               <a:t>Multithreaded process  because so that it can handle multiple processes in a given time interval.</a:t>
             </a:r>
           </a:p>
@@ -36310,14 +36334,14 @@
             </a:ln>
             <a:extLst>
               <a:ext uri="{909E8E84-426E-40DD-AFC4-6F175D3DCCD1}">
-                <a14:hiddenFill xmlns="" xmlns:a14="http://schemas.microsoft.com/office/drawing/2010/main">
+                <a14:hiddenFill xmlns:a14="http://schemas.microsoft.com/office/drawing/2010/main" xmlns="">
                   <a:solidFill>
                     <a:srgbClr val="FFFFFF"/>
                   </a:solidFill>
                 </a14:hiddenFill>
               </a:ext>
               <a:ext uri="{91240B29-F687-4F45-9708-019B960494DF}">
-                <a14:hiddenLine xmlns="" xmlns:a14="http://schemas.microsoft.com/office/drawing/2010/main" w="9525">
+                <a14:hiddenLine xmlns:a14="http://schemas.microsoft.com/office/drawing/2010/main" xmlns="" w="9525">
                   <a:solidFill>
                     <a:srgbClr val="000000"/>
                   </a:solidFill>
@@ -36680,14 +36704,14 @@
             </a:ln>
             <a:extLst>
               <a:ext uri="{909E8E84-426E-40DD-AFC4-6F175D3DCCD1}">
-                <a14:hiddenFill xmlns="" xmlns:a14="http://schemas.microsoft.com/office/drawing/2010/main">
+                <a14:hiddenFill xmlns:a14="http://schemas.microsoft.com/office/drawing/2010/main" xmlns="">
                   <a:solidFill>
                     <a:srgbClr val="FFFFFF"/>
                   </a:solidFill>
                 </a14:hiddenFill>
               </a:ext>
               <a:ext uri="{91240B29-F687-4F45-9708-019B960494DF}">
-                <a14:hiddenLine xmlns="" xmlns:a14="http://schemas.microsoft.com/office/drawing/2010/main" w="9525">
+                <a14:hiddenLine xmlns:a14="http://schemas.microsoft.com/office/drawing/2010/main" xmlns="" w="9525">
                   <a:solidFill>
                     <a:srgbClr val="000000"/>
                   </a:solidFill>
@@ -37926,14 +37950,14 @@
           </a:ln>
           <a:extLst>
             <a:ext uri="{909E8E84-426E-40DD-AFC4-6F175D3DCCD1}">
-              <a14:hiddenFill xmlns="" xmlns:a14="http://schemas.microsoft.com/office/drawing/2010/main">
+              <a14:hiddenFill xmlns:a14="http://schemas.microsoft.com/office/drawing/2010/main" xmlns="">
                 <a:solidFill>
                   <a:srgbClr val="FFFFFF"/>
                 </a:solidFill>
               </a14:hiddenFill>
             </a:ext>
             <a:ext uri="{91240B29-F687-4F45-9708-019B960494DF}">
-              <a14:hiddenLine xmlns="" xmlns:a14="http://schemas.microsoft.com/office/drawing/2010/main" w="9525">
+              <a14:hiddenLine xmlns:a14="http://schemas.microsoft.com/office/drawing/2010/main" xmlns="" w="9525">
                 <a:solidFill>
                   <a:srgbClr val="000000"/>
                 </a:solidFill>
@@ -38126,14 +38150,14 @@
             </a:ln>
             <a:extLst>
               <a:ext uri="{909E8E84-426E-40DD-AFC4-6F175D3DCCD1}">
-                <a14:hiddenFill xmlns="" xmlns:a14="http://schemas.microsoft.com/office/drawing/2010/main">
+                <a14:hiddenFill xmlns:a14="http://schemas.microsoft.com/office/drawing/2010/main" xmlns="">
                   <a:solidFill>
                     <a:srgbClr val="FFFFFF"/>
                   </a:solidFill>
                 </a14:hiddenFill>
               </a:ext>
               <a:ext uri="{91240B29-F687-4F45-9708-019B960494DF}">
-                <a14:hiddenLine xmlns="" xmlns:a14="http://schemas.microsoft.com/office/drawing/2010/main" w="9525">
+                <a14:hiddenLine xmlns:a14="http://schemas.microsoft.com/office/drawing/2010/main" xmlns="" w="9525">
                   <a:solidFill>
                     <a:srgbClr val="000000"/>
                   </a:solidFill>
@@ -38330,14 +38354,14 @@
             </a:ln>
             <a:extLst>
               <a:ext uri="{909E8E84-426E-40DD-AFC4-6F175D3DCCD1}">
-                <a14:hiddenFill xmlns="" xmlns:a14="http://schemas.microsoft.com/office/drawing/2010/main">
+                <a14:hiddenFill xmlns:a14="http://schemas.microsoft.com/office/drawing/2010/main" xmlns="">
                   <a:solidFill>
                     <a:srgbClr val="FFFFFF"/>
                   </a:solidFill>
                 </a14:hiddenFill>
               </a:ext>
               <a:ext uri="{91240B29-F687-4F45-9708-019B960494DF}">
-                <a14:hiddenLine xmlns="" xmlns:a14="http://schemas.microsoft.com/office/drawing/2010/main" w="9525">
+                <a14:hiddenLine xmlns:a14="http://schemas.microsoft.com/office/drawing/2010/main" xmlns="" w="9525">
                   <a:solidFill>
                     <a:srgbClr val="000000"/>
                   </a:solidFill>
@@ -38986,14 +39010,14 @@
                 <a:latin typeface="+mj-lt"/>
                 <a:cs typeface="Arial" pitchFamily="34" charset="0"/>
               </a:rPr>
-              <a:t>TOPIC : PULSEOX_ECHO</a:t>
-            </a:r>
-            <a:r>
-              <a:rPr lang="en-US" sz="1400" dirty="0">
+              <a:t>TOPIC : </a:t>
+            </a:r>
+            <a:r>
+              <a:rPr lang="en-US" sz="1600" dirty="0" smtClean="0">
                 <a:latin typeface="+mj-lt"/>
                 <a:cs typeface="Arial" pitchFamily="34" charset="0"/>
               </a:rPr>
-              <a:t> </a:t>
+              <a:t>PULSEOX</a:t>
             </a:r>
             <a:endParaRPr lang="en-US" sz="1400" dirty="0">
               <a:solidFill>
@@ -39081,15 +39105,31 @@
               <a:t>     </a:t>
             </a:r>
             <a:r>
-              <a:rPr lang="en-US" sz="1600" dirty="0">
+              <a:rPr lang="en-US" sz="1600" dirty="0" smtClean="0">
                 <a:solidFill>
                   <a:schemeClr val="tx1"/>
                 </a:solidFill>
                 <a:latin typeface="+mj-lt"/>
                 <a:cs typeface="Arial" pitchFamily="34" charset="0"/>
               </a:rPr>
-              <a:t>PULSEOX_ANALYSIS</a:t>
-            </a:r>
+              <a:t>PULSEOX_</a:t>
+            </a:r>
+            <a:r>
+              <a:rPr lang="en-US" sz="1600" dirty="0" smtClean="0">
+                <a:solidFill>
+                  <a:schemeClr val="tx1"/>
+                </a:solidFill>
+                <a:cs typeface="Arial" pitchFamily="34" charset="0"/>
+              </a:rPr>
+              <a:t>PERSIST</a:t>
+            </a:r>
+            <a:endParaRPr lang="en-US" sz="1600" dirty="0">
+              <a:solidFill>
+                <a:schemeClr val="tx1"/>
+              </a:solidFill>
+              <a:latin typeface="+mj-lt"/>
+              <a:cs typeface="Arial" pitchFamily="34" charset="0"/>
+            </a:endParaRPr>
           </a:p>
         </p:txBody>
       </p:sp>
@@ -39168,14 +39208,13 @@
               <a:rPr lang="en-US" sz="1600" dirty="0">
                 <a:cs typeface="Arial" pitchFamily="34" charset="0"/>
               </a:rPr>
-              <a:t>TOPIC : PULSEOX_AVG</a:t>
-            </a:r>
-            <a:r>
-              <a:rPr lang="en-US" sz="1400" dirty="0">
-                <a:latin typeface="+mj-lt"/>
+              <a:t>TOPIC : </a:t>
+            </a:r>
+            <a:r>
+              <a:rPr lang="en-US" sz="1600" dirty="0" smtClean="0">
                 <a:cs typeface="Arial" pitchFamily="34" charset="0"/>
               </a:rPr>
-              <a:t> </a:t>
+              <a:t>PULSEOX</a:t>
             </a:r>
             <a:endParaRPr lang="en-US" sz="1400" dirty="0">
               <a:solidFill>
@@ -39355,17 +39394,10 @@
               <a:t>TOPIC : </a:t>
             </a:r>
             <a:r>
-              <a:rPr lang="en-US" sz="1600" dirty="0">
+              <a:rPr lang="en-US" sz="1600" dirty="0" smtClean="0">
                 <a:latin typeface="+mj-lt"/>
               </a:rPr>
-              <a:t>PULSEOX_ALARM</a:t>
-            </a:r>
-            <a:r>
-              <a:rPr lang="en-US" sz="1400" dirty="0">
-                <a:latin typeface="+mj-lt"/>
-                <a:cs typeface="Arial" pitchFamily="34" charset="0"/>
-              </a:rPr>
-              <a:t> </a:t>
+              <a:t>PULSEOX</a:t>
             </a:r>
             <a:endParaRPr lang="en-US" sz="1400" dirty="0">
               <a:solidFill>
@@ -39538,7 +39570,14 @@
                 <a:latin typeface="+mj-lt"/>
                 <a:cs typeface="Arial" pitchFamily="34" charset="0"/>
               </a:rPr>
-              <a:t>TOPIC : BP_ECHO </a:t>
+              <a:t>TOPIC : </a:t>
+            </a:r>
+            <a:r>
+              <a:rPr lang="en-US" sz="1600" dirty="0" smtClean="0">
+                <a:latin typeface="+mj-lt"/>
+                <a:cs typeface="Arial" pitchFamily="34" charset="0"/>
+              </a:rPr>
+              <a:t>BPECHO </a:t>
             </a:r>
             <a:endParaRPr lang="en-US" sz="1600" dirty="0">
               <a:solidFill>
@@ -39711,10 +39750,17 @@
                 <a:latin typeface="+mj-lt"/>
                 <a:cs typeface="Arial" pitchFamily="34" charset="0"/>
               </a:rPr>
-              <a:t>TOPIC : TEMP_ECHO</a:t>
-            </a:r>
-            <a:r>
-              <a:rPr lang="en-US" sz="1400" dirty="0">
+              <a:t>TOPIC : </a:t>
+            </a:r>
+            <a:r>
+              <a:rPr lang="en-US" sz="1600" dirty="0" smtClean="0">
+                <a:latin typeface="+mj-lt"/>
+                <a:cs typeface="Arial" pitchFamily="34" charset="0"/>
+              </a:rPr>
+              <a:t>TEMPECHO</a:t>
+            </a:r>
+            <a:r>
+              <a:rPr lang="en-US" sz="1400" dirty="0" smtClean="0">
                 <a:latin typeface="+mj-lt"/>
                 <a:cs typeface="Arial" pitchFamily="34" charset="0"/>
               </a:rPr>
@@ -39807,8 +39853,25 @@
                 <a:latin typeface="+mj-lt"/>
                 <a:cs typeface="Arial" pitchFamily="34" charset="0"/>
               </a:rPr>
-              <a:t>          BP_ALARM</a:t>
-            </a:r>
+              <a:t>          </a:t>
+            </a:r>
+            <a:r>
+              <a:rPr lang="en-US" sz="1600" dirty="0" smtClean="0">
+                <a:solidFill>
+                  <a:schemeClr val="tx1"/>
+                </a:solidFill>
+                <a:latin typeface="+mj-lt"/>
+                <a:cs typeface="Arial" pitchFamily="34" charset="0"/>
+              </a:rPr>
+              <a:t>BP_PERSIST</a:t>
+            </a:r>
+            <a:endParaRPr lang="en-US" sz="1600" dirty="0">
+              <a:solidFill>
+                <a:schemeClr val="tx1"/>
+              </a:solidFill>
+              <a:latin typeface="+mj-lt"/>
+              <a:cs typeface="Arial" pitchFamily="34" charset="0"/>
+            </a:endParaRPr>
           </a:p>
         </p:txBody>
       </p:sp>
@@ -39891,7 +39954,13 @@
                 <a:latin typeface="+mj-lt"/>
                 <a:cs typeface="Arial" pitchFamily="34" charset="0"/>
               </a:rPr>
-              <a:t>TOPIC: BP_ALARM </a:t>
+              <a:t>TOPIC: </a:t>
+            </a:r>
+            <a:r>
+              <a:rPr lang="en-US" sz="1600" dirty="0" smtClean="0">
+                <a:cs typeface="Arial" pitchFamily="34" charset="0"/>
+              </a:rPr>
+              <a:t>BPECHO</a:t>
             </a:r>
             <a:endParaRPr lang="en-US" sz="1600" dirty="0">
               <a:solidFill>
@@ -39980,8 +40049,34 @@
                 <a:latin typeface="+mj-lt"/>
                 <a:cs typeface="Arial" pitchFamily="34" charset="0"/>
               </a:rPr>
-              <a:t>        TEMP_ANALYSIS</a:t>
-            </a:r>
+              <a:t>        </a:t>
+            </a:r>
+            <a:r>
+              <a:rPr lang="en-US" sz="1600" dirty="0" smtClean="0">
+                <a:solidFill>
+                  <a:schemeClr val="tx1"/>
+                </a:solidFill>
+                <a:latin typeface="+mj-lt"/>
+                <a:cs typeface="Arial" pitchFamily="34" charset="0"/>
+              </a:rPr>
+              <a:t>TEMP_</a:t>
+            </a:r>
+            <a:r>
+              <a:rPr lang="en-US" sz="1600" dirty="0" smtClean="0">
+                <a:solidFill>
+                  <a:schemeClr val="tx1"/>
+                </a:solidFill>
+                <a:cs typeface="Arial" pitchFamily="34" charset="0"/>
+              </a:rPr>
+              <a:t>PERSIST</a:t>
+            </a:r>
+            <a:endParaRPr lang="en-US" sz="1600" dirty="0">
+              <a:solidFill>
+                <a:schemeClr val="tx1"/>
+              </a:solidFill>
+              <a:latin typeface="+mj-lt"/>
+              <a:cs typeface="Arial" pitchFamily="34" charset="0"/>
+            </a:endParaRPr>
           </a:p>
         </p:txBody>
       </p:sp>
@@ -40064,7 +40159,19 @@
                 <a:latin typeface="+mj-lt"/>
                 <a:cs typeface="Arial" pitchFamily="34" charset="0"/>
               </a:rPr>
-              <a:t>TOPIC: TEMP_AVG</a:t>
+              <a:t>TOPIC: </a:t>
+            </a:r>
+            <a:r>
+              <a:rPr lang="en-US" sz="1600" dirty="0" smtClean="0">
+                <a:cs typeface="Arial" pitchFamily="34" charset="0"/>
+              </a:rPr>
+              <a:t>TEMPECHO</a:t>
+            </a:r>
+            <a:r>
+              <a:rPr lang="en-US" sz="1400" dirty="0" smtClean="0">
+                <a:cs typeface="Arial" pitchFamily="34" charset="0"/>
+              </a:rPr>
+              <a:t> </a:t>
             </a:r>
             <a:endParaRPr lang="en-US" sz="1600" dirty="0">
               <a:latin typeface="+mj-lt"/>
@@ -40264,16 +40371,201 @@
                 <a:latin typeface="+mj-lt"/>
                 <a:cs typeface="Arial" pitchFamily="34" charset="0"/>
               </a:rPr>
-              <a:t>TOPIC: TEMP_ALARM</a:t>
-            </a:r>
-            <a:r>
-              <a:rPr lang="en-US" sz="1400" dirty="0">
+              <a:t>TOPIC: </a:t>
+            </a:r>
+            <a:r>
+              <a:rPr lang="en-US" sz="1600" dirty="0" smtClean="0">
+                <a:cs typeface="Arial" pitchFamily="34" charset="0"/>
+              </a:rPr>
+              <a:t>TEMPECHO</a:t>
+            </a:r>
+            <a:r>
+              <a:rPr lang="en-US" sz="1400" dirty="0" smtClean="0">
                 <a:latin typeface="+mj-lt"/>
                 <a:cs typeface="Arial" pitchFamily="34" charset="0"/>
               </a:rPr>
               <a:t> </a:t>
             </a:r>
             <a:endParaRPr lang="en-US" sz="1400" dirty="0">
+              <a:solidFill>
+                <a:schemeClr val="tx1"/>
+              </a:solidFill>
+              <a:latin typeface="+mj-lt"/>
+              <a:cs typeface="Arial" pitchFamily="34" charset="0"/>
+            </a:endParaRPr>
+          </a:p>
+        </p:txBody>
+      </p:sp>
+      <p:sp>
+        <p:nvSpPr>
+          <p:cNvPr id="22" name="Content Placeholder 2"/>
+          <p:cNvSpPr txBox="1">
+            <a:spLocks/>
+          </p:cNvSpPr>
+          <p:nvPr/>
+        </p:nvSpPr>
+        <p:spPr>
+          <a:xfrm>
+            <a:off x="3276600" y="4800600"/>
+            <a:ext cx="2670175" cy="533400"/>
+          </a:xfrm>
+          <a:prstGeom prst="rect">
+            <a:avLst/>
+          </a:prstGeom>
+        </p:spPr>
+        <p:style>
+          <a:lnRef idx="0">
+            <a:schemeClr val="accent5"/>
+          </a:lnRef>
+          <a:fillRef idx="3">
+            <a:schemeClr val="accent5"/>
+          </a:fillRef>
+          <a:effectRef idx="3">
+            <a:schemeClr val="accent5"/>
+          </a:effectRef>
+          <a:fontRef idx="minor">
+            <a:schemeClr val="lt1"/>
+          </a:fontRef>
+        </p:style>
+        <p:txBody>
+          <a:bodyPr/>
+          <a:lstStyle/>
+          <a:p>
+            <a:pPr marL="521208" lvl="1" indent="-228600" fontAlgn="auto">
+              <a:spcBef>
+                <a:spcPts val="500"/>
+              </a:spcBef>
+              <a:spcAft>
+                <a:spcPts val="0"/>
+              </a:spcAft>
+              <a:buClr>
+                <a:schemeClr val="accent4"/>
+              </a:buClr>
+              <a:buSzPct val="80000"/>
+              <a:defRPr/>
+            </a:pPr>
+            <a:endParaRPr lang="en-US" sz="300" dirty="0">
+              <a:solidFill>
+                <a:schemeClr val="tx1"/>
+              </a:solidFill>
+              <a:cs typeface="Arial" pitchFamily="34" charset="0"/>
+            </a:endParaRPr>
+          </a:p>
+          <a:p>
+            <a:pPr marL="521208" lvl="1" indent="-228600" fontAlgn="auto">
+              <a:spcBef>
+                <a:spcPts val="500"/>
+              </a:spcBef>
+              <a:spcAft>
+                <a:spcPts val="0"/>
+              </a:spcAft>
+              <a:buClr>
+                <a:schemeClr val="accent4"/>
+              </a:buClr>
+              <a:buSzPct val="80000"/>
+              <a:defRPr/>
+            </a:pPr>
+            <a:r>
+              <a:rPr lang="en-US" sz="1600" dirty="0">
+                <a:solidFill>
+                  <a:schemeClr val="tx1"/>
+                </a:solidFill>
+                <a:latin typeface="+mj-lt"/>
+                <a:cs typeface="Arial" pitchFamily="34" charset="0"/>
+              </a:rPr>
+              <a:t>          BP_ALARM</a:t>
+            </a:r>
+          </a:p>
+        </p:txBody>
+      </p:sp>
+      <p:sp>
+        <p:nvSpPr>
+          <p:cNvPr id="33" name="Content Placeholder 2"/>
+          <p:cNvSpPr txBox="1">
+            <a:spLocks/>
+          </p:cNvSpPr>
+          <p:nvPr/>
+        </p:nvSpPr>
+        <p:spPr>
+          <a:xfrm>
+            <a:off x="3276600" y="5333995"/>
+            <a:ext cx="2667000" cy="762000"/>
+          </a:xfrm>
+          <a:prstGeom prst="rect">
+            <a:avLst/>
+          </a:prstGeom>
+        </p:spPr>
+        <p:style>
+          <a:lnRef idx="2">
+            <a:schemeClr val="dk1"/>
+          </a:lnRef>
+          <a:fillRef idx="1">
+            <a:schemeClr val="lt1"/>
+          </a:fillRef>
+          <a:effectRef idx="0">
+            <a:schemeClr val="dk1"/>
+          </a:effectRef>
+          <a:fontRef idx="minor">
+            <a:schemeClr val="dk1"/>
+          </a:fontRef>
+        </p:style>
+        <p:txBody>
+          <a:bodyPr/>
+          <a:lstStyle/>
+          <a:p>
+            <a:pPr fontAlgn="auto">
+              <a:spcBef>
+                <a:spcPts val="600"/>
+              </a:spcBef>
+              <a:spcAft>
+                <a:spcPts val="0"/>
+              </a:spcAft>
+              <a:buClr>
+                <a:schemeClr val="tx2"/>
+              </a:buClr>
+              <a:buSzPct val="73000"/>
+              <a:buFont typeface="Wingdings 2"/>
+              <a:buNone/>
+              <a:defRPr/>
+            </a:pPr>
+            <a:r>
+              <a:rPr lang="en-US" sz="1600" dirty="0">
+                <a:latin typeface="+mj-lt"/>
+                <a:cs typeface="Arial" pitchFamily="34" charset="0"/>
+              </a:rPr>
+              <a:t>PARTITION : DEVICE_BP</a:t>
+            </a:r>
+          </a:p>
+          <a:p>
+            <a:pPr fontAlgn="auto">
+              <a:spcBef>
+                <a:spcPts val="600"/>
+              </a:spcBef>
+              <a:spcAft>
+                <a:spcPts val="0"/>
+              </a:spcAft>
+              <a:buClr>
+                <a:schemeClr val="tx2"/>
+              </a:buClr>
+              <a:buSzPct val="73000"/>
+              <a:buFont typeface="Wingdings 2"/>
+              <a:buNone/>
+              <a:defRPr/>
+            </a:pPr>
+            <a:r>
+              <a:rPr lang="en-US" sz="1600" dirty="0">
+                <a:latin typeface="+mj-lt"/>
+                <a:cs typeface="Arial" pitchFamily="34" charset="0"/>
+              </a:rPr>
+              <a:t>TOPIC: </a:t>
+            </a:r>
+            <a:r>
+              <a:rPr lang="en-US" sz="1600" dirty="0" smtClean="0">
+                <a:cs typeface="Arial" pitchFamily="34" charset="0"/>
+              </a:rPr>
+              <a:t>BPECHO</a:t>
+            </a:r>
+            <a:endParaRPr lang="en-US" sz="1600" dirty="0">
               <a:solidFill>
                 <a:schemeClr val="tx1"/>
               </a:solidFill>
@@ -40937,13 +41229,20 @@
     </p:spTree>
     <p:extLst>
       <p:ext uri="{BB962C8B-B14F-4D97-AF65-F5344CB8AC3E}">
-        <p14:creationId xmlns="" xmlns:p14="http://schemas.microsoft.com/office/powerpoint/2010/main" val="3654348141"/>
+        <p14:creationId xmlns:p14="http://schemas.microsoft.com/office/powerpoint/2010/main" xmlns="" val="3654348141"/>
       </p:ext>
     </p:extLst>
   </p:cSld>
   <p:clrMapOvr>
     <a:masterClrMapping/>
   </p:clrMapOvr>
+  <p:timing>
+    <p:tnLst>
+      <p:par>
+        <p:cTn id="1" dur="indefinite" restart="never" nodeType="tmRoot"/>
+      </p:par>
+    </p:tnLst>
+  </p:timing>
 </p:sld>
 </file>
 
@@ -41429,14 +41728,14 @@
             </a:ln>
             <a:extLst>
               <a:ext uri="{909E8E84-426E-40DD-AFC4-6F175D3DCCD1}">
-                <a14:hiddenFill xmlns="" xmlns:a14="http://schemas.microsoft.com/office/drawing/2010/main">
+                <a14:hiddenFill xmlns:a14="http://schemas.microsoft.com/office/drawing/2010/main" xmlns="">
                   <a:solidFill>
                     <a:srgbClr val="FFFFFF"/>
                   </a:solidFill>
                 </a14:hiddenFill>
               </a:ext>
               <a:ext uri="{91240B29-F687-4F45-9708-019B960494DF}">
-                <a14:hiddenLine xmlns="" xmlns:a14="http://schemas.microsoft.com/office/drawing/2010/main" w="9525">
+                <a14:hiddenLine xmlns:a14="http://schemas.microsoft.com/office/drawing/2010/main" xmlns="" w="9525">
                   <a:solidFill>
                     <a:srgbClr val="000000"/>
                   </a:solidFill>
@@ -43844,13 +44143,20 @@
     </p:spTree>
     <p:extLst>
       <p:ext uri="{BB962C8B-B14F-4D97-AF65-F5344CB8AC3E}">
-        <p14:creationId xmlns="" xmlns:p14="http://schemas.microsoft.com/office/powerpoint/2010/main" val="720334382"/>
+        <p14:creationId xmlns:p14="http://schemas.microsoft.com/office/powerpoint/2010/main" xmlns="" val="720334382"/>
       </p:ext>
     </p:extLst>
   </p:cSld>
   <p:clrMapOvr>
     <a:masterClrMapping/>
   </p:clrMapOvr>
+  <p:timing>
+    <p:tnLst>
+      <p:par>
+        <p:cTn id="1" dur="indefinite" restart="never" nodeType="tmRoot"/>
+      </p:par>
+    </p:tnLst>
+  </p:timing>
 </p:sld>
 </file>
 
@@ -43906,7 +44212,7 @@
             <p:ph idx="1"/>
             <p:extLst>
               <p:ext uri="{D42A27DB-BD31-4B8C-83A1-F6EECF244321}">
-                <p14:modId xmlns="" xmlns:p14="http://schemas.microsoft.com/office/powerpoint/2010/main" val="3115529190"/>
+                <p14:modId xmlns:p14="http://schemas.microsoft.com/office/powerpoint/2010/main" xmlns="" val="3115529190"/>
               </p:ext>
             </p:extLst>
           </p:nvPr>
@@ -43924,13 +44230,20 @@
     </p:spTree>
     <p:extLst>
       <p:ext uri="{BB962C8B-B14F-4D97-AF65-F5344CB8AC3E}">
-        <p14:creationId xmlns="" xmlns:p14="http://schemas.microsoft.com/office/powerpoint/2010/main" val="1982279314"/>
+        <p14:creationId xmlns:p14="http://schemas.microsoft.com/office/powerpoint/2010/main" xmlns="" val="1982279314"/>
       </p:ext>
     </p:extLst>
   </p:cSld>
   <p:clrMapOvr>
     <a:masterClrMapping/>
   </p:clrMapOvr>
+  <p:timing>
+    <p:tnLst>
+      <p:par>
+        <p:cTn id="1" dur="indefinite" restart="never" nodeType="tmRoot"/>
+      </p:par>
+    </p:tnLst>
+  </p:timing>
 </p:sld>
 </file>
 
@@ -44075,6 +44388,13 @@
   <p:clrMapOvr>
     <a:masterClrMapping/>
   </p:clrMapOvr>
+  <p:timing>
+    <p:tnLst>
+      <p:par>
+        <p:cTn id="1" dur="indefinite" restart="never" nodeType="tmRoot"/>
+      </p:par>
+    </p:tnLst>
+  </p:timing>
 </p:sld>
 </file>
 
@@ -44329,6 +44649,13 @@
   <p:clrMapOvr>
     <a:masterClrMapping/>
   </p:clrMapOvr>
+  <p:timing>
+    <p:tnLst>
+      <p:par>
+        <p:cTn id="1" dur="indefinite" restart="never" nodeType="tmRoot"/>
+      </p:par>
+    </p:tnLst>
+  </p:timing>
 </p:sld>
 </file>
 
@@ -44361,12 +44688,14 @@
         </p:nvSpPr>
         <p:spPr/>
         <p:txBody>
-          <a:bodyPr/>
+          <a:bodyPr>
+            <a:normAutofit fontScale="90000"/>
+          </a:bodyPr>
           <a:lstStyle/>
           <a:p>
             <a:r>
               <a:rPr lang="en-US" dirty="0" smtClean="0"/>
-              <a:t>Publishers</a:t>
+              <a:t>Logging for Publisher and Subscribers</a:t>
             </a:r>
             <a:endParaRPr lang="en-US" dirty="0"/>
           </a:p>
@@ -44384,49 +44713,146 @@
         </p:nvSpPr>
         <p:spPr>
           <a:xfrm>
-            <a:off x="457200" y="1600201"/>
-            <a:ext cx="8229600" cy="4648199"/>
+            <a:off x="457200" y="1565565"/>
+            <a:ext cx="8229600" cy="4525963"/>
           </a:xfrm>
         </p:spPr>
         <p:txBody>
           <a:bodyPr>
-            <a:normAutofit fontScale="92500" lnSpcReduction="10000"/>
+            <a:normAutofit/>
           </a:bodyPr>
           <a:lstStyle/>
-          <a:p>
-            <a:r>
-              <a:rPr lang="en-US" sz="3000" dirty="0" smtClean="0"/>
-              <a:t>Publisher sends the command to the data generator and receive the sample data.</a:t>
-            </a:r>
-          </a:p>
           <a:p>
             <a:pPr>
               <a:buNone/>
             </a:pPr>
-            <a:endParaRPr lang="en-US" sz="3000" dirty="0" smtClean="0"/>
-          </a:p>
-          <a:p>
-            <a:r>
-              <a:rPr lang="en-US" sz="3000" dirty="0" smtClean="0"/>
-              <a:t>Receives the sample data as a single string with “:” as field separator.</a:t>
-            </a:r>
-          </a:p>
-          <a:p>
-            <a:endParaRPr lang="en-US" sz="3000" dirty="0" smtClean="0"/>
-          </a:p>
-          <a:p>
-            <a:r>
-              <a:rPr lang="en-US" sz="3000" dirty="0" smtClean="0"/>
-              <a:t>Received string will be separated and used to populate the object.</a:t>
-            </a:r>
-          </a:p>
-          <a:p>
-            <a:endParaRPr lang="en-US" sz="3000" dirty="0" smtClean="0"/>
-          </a:p>
-          <a:p>
-            <a:r>
-              <a:rPr lang="en-US" sz="3000" dirty="0" smtClean="0"/>
-              <a:t>Populated will be written to a DDS topic</a:t>
+            <a:r>
+              <a:rPr lang="en-US" dirty="0" smtClean="0"/>
+              <a:t>	</a:t>
+            </a:r>
+          </a:p>
+        </p:txBody>
+      </p:sp>
+      <p:sp>
+        <p:nvSpPr>
+          <p:cNvPr id="4" name="Content Placeholder 2"/>
+          <p:cNvSpPr txBox="1">
+            <a:spLocks/>
+          </p:cNvSpPr>
+          <p:nvPr/>
+        </p:nvSpPr>
+        <p:spPr>
+          <a:xfrm>
+            <a:off x="457200" y="1600200"/>
+            <a:ext cx="8229600" cy="4525963"/>
+          </a:xfrm>
+          <a:prstGeom prst="rect">
+            <a:avLst/>
+          </a:prstGeom>
+        </p:spPr>
+        <p:txBody>
+          <a:bodyPr vert="horz" lIns="91440" tIns="45720" rIns="91440" bIns="45720" rtlCol="0">
+            <a:normAutofit lnSpcReduction="10000"/>
+          </a:bodyPr>
+          <a:lstStyle/>
+          <a:p>
+            <a:pPr marL="342900" marR="0" lvl="0" indent="-342900" algn="just" defTabSz="914400" rtl="0" eaLnBrk="1" fontAlgn="auto" latinLnBrk="0" hangingPunct="1">
+              <a:lnSpc>
+                <a:spcPct val="100000"/>
+              </a:lnSpc>
+              <a:spcBef>
+                <a:spcPct val="20000"/>
+              </a:spcBef>
+              <a:spcAft>
+                <a:spcPts val="0"/>
+              </a:spcAft>
+              <a:buClrTx/>
+              <a:buSzTx/>
+              <a:buFont typeface="Arial" charset="0"/>
+              <a:buChar char="•"/>
+              <a:tabLst/>
+              <a:defRPr/>
+            </a:pPr>
+            <a:r>
+              <a:rPr lang="en-US" sz="3200" dirty="0" smtClean="0">
+                <a:latin typeface="+mn-lt"/>
+              </a:rPr>
+              <a:t>Publishers and subscribers have separate configuration files.</a:t>
+            </a:r>
+          </a:p>
+          <a:p>
+            <a:pPr marL="342900" marR="0" lvl="0" indent="-342900" algn="just" defTabSz="914400" rtl="0" eaLnBrk="1" fontAlgn="auto" latinLnBrk="0" hangingPunct="1">
+              <a:lnSpc>
+                <a:spcPct val="100000"/>
+              </a:lnSpc>
+              <a:spcBef>
+                <a:spcPct val="20000"/>
+              </a:spcBef>
+              <a:spcAft>
+                <a:spcPts val="0"/>
+              </a:spcAft>
+              <a:buClrTx/>
+              <a:buSzTx/>
+              <a:buFont typeface="Arial" charset="0"/>
+              <a:buChar char="•"/>
+              <a:tabLst/>
+              <a:defRPr/>
+            </a:pPr>
+            <a:r>
+              <a:rPr lang="en-US" sz="3200" dirty="0" smtClean="0">
+                <a:latin typeface="+mn-lt"/>
+              </a:rPr>
+              <a:t>We can pass the configuration file as argument to the publishers and subscribers.</a:t>
+            </a:r>
+          </a:p>
+          <a:p>
+            <a:pPr marL="342900" marR="0" lvl="0" indent="-342900" algn="just" defTabSz="914400" rtl="0" eaLnBrk="1" fontAlgn="auto" latinLnBrk="0" hangingPunct="1">
+              <a:lnSpc>
+                <a:spcPct val="100000"/>
+              </a:lnSpc>
+              <a:spcBef>
+                <a:spcPct val="20000"/>
+              </a:spcBef>
+              <a:spcAft>
+                <a:spcPts val="0"/>
+              </a:spcAft>
+              <a:buClrTx/>
+              <a:buSzTx/>
+              <a:buFont typeface="Arial" charset="0"/>
+              <a:buChar char="•"/>
+              <a:tabLst/>
+              <a:defRPr/>
+            </a:pPr>
+            <a:r>
+              <a:rPr lang="en-US" sz="3200" dirty="0" smtClean="0">
+                <a:latin typeface="+mn-lt"/>
+              </a:rPr>
+              <a:t>We can select the category via command line argument. </a:t>
+            </a:r>
+          </a:p>
+          <a:p>
+            <a:pPr marL="342900" marR="0" lvl="0" indent="-342900" algn="just" defTabSz="914400" rtl="0" eaLnBrk="1" fontAlgn="auto" latinLnBrk="0" hangingPunct="1">
+              <a:lnSpc>
+                <a:spcPct val="100000"/>
+              </a:lnSpc>
+              <a:spcBef>
+                <a:spcPct val="20000"/>
+              </a:spcBef>
+              <a:spcAft>
+                <a:spcPts val="0"/>
+              </a:spcAft>
+              <a:buClrTx/>
+              <a:buSzTx/>
+              <a:buFont typeface="Arial" charset="0"/>
+              <a:buChar char="•"/>
+              <a:tabLst/>
+              <a:defRPr/>
+            </a:pPr>
+            <a:r>
+              <a:rPr lang="en-US" sz="3200" dirty="0" smtClean="0">
+                <a:latin typeface="+mn-lt"/>
+              </a:rPr>
+              <a:t>Major two categories are info and data. Info category has errors, warnings, notices and info. Data category has only formatted data.</a:t>
             </a:r>
           </a:p>
         </p:txBody>
@@ -44436,6 +44862,13 @@
   <p:clrMapOvr>
     <a:masterClrMapping/>
   </p:clrMapOvr>
+  <p:timing>
+    <p:tnLst>
+      <p:par>
+        <p:cTn id="1" dur="indefinite" restart="never" nodeType="tmRoot"/>
+      </p:par>
+    </p:tnLst>
+  </p:timing>
 </p:sld>
 </file>
 
@@ -44468,12 +44901,14 @@
         </p:nvSpPr>
         <p:spPr/>
         <p:txBody>
-          <a:bodyPr/>
+          <a:bodyPr>
+            <a:normAutofit fontScale="90000"/>
+          </a:bodyPr>
           <a:lstStyle/>
           <a:p>
             <a:r>
               <a:rPr lang="en-US" dirty="0" smtClean="0"/>
-              <a:t>Publishers</a:t>
+              <a:t>Logging for Publisher and Subscribers</a:t>
             </a:r>
             <a:endParaRPr lang="en-US" dirty="0"/>
           </a:p>
@@ -44489,103 +44924,215 @@
             <p:ph idx="1"/>
           </p:nvPr>
         </p:nvSpPr>
-        <p:spPr>
-          <a:xfrm>
-            <a:off x="457200" y="1600201"/>
-            <a:ext cx="8229600" cy="4648199"/>
-          </a:xfrm>
-        </p:spPr>
+        <p:spPr/>
         <p:txBody>
           <a:bodyPr>
-            <a:normAutofit/>
+            <a:normAutofit fontScale="70000" lnSpcReduction="20000"/>
           </a:bodyPr>
           <a:lstStyle/>
           <a:p>
-            <a:pPr lvl="0">
+            <a:pPr>
               <a:buNone/>
             </a:pPr>
             <a:r>
-              <a:rPr lang="en-US" sz="3000" dirty="0" smtClean="0"/>
-              <a:t>	</a:t>
-            </a:r>
-            <a:r>
-              <a:rPr lang="en-US" sz="3000" b="1" dirty="0" smtClean="0"/>
-              <a:t>Sample Data (BP) received from Data generator</a:t>
-            </a:r>
-          </a:p>
-          <a:p>
-            <a:pPr lvl="0">
+              <a:rPr lang="en-US" dirty="0" smtClean="0"/>
+              <a:t>Example </a:t>
+            </a:r>
+            <a:r>
+              <a:rPr lang="en-US" dirty="0" err="1" smtClean="0"/>
+              <a:t>config</a:t>
+            </a:r>
+            <a:r>
+              <a:rPr lang="en-US" dirty="0" smtClean="0"/>
+              <a:t> for blood pressure publisher</a:t>
+            </a:r>
+          </a:p>
+          <a:p>
+            <a:pPr>
               <a:buNone/>
             </a:pPr>
             <a:r>
-              <a:rPr lang="en-US" sz="3000" dirty="0" smtClean="0"/>
-              <a:t>			1319793289:132:71:66</a:t>
-            </a:r>
-          </a:p>
-          <a:p>
-            <a:pPr lvl="0">
+              <a:rPr lang="en-US" sz="2600" i="1" dirty="0" smtClean="0"/>
+              <a:t>log4j.category.blood.info=NOTICE, </a:t>
+            </a:r>
+            <a:r>
+              <a:rPr lang="en-US" sz="2600" i="1" dirty="0" err="1" smtClean="0"/>
+              <a:t>bloodInfo</a:t>
+            </a:r>
+            <a:endParaRPr lang="en-US" sz="2600" i="1" dirty="0" smtClean="0"/>
+          </a:p>
+          <a:p>
+            <a:pPr>
               <a:buNone/>
             </a:pPr>
             <a:r>
-              <a:rPr lang="en-US" sz="3000" dirty="0" smtClean="0"/>
-              <a:t>	</a:t>
-            </a:r>
-          </a:p>
-          <a:p>
-            <a:pPr lvl="0">
+              <a:rPr lang="en-US" sz="2600" i="1" dirty="0" smtClean="0"/>
+              <a:t>log4j.category.blood.data=INFO, </a:t>
+            </a:r>
+            <a:r>
+              <a:rPr lang="en-US" sz="2600" i="1" dirty="0" err="1" smtClean="0"/>
+              <a:t>bloodData</a:t>
+            </a:r>
+            <a:endParaRPr lang="en-US" sz="2600" i="1" dirty="0" smtClean="0"/>
+          </a:p>
+          <a:p>
+            <a:pPr>
               <a:buNone/>
             </a:pPr>
-            <a:r>
-              <a:rPr lang="en-US" sz="3000" dirty="0" smtClean="0"/>
-              <a:t>	</a:t>
-            </a:r>
-            <a:r>
-              <a:rPr lang="en-US" sz="3000" b="1" dirty="0" smtClean="0"/>
-              <a:t>Populated Object content	</a:t>
-            </a:r>
-          </a:p>
-          <a:p>
-            <a:pPr lvl="0">
+            <a:endParaRPr lang="en-US" sz="900" i="1" dirty="0" smtClean="0"/>
+          </a:p>
+          <a:p>
+            <a:pPr>
               <a:buNone/>
             </a:pPr>
             <a:r>
-              <a:rPr lang="en-US" sz="3000" dirty="0" smtClean="0"/>
-              <a:t>			</a:t>
-            </a:r>
-            <a:r>
-              <a:rPr lang="en-US" sz="3000" dirty="0" err="1" smtClean="0"/>
-              <a:t>TimeStamp</a:t>
-            </a:r>
-            <a:r>
-              <a:rPr lang="en-US" sz="3000" dirty="0" smtClean="0"/>
-              <a:t> - 1319793289 </a:t>
-            </a:r>
-          </a:p>
-          <a:p>
-            <a:pPr lvl="0">
+              <a:rPr lang="en-US" sz="2600" i="1" dirty="0" smtClean="0"/>
+              <a:t>log4j.appender.bloodInfo=org.apache.log4j.FileAppender</a:t>
+            </a:r>
+          </a:p>
+          <a:p>
+            <a:pPr>
               <a:buNone/>
             </a:pPr>
             <a:r>
-              <a:rPr lang="en-US" sz="3000" dirty="0" smtClean="0"/>
-              <a:t>			Systolic Pressure – 132 </a:t>
-            </a:r>
-          </a:p>
-          <a:p>
-            <a:pPr lvl="0">
+              <a:rPr lang="en-US" sz="2600" i="1" dirty="0" smtClean="0"/>
+              <a:t>log4j.appender.bloodInfo.fileName=/</a:t>
+            </a:r>
+            <a:r>
+              <a:rPr lang="en-US" sz="2600" i="1" dirty="0" err="1" smtClean="0"/>
+              <a:t>var</a:t>
+            </a:r>
+            <a:r>
+              <a:rPr lang="en-US" sz="2600" i="1" dirty="0" smtClean="0"/>
+              <a:t>/log/</a:t>
+            </a:r>
+            <a:r>
+              <a:rPr lang="en-US" sz="2600" i="1" dirty="0" err="1" smtClean="0"/>
+              <a:t>netspective</a:t>
+            </a:r>
+            <a:r>
+              <a:rPr lang="en-US" sz="2600" i="1" dirty="0" smtClean="0"/>
+              <a:t>/blood/</a:t>
+            </a:r>
+            <a:r>
+              <a:rPr lang="en-US" sz="2600" i="1" dirty="0" err="1" smtClean="0"/>
+              <a:t>pub.blood.info.log</a:t>
+            </a:r>
+            <a:endParaRPr lang="en-US" sz="2600" i="1" dirty="0" smtClean="0"/>
+          </a:p>
+          <a:p>
+            <a:pPr>
               <a:buNone/>
             </a:pPr>
             <a:r>
-              <a:rPr lang="en-US" sz="3000" dirty="0" smtClean="0"/>
-              <a:t>			Diastolic Pressure - 71 </a:t>
-            </a:r>
-          </a:p>
-          <a:p>
-            <a:pPr lvl="0">
+              <a:rPr lang="en-US" sz="2600" i="1" dirty="0" smtClean="0"/>
+              <a:t>log4j.appender.bloodInfo.layout=org.apache.log4j.PatternLayout</a:t>
+            </a:r>
+          </a:p>
+          <a:p>
+            <a:pPr>
               <a:buNone/>
             </a:pPr>
             <a:r>
-              <a:rPr lang="en-US" sz="3000" dirty="0" smtClean="0"/>
-              <a:t>			Pulse Rate - 66 </a:t>
+              <a:rPr lang="en-US" sz="2600" i="1" dirty="0" smtClean="0"/>
+              <a:t>log4j.appender.bloodInfo.layout.ConversionPattern=%d %-5p %c - %</a:t>
+            </a:r>
+            <a:r>
+              <a:rPr lang="en-US" sz="2600" i="1" dirty="0" err="1" smtClean="0"/>
+              <a:t>m%n</a:t>
+            </a:r>
+            <a:endParaRPr lang="en-US" sz="2600" i="1" dirty="0" smtClean="0"/>
+          </a:p>
+          <a:p>
+            <a:pPr>
+              <a:buNone/>
+            </a:pPr>
+            <a:endParaRPr lang="en-US" sz="1000" i="1" dirty="0" smtClean="0"/>
+          </a:p>
+          <a:p>
+            <a:pPr>
+              <a:buNone/>
+            </a:pPr>
+            <a:r>
+              <a:rPr lang="en-US" sz="2600" i="1" dirty="0" smtClean="0"/>
+              <a:t>log4j.appender.bloodData=org.apache.log4j.FileAppender</a:t>
+            </a:r>
+          </a:p>
+          <a:p>
+            <a:pPr>
+              <a:buNone/>
+            </a:pPr>
+            <a:r>
+              <a:rPr lang="en-US" sz="2600" i="1" dirty="0" smtClean="0"/>
+              <a:t>log4j.appender.bloodData.fileName=/</a:t>
+            </a:r>
+            <a:r>
+              <a:rPr lang="en-US" sz="2600" i="1" dirty="0" err="1" smtClean="0"/>
+              <a:t>var</a:t>
+            </a:r>
+            <a:r>
+              <a:rPr lang="en-US" sz="2600" i="1" dirty="0" smtClean="0"/>
+              <a:t>/log/</a:t>
+            </a:r>
+            <a:r>
+              <a:rPr lang="en-US" sz="2600" i="1" dirty="0" err="1" smtClean="0"/>
+              <a:t>netspective</a:t>
+            </a:r>
+            <a:r>
+              <a:rPr lang="en-US" sz="2600" i="1" dirty="0" smtClean="0"/>
+              <a:t>/blood/</a:t>
+            </a:r>
+            <a:r>
+              <a:rPr lang="en-US" sz="2600" i="1" dirty="0" err="1" smtClean="0"/>
+              <a:t>pub.blood.data.log</a:t>
+            </a:r>
+            <a:endParaRPr lang="en-US" sz="2600" i="1" dirty="0" smtClean="0"/>
+          </a:p>
+          <a:p>
+            <a:pPr>
+              <a:buNone/>
+            </a:pPr>
+            <a:r>
+              <a:rPr lang="en-US" sz="2600" i="1" dirty="0" smtClean="0"/>
+              <a:t>log4j.appender.bloodData.layout=org.apache.log4j.PatternLayout</a:t>
+            </a:r>
+          </a:p>
+          <a:p>
+            <a:pPr>
+              <a:buNone/>
+            </a:pPr>
+            <a:r>
+              <a:rPr lang="en-US" sz="2600" i="1" dirty="0" smtClean="0"/>
+              <a:t>log4j.appender.bloodData.layout.ConversionPattern=%</a:t>
+            </a:r>
+            <a:r>
+              <a:rPr lang="en-US" sz="2600" i="1" dirty="0" err="1" smtClean="0"/>
+              <a:t>m%n</a:t>
+            </a:r>
+            <a:endParaRPr lang="en-US" sz="2600" i="1" dirty="0" smtClean="0"/>
+          </a:p>
+          <a:p>
+            <a:pPr>
+              <a:buNone/>
+            </a:pPr>
+            <a:endParaRPr lang="en-US" sz="2600" i="1" dirty="0" smtClean="0"/>
+          </a:p>
+          <a:p>
+            <a:pPr>
+              <a:buNone/>
+            </a:pPr>
+            <a:r>
+              <a:rPr lang="en-US" sz="2600" dirty="0" smtClean="0"/>
+              <a:t>We can pass the category names (blood.info, blood. data ) as command line options </a:t>
+            </a:r>
+          </a:p>
+          <a:p>
+            <a:pPr>
+              <a:buNone/>
+            </a:pPr>
+            <a:r>
+              <a:rPr lang="en-US" sz="2600" dirty="0" smtClean="0"/>
+              <a:t>to all the publishers and get the pattern and filename to write the data or info.</a:t>
             </a:r>
           </a:p>
         </p:txBody>
@@ -44595,6 +45142,13 @@
   <p:clrMapOvr>
     <a:masterClrMapping/>
   </p:clrMapOvr>
+  <p:timing>
+    <p:tnLst>
+      <p:par>
+        <p:cTn id="1" dur="indefinite" restart="never" nodeType="tmRoot"/>
+      </p:par>
+    </p:tnLst>
+  </p:timing>
 </p:sld>
 </file>
 
@@ -44628,13 +45182,13 @@
         <p:spPr/>
         <p:txBody>
           <a:bodyPr>
-            <a:normAutofit/>
+            <a:normAutofit fontScale="90000"/>
           </a:bodyPr>
           <a:lstStyle/>
           <a:p>
             <a:r>
               <a:rPr lang="en-US" dirty="0" smtClean="0"/>
-              <a:t>Publishers</a:t>
+              <a:t>Logging for Publisher and Subscribers</a:t>
             </a:r>
             <a:endParaRPr lang="en-US" dirty="0"/>
           </a:p>
@@ -44642,7 +45196,7 @@
       </p:sp>
       <p:sp>
         <p:nvSpPr>
-          <p:cNvPr id="4" name="Content Placeholder 2"/>
+          <p:cNvPr id="3" name="Content Placeholder 2"/>
           <p:cNvSpPr>
             <a:spLocks noGrp="1"/>
           </p:cNvSpPr>
@@ -44650,15 +45204,10 @@
             <p:ph idx="1"/>
           </p:nvPr>
         </p:nvSpPr>
-        <p:spPr>
-          <a:xfrm>
-            <a:off x="304800" y="1600200"/>
-            <a:ext cx="8458200" cy="4525963"/>
-          </a:xfrm>
-        </p:spPr>
+        <p:spPr/>
         <p:txBody>
           <a:bodyPr>
-            <a:noAutofit/>
+            <a:normAutofit/>
           </a:bodyPr>
           <a:lstStyle/>
           <a:p>
@@ -44666,14 +45215,17 @@
               <a:buNone/>
             </a:pPr>
             <a:r>
-              <a:rPr lang="en-US" sz="2400" dirty="0" smtClean="0"/>
-              <a:t>Command Line options </a:t>
-            </a:r>
-            <a:r>
-              <a:rPr lang="en-US" sz="2400" dirty="0" smtClean="0"/>
-              <a:t>for</a:t>
-            </a:r>
-            <a:endParaRPr lang="en-US" sz="2400" dirty="0" smtClean="0"/>
+              <a:rPr lang="en-US" dirty="0" smtClean="0"/>
+              <a:t>Example </a:t>
+            </a:r>
+            <a:r>
+              <a:rPr lang="en-US" dirty="0" err="1" smtClean="0"/>
+              <a:t>config</a:t>
+            </a:r>
+            <a:r>
+              <a:rPr lang="en-US" dirty="0" smtClean="0"/>
+              <a:t> for blood pressure subscribers</a:t>
+            </a:r>
           </a:p>
           <a:p>
             <a:pPr>
@@ -44681,16 +45233,13 @@
             </a:pPr>
             <a:r>
               <a:rPr lang="en-US" sz="2400" i="1" dirty="0" smtClean="0"/>
-              <a:t># ./</a:t>
+              <a:t>log4j.category.blood.info=INFO, </a:t>
             </a:r>
             <a:r>
               <a:rPr lang="en-US" sz="2400" i="1" dirty="0" err="1" smtClean="0"/>
-              <a:t>bp</a:t>
-            </a:r>
-            <a:r>
-              <a:rPr lang="en-US" sz="2400" i="1" dirty="0" smtClean="0"/>
-              <a:t>-pub</a:t>
-            </a:r>
+              <a:t>bloodInfo</a:t>
+            </a:r>
+            <a:endParaRPr lang="en-US" sz="2400" i="1" dirty="0" smtClean="0"/>
           </a:p>
           <a:p>
             <a:pPr>
@@ -44698,16 +45247,13 @@
             </a:pPr>
             <a:r>
               <a:rPr lang="en-US" sz="2400" i="1" dirty="0" smtClean="0"/>
-              <a:t>Available options for &lt;</a:t>
+              <a:t>log4j.category.blood.echo=INFO, </a:t>
             </a:r>
             <a:r>
               <a:rPr lang="en-US" sz="2400" i="1" dirty="0" err="1" smtClean="0"/>
-              <a:t>BloodPressure</a:t>
-            </a:r>
-            <a:r>
-              <a:rPr lang="en-US" sz="2400" i="1" dirty="0" smtClean="0"/>
-              <a:t> Publisher&gt; are:</a:t>
-            </a:r>
+              <a:t>bloodEcho</a:t>
+            </a:r>
+            <a:endParaRPr lang="en-US" sz="2400" i="1" dirty="0" smtClean="0"/>
           </a:p>
           <a:p>
             <a:pPr>
@@ -44715,8 +45261,13 @@
             </a:pPr>
             <a:r>
               <a:rPr lang="en-US" sz="2400" i="1" dirty="0" smtClean="0"/>
-              <a:t>  --help                produce help message</a:t>
-            </a:r>
+              <a:t>log4j.category.blood.alarm=INFO, </a:t>
+            </a:r>
+            <a:r>
+              <a:rPr lang="en-US" sz="2400" i="1" dirty="0" err="1" smtClean="0"/>
+              <a:t>bloodAlarm</a:t>
+            </a:r>
+            <a:endParaRPr lang="en-US" sz="2400" i="1" dirty="0" smtClean="0"/>
           </a:p>
           <a:p>
             <a:pPr>
@@ -44724,82 +45275,41 @@
             </a:pPr>
             <a:r>
               <a:rPr lang="en-US" sz="2400" i="1" dirty="0" smtClean="0"/>
-              <a:t>  --domain </a:t>
+              <a:t>log4j.category.blood.persist=INFO, </a:t>
             </a:r>
             <a:r>
               <a:rPr lang="en-US" sz="2400" i="1" dirty="0" err="1" smtClean="0"/>
-              <a:t>arg</a:t>
-            </a:r>
+              <a:t>bloodPersist</a:t>
+            </a:r>
+            <a:endParaRPr lang="en-US" sz="2400" i="1" dirty="0" smtClean="0"/>
+          </a:p>
+          <a:p>
+            <a:pPr>
+              <a:buFont typeface="Arial" charset="0"/>
+              <a:buChar char="•"/>
+            </a:pPr>
             <a:r>
               <a:rPr lang="en-US" sz="2400" i="1" dirty="0" smtClean="0"/>
-              <a:t>          Device Domain </a:t>
+              <a:t>It is a common configuration file for the all the blood pressure subscribers.</a:t>
             </a:r>
           </a:p>
           <a:p>
             <a:pPr>
-              <a:buNone/>
+              <a:buFont typeface="Arial" charset="0"/>
+              <a:buChar char="•"/>
             </a:pPr>
             <a:r>
               <a:rPr lang="en-US" sz="2400" i="1" dirty="0" smtClean="0"/>
-              <a:t>  --device-id </a:t>
+              <a:t>All the subscribers (echo, alarm and persist) has common info file and each one has </a:t>
             </a:r>
             <a:r>
               <a:rPr lang="en-US" sz="2400" i="1" dirty="0" err="1" smtClean="0"/>
-              <a:t>arg</a:t>
+              <a:t>sepatated</a:t>
             </a:r>
             <a:r>
               <a:rPr lang="en-US" sz="2400" i="1" dirty="0" smtClean="0"/>
-              <a:t>       Device ID - for device identification</a:t>
-            </a:r>
-          </a:p>
-          <a:p>
-            <a:pPr>
-              <a:buNone/>
-            </a:pPr>
-            <a:r>
-              <a:rPr lang="en-US" sz="2400" i="1" dirty="0" smtClean="0"/>
-              <a:t>  --log-file </a:t>
-            </a:r>
-            <a:r>
-              <a:rPr lang="en-US" sz="2400" i="1" dirty="0" err="1" smtClean="0"/>
-              <a:t>arg</a:t>
-            </a:r>
-            <a:r>
-              <a:rPr lang="en-US" sz="2400" i="1" dirty="0" smtClean="0"/>
-              <a:t>        Log File Location</a:t>
-            </a:r>
-          </a:p>
-          <a:p>
-            <a:pPr>
-              <a:buNone/>
-            </a:pPr>
-            <a:endParaRPr lang="en-US" sz="2400" dirty="0" smtClean="0"/>
-          </a:p>
-          <a:p>
-            <a:pPr>
-              <a:buNone/>
-            </a:pPr>
-            <a:r>
-              <a:rPr lang="en-US" sz="2400" dirty="0" smtClean="0"/>
-              <a:t>#./</a:t>
-            </a:r>
-            <a:r>
-              <a:rPr lang="en-US" sz="2400" dirty="0" err="1" smtClean="0"/>
-              <a:t>bp</a:t>
-            </a:r>
-            <a:r>
-              <a:rPr lang="en-US" sz="2400" dirty="0" smtClean="0"/>
-              <a:t>-pub --domain test --device-id AAB --log-file /</a:t>
-            </a:r>
-            <a:r>
-              <a:rPr lang="en-US" sz="2400" dirty="0" err="1" smtClean="0"/>
-              <a:t>usr</a:t>
-            </a:r>
-            <a:r>
-              <a:rPr lang="en-US" sz="2400" dirty="0" smtClean="0"/>
-              <a:t>/local/bp-pub-AAB.log</a:t>
-            </a:r>
-            <a:endParaRPr lang="en-US" sz="2400" dirty="0"/>
+              <a:t> data files.</a:t>
+            </a:r>
           </a:p>
         </p:txBody>
       </p:sp>
@@ -44808,6 +45318,13 @@
   <p:clrMapOvr>
     <a:masterClrMapping/>
   </p:clrMapOvr>
+  <p:timing>
+    <p:tnLst>
+      <p:par>
+        <p:cTn id="1" dur="indefinite" restart="never" nodeType="tmRoot"/>
+      </p:par>
+    </p:tnLst>
+  </p:timing>
 </p:sld>
 </file>
 
@@ -44981,13 +45498,20 @@
     </p:spTree>
     <p:extLst>
       <p:ext uri="{BB962C8B-B14F-4D97-AF65-F5344CB8AC3E}">
-        <p14:creationId xmlns="" xmlns:p14="http://schemas.microsoft.com/office/powerpoint/2010/main" val="4257188998"/>
+        <p14:creationId xmlns:p14="http://schemas.microsoft.com/office/powerpoint/2010/main" xmlns="" val="4257188998"/>
       </p:ext>
     </p:extLst>
   </p:cSld>
   <p:clrMapOvr>
     <a:masterClrMapping/>
   </p:clrMapOvr>
+  <p:timing>
+    <p:tnLst>
+      <p:par>
+        <p:cTn id="1" dur="indefinite" restart="never" nodeType="tmRoot"/>
+      </p:par>
+    </p:tnLst>
+  </p:timing>
 </p:sld>
 </file>
 
@@ -45025,7 +45549,7 @@
           <a:p>
             <a:r>
               <a:rPr lang="en-US" dirty="0" smtClean="0"/>
-              <a:t>Spawn the Publisher</a:t>
+              <a:t>Publishers</a:t>
             </a:r>
             <a:endParaRPr lang="en-US" dirty="0"/>
           </a:p>
@@ -45033,393 +45557,60 @@
       </p:sp>
       <p:sp>
         <p:nvSpPr>
-          <p:cNvPr id="8" name="Content Placeholder 2"/>
-          <p:cNvSpPr txBox="1">
-            <a:spLocks/>
+          <p:cNvPr id="3" name="Content Placeholder 2"/>
+          <p:cNvSpPr>
+            <a:spLocks noGrp="1"/>
           </p:cNvSpPr>
-          <p:nvPr/>
+          <p:nvPr>
+            <p:ph idx="1"/>
+          </p:nvPr>
         </p:nvSpPr>
         <p:spPr>
           <a:xfrm>
-            <a:off x="381000" y="1524000"/>
-            <a:ext cx="8229600" cy="4572000"/>
+            <a:off x="457200" y="1600201"/>
+            <a:ext cx="8229600" cy="4648199"/>
           </a:xfrm>
-          <a:prstGeom prst="rect">
-            <a:avLst/>
-          </a:prstGeom>
         </p:spPr>
         <p:txBody>
-          <a:bodyPr vert="horz" lIns="91440" tIns="45720" rIns="91440" bIns="45720" rtlCol="0">
-            <a:noAutofit/>
+          <a:bodyPr>
+            <a:normAutofit fontScale="92500" lnSpcReduction="10000"/>
           </a:bodyPr>
           <a:lstStyle/>
           <a:p>
-            <a:pPr marL="342900" indent="-342900" fontAlgn="auto">
-              <a:spcBef>
-                <a:spcPct val="20000"/>
-              </a:spcBef>
-              <a:spcAft>
-                <a:spcPts val="0"/>
-              </a:spcAft>
-              <a:buFont typeface="Arial" pitchFamily="34" charset="0"/>
-              <a:buChar char="•"/>
-              <a:defRPr/>
+            <a:r>
+              <a:rPr lang="en-US" sz="3000" dirty="0" smtClean="0"/>
+              <a:t>Publisher sends the command to the data generator and receive the sample data.</a:t>
+            </a:r>
+          </a:p>
+          <a:p>
+            <a:pPr>
+              <a:buNone/>
             </a:pPr>
-            <a:r>
-              <a:rPr lang="en-US" sz="2400" dirty="0" smtClean="0">
-                <a:latin typeface="+mn-lt"/>
-              </a:rPr>
-              <a:t>Shell </a:t>
-            </a:r>
-            <a:r>
-              <a:rPr lang="en-US" sz="2400" dirty="0" smtClean="0">
-                <a:latin typeface="+mn-lt"/>
-              </a:rPr>
-              <a:t>script to spawn </a:t>
-            </a:r>
-            <a:r>
-              <a:rPr lang="en-US" sz="2400" dirty="0" smtClean="0">
-                <a:latin typeface="+mn-lt"/>
-              </a:rPr>
-              <a:t>publisher which </a:t>
-            </a:r>
-            <a:r>
-              <a:rPr lang="en-US" sz="2400" dirty="0" smtClean="0">
-                <a:latin typeface="+mn-lt"/>
-              </a:rPr>
-              <a:t>starts </a:t>
-            </a:r>
-            <a:r>
-              <a:rPr lang="en-US" sz="2400" dirty="0" smtClean="0">
-                <a:latin typeface="+mn-lt"/>
-              </a:rPr>
-              <a:t>multiple </a:t>
-            </a:r>
-            <a:r>
-              <a:rPr lang="en-US" sz="2400" dirty="0" smtClean="0">
-                <a:latin typeface="+mn-lt"/>
-              </a:rPr>
-              <a:t>publishers </a:t>
-            </a:r>
-            <a:r>
-              <a:rPr lang="en-US" sz="2400" dirty="0" smtClean="0">
-                <a:latin typeface="+mn-lt"/>
-              </a:rPr>
-              <a:t>at the same time</a:t>
-            </a:r>
-            <a:endParaRPr kumimoji="0" lang="en-US" sz="2400" b="0" i="0" u="none" strike="noStrike" kern="1200" cap="none" spc="0" normalizeH="0" baseline="0" noProof="0" dirty="0" smtClean="0">
-              <a:ln>
-                <a:noFill/>
-              </a:ln>
-              <a:solidFill>
-                <a:schemeClr val="tx1"/>
-              </a:solidFill>
-              <a:effectLst/>
-              <a:uLnTx/>
-              <a:uFillTx/>
-              <a:latin typeface="+mn-lt"/>
-              <a:ea typeface="+mn-ea"/>
-              <a:cs typeface="+mn-cs"/>
-            </a:endParaRPr>
-          </a:p>
-          <a:p>
-            <a:pPr marL="342900" marR="0" lvl="0" indent="-342900" algn="l" defTabSz="914400" rtl="0" eaLnBrk="1" fontAlgn="auto" latinLnBrk="0" hangingPunct="1">
-              <a:lnSpc>
-                <a:spcPct val="100000"/>
-              </a:lnSpc>
-              <a:spcBef>
-                <a:spcPct val="20000"/>
-              </a:spcBef>
-              <a:spcAft>
-                <a:spcPts val="0"/>
-              </a:spcAft>
-              <a:buClrTx/>
-              <a:buSzTx/>
-              <a:buFont typeface="Arial" pitchFamily="34" charset="0"/>
-              <a:buChar char="•"/>
-              <a:tabLst/>
-              <a:defRPr/>
-            </a:pPr>
-            <a:r>
-              <a:rPr kumimoji="0" lang="en-US" sz="2400" b="0" i="0" u="none" strike="noStrike" kern="1200" cap="none" spc="0" normalizeH="0" baseline="0" noProof="0" dirty="0" smtClean="0">
-                <a:ln>
-                  <a:noFill/>
-                </a:ln>
-                <a:solidFill>
-                  <a:schemeClr val="tx1"/>
-                </a:solidFill>
-                <a:effectLst/>
-                <a:uLnTx/>
-                <a:uFillTx/>
-                <a:latin typeface="+mn-lt"/>
-                <a:ea typeface="+mn-ea"/>
-                <a:cs typeface="+mn-cs"/>
-              </a:rPr>
-              <a:t>Command </a:t>
-            </a:r>
-            <a:r>
-              <a:rPr kumimoji="0" lang="en-US" sz="2400" b="0" i="0" u="none" strike="noStrike" kern="1200" cap="none" spc="0" normalizeH="0" baseline="0" noProof="0" dirty="0" smtClean="0">
-                <a:ln>
-                  <a:noFill/>
-                </a:ln>
-                <a:solidFill>
-                  <a:schemeClr val="tx1"/>
-                </a:solidFill>
-                <a:effectLst/>
-                <a:uLnTx/>
-                <a:uFillTx/>
-                <a:latin typeface="+mn-lt"/>
-                <a:ea typeface="+mn-ea"/>
-                <a:cs typeface="+mn-cs"/>
-              </a:rPr>
-              <a:t>line</a:t>
-            </a:r>
-            <a:r>
-              <a:rPr kumimoji="0" lang="en-US" sz="2400" b="0" i="0" u="none" strike="noStrike" kern="1200" cap="none" spc="0" normalizeH="0" noProof="0" dirty="0" smtClean="0">
-                <a:ln>
-                  <a:noFill/>
-                </a:ln>
-                <a:solidFill>
-                  <a:schemeClr val="tx1"/>
-                </a:solidFill>
-                <a:effectLst/>
-                <a:uLnTx/>
-                <a:uFillTx/>
-                <a:latin typeface="+mn-lt"/>
-                <a:ea typeface="+mn-ea"/>
-                <a:cs typeface="+mn-cs"/>
-              </a:rPr>
-              <a:t> options for shell script</a:t>
-            </a:r>
-          </a:p>
-          <a:p>
-            <a:pPr marL="342900" lvl="0" indent="-342900" fontAlgn="auto">
-              <a:spcBef>
-                <a:spcPct val="20000"/>
-              </a:spcBef>
-              <a:spcAft>
-                <a:spcPts val="0"/>
-              </a:spcAft>
-            </a:pPr>
-            <a:r>
-              <a:rPr lang="en-US" sz="1600" i="1" dirty="0" smtClean="0">
-                <a:latin typeface="+mn-lt"/>
-              </a:rPr>
-              <a:t># ./bp-pub.sh </a:t>
-            </a:r>
-          </a:p>
-          <a:p>
-            <a:pPr marL="342900" lvl="0" indent="-342900" fontAlgn="auto">
-              <a:spcBef>
-                <a:spcPct val="20000"/>
-              </a:spcBef>
-              <a:spcAft>
-                <a:spcPts val="0"/>
-              </a:spcAft>
-            </a:pPr>
-            <a:r>
-              <a:rPr lang="en-US" sz="1600" i="1" dirty="0" smtClean="0">
-                <a:latin typeface="+mn-lt"/>
-              </a:rPr>
-              <a:t>USAGE</a:t>
-            </a:r>
-            <a:r>
-              <a:rPr lang="en-US" sz="1600" i="1" dirty="0" smtClean="0">
-                <a:latin typeface="+mn-lt"/>
-              </a:rPr>
-              <a:t>: </a:t>
-            </a:r>
-          </a:p>
-          <a:p>
-            <a:pPr marL="342900" lvl="0" indent="-342900" fontAlgn="auto">
-              <a:spcBef>
-                <a:spcPct val="20000"/>
-              </a:spcBef>
-              <a:spcAft>
-                <a:spcPts val="0"/>
-              </a:spcAft>
-            </a:pPr>
-            <a:r>
-              <a:rPr lang="en-US" sz="1600" i="1" dirty="0" smtClean="0">
-                <a:latin typeface="+mn-lt"/>
-              </a:rPr>
-              <a:t>    </a:t>
-            </a:r>
-            <a:r>
-              <a:rPr lang="en-US" sz="1600" i="1" dirty="0" err="1" smtClean="0">
-                <a:latin typeface="+mn-lt"/>
-              </a:rPr>
-              <a:t>BloodPressure</a:t>
-            </a:r>
-            <a:r>
-              <a:rPr lang="en-US" sz="1600" i="1" dirty="0" smtClean="0">
-                <a:latin typeface="+mn-lt"/>
-              </a:rPr>
-              <a:t> Publisher</a:t>
-            </a:r>
-          </a:p>
-          <a:p>
-            <a:pPr marL="342900" lvl="0" indent="-342900" fontAlgn="auto">
-              <a:spcBef>
-                <a:spcPct val="20000"/>
-              </a:spcBef>
-              <a:spcAft>
-                <a:spcPts val="0"/>
-              </a:spcAft>
-            </a:pPr>
-            <a:r>
-              <a:rPr lang="en-US" sz="1600" i="1" dirty="0" smtClean="0">
-                <a:latin typeface="+mn-lt"/>
-              </a:rPr>
-              <a:t>OPTIONS</a:t>
-            </a:r>
-            <a:r>
-              <a:rPr lang="en-US" sz="1600" i="1" dirty="0" smtClean="0">
-                <a:latin typeface="+mn-lt"/>
-              </a:rPr>
-              <a:t>:</a:t>
-            </a:r>
-          </a:p>
-          <a:p>
-            <a:pPr marL="342900" lvl="0" indent="-342900" fontAlgn="auto">
-              <a:spcBef>
-                <a:spcPct val="20000"/>
-              </a:spcBef>
-              <a:spcAft>
-                <a:spcPts val="0"/>
-              </a:spcAft>
-            </a:pPr>
-            <a:r>
-              <a:rPr lang="en-US" sz="1600" i="1" dirty="0" smtClean="0">
-                <a:latin typeface="+mn-lt"/>
-              </a:rPr>
-              <a:t>    --domain  Device Domain</a:t>
-            </a:r>
-          </a:p>
-          <a:p>
-            <a:pPr marL="342900" lvl="0" indent="-342900" fontAlgn="auto">
-              <a:spcBef>
-                <a:spcPct val="20000"/>
-              </a:spcBef>
-              <a:spcAft>
-                <a:spcPts val="0"/>
-              </a:spcAft>
-            </a:pPr>
-            <a:r>
-              <a:rPr lang="en-US" sz="1600" i="1" dirty="0" smtClean="0">
-                <a:latin typeface="+mn-lt"/>
-              </a:rPr>
-              <a:t>    --device-id  Device ID to identify the particular device</a:t>
-            </a:r>
-          </a:p>
-          <a:p>
-            <a:pPr marL="342900" lvl="0" indent="-342900" fontAlgn="auto">
-              <a:spcBef>
-                <a:spcPct val="20000"/>
-              </a:spcBef>
-              <a:spcAft>
-                <a:spcPts val="0"/>
-              </a:spcAft>
-            </a:pPr>
-            <a:r>
-              <a:rPr lang="en-US" sz="1600" i="1" dirty="0" smtClean="0">
-                <a:latin typeface="+mn-lt"/>
-              </a:rPr>
-              <a:t>    --spawn  Number of publishers to run</a:t>
-            </a:r>
-          </a:p>
-          <a:p>
-            <a:pPr marL="342900" lvl="0" indent="-342900" fontAlgn="auto">
-              <a:spcBef>
-                <a:spcPct val="20000"/>
-              </a:spcBef>
-              <a:spcAft>
-                <a:spcPts val="0"/>
-              </a:spcAft>
-            </a:pPr>
-            <a:r>
-              <a:rPr lang="en-US" sz="1600" i="1" dirty="0" smtClean="0">
-                <a:latin typeface="+mn-lt"/>
-              </a:rPr>
-              <a:t>    --log-file  Log file path</a:t>
-            </a:r>
-          </a:p>
-          <a:p>
-            <a:pPr marL="342900" lvl="0" indent="-342900" fontAlgn="auto">
-              <a:spcBef>
-                <a:spcPct val="20000"/>
-              </a:spcBef>
-              <a:spcAft>
-                <a:spcPts val="0"/>
-              </a:spcAft>
-            </a:pPr>
-            <a:endParaRPr lang="en-US" sz="1600" i="1" dirty="0" smtClean="0">
-              <a:latin typeface="+mn-lt"/>
-            </a:endParaRPr>
-          </a:p>
-          <a:p>
-            <a:pPr marL="342900" lvl="0" indent="-342900" fontAlgn="auto">
-              <a:spcBef>
-                <a:spcPct val="20000"/>
-              </a:spcBef>
-              <a:spcAft>
-                <a:spcPts val="0"/>
-              </a:spcAft>
-            </a:pPr>
-            <a:r>
-              <a:rPr lang="en-US" sz="1600" i="1" dirty="0" smtClean="0">
-                <a:latin typeface="+mn-lt"/>
-              </a:rPr>
-              <a:t>EXAMPLE:</a:t>
-            </a:r>
-          </a:p>
-          <a:p>
-            <a:pPr marL="342900" lvl="0" indent="-342900" fontAlgn="auto">
-              <a:spcBef>
-                <a:spcPct val="20000"/>
-              </a:spcBef>
-              <a:spcAft>
-                <a:spcPts val="0"/>
-              </a:spcAft>
-            </a:pPr>
-            <a:r>
-              <a:rPr lang="en-US" sz="1600" i="1" dirty="0" smtClean="0">
-                <a:latin typeface="+mn-lt"/>
-              </a:rPr>
-              <a:t># ./bp-pub.sh </a:t>
-            </a:r>
-            <a:r>
-              <a:rPr lang="en-US" sz="1600" i="1" dirty="0" smtClean="0">
-                <a:latin typeface="+mn-lt"/>
-              </a:rPr>
-              <a:t>--device=blood --device-id=A10 --spawn=100 --log-file=/</a:t>
-            </a:r>
-            <a:r>
-              <a:rPr lang="en-US" sz="1600" i="1" dirty="0" err="1" smtClean="0">
-                <a:latin typeface="+mn-lt"/>
-              </a:rPr>
-              <a:t>usr</a:t>
-            </a:r>
-            <a:r>
-              <a:rPr lang="en-US" sz="1600" i="1" dirty="0" smtClean="0">
-                <a:latin typeface="+mn-lt"/>
-              </a:rPr>
-              <a:t>/local/dds.log</a:t>
-            </a:r>
-            <a:endParaRPr kumimoji="0" lang="en-US" sz="1600" i="1" u="none" strike="noStrike" kern="1200" cap="none" spc="0" normalizeH="0" baseline="0" noProof="0" dirty="0">
-              <a:ln>
-                <a:noFill/>
-              </a:ln>
-              <a:solidFill>
-                <a:schemeClr val="tx1"/>
-              </a:solidFill>
-              <a:effectLst/>
-              <a:uLnTx/>
-              <a:uFillTx/>
-              <a:latin typeface="+mn-lt"/>
-              <a:ea typeface="+mn-ea"/>
-              <a:cs typeface="+mn-cs"/>
-            </a:endParaRPr>
+            <a:endParaRPr lang="en-US" sz="3000" dirty="0" smtClean="0"/>
+          </a:p>
+          <a:p>
+            <a:r>
+              <a:rPr lang="en-US" sz="3000" dirty="0" smtClean="0"/>
+              <a:t>Receives the sample data as a single string with “:” as field separator.</a:t>
+            </a:r>
+          </a:p>
+          <a:p>
+            <a:endParaRPr lang="en-US" sz="3000" dirty="0" smtClean="0"/>
+          </a:p>
+          <a:p>
+            <a:r>
+              <a:rPr lang="en-US" sz="3000" dirty="0" smtClean="0"/>
+              <a:t>Received string will be separated and used to populate the object.</a:t>
+            </a:r>
+          </a:p>
+          <a:p>
+            <a:endParaRPr lang="en-US" sz="3000" dirty="0" smtClean="0"/>
+          </a:p>
+          <a:p>
+            <a:r>
+              <a:rPr lang="en-US" sz="3000" dirty="0" smtClean="0"/>
+              <a:t>Populated will be written to a DDS topic</a:t>
+            </a:r>
           </a:p>
         </p:txBody>
       </p:sp>
@@ -45428,6 +45619,13 @@
   <p:clrMapOvr>
     <a:masterClrMapping/>
   </p:clrMapOvr>
+  <p:timing>
+    <p:tnLst>
+      <p:par>
+        <p:cTn id="1" dur="indefinite" restart="never" nodeType="tmRoot"/>
+      </p:par>
+    </p:tnLst>
+  </p:timing>
 </p:sld>
 </file>
 
@@ -45465,7 +45663,7 @@
           <a:p>
             <a:r>
               <a:rPr lang="en-US" dirty="0" smtClean="0"/>
-              <a:t>Subscribers</a:t>
+              <a:t>Publishers</a:t>
             </a:r>
             <a:endParaRPr lang="en-US" dirty="0"/>
           </a:p>
@@ -45481,43 +45679,103 @@
             <p:ph idx="1"/>
           </p:nvPr>
         </p:nvSpPr>
-        <p:spPr/>
+        <p:spPr>
+          <a:xfrm>
+            <a:off x="457200" y="1600201"/>
+            <a:ext cx="8229600" cy="4648199"/>
+          </a:xfrm>
+        </p:spPr>
         <p:txBody>
           <a:bodyPr>
-            <a:normAutofit fontScale="92500" lnSpcReduction="10000"/>
+            <a:normAutofit/>
           </a:bodyPr>
           <a:lstStyle/>
           <a:p>
-            <a:r>
-              <a:rPr lang="en-US" dirty="0" smtClean="0"/>
-              <a:t>Subscriber Types : Echo, Alarm and Persist.</a:t>
-            </a:r>
-          </a:p>
-          <a:p>
-            <a:endParaRPr lang="en-US" dirty="0" smtClean="0"/>
-          </a:p>
-          <a:p>
-            <a:r>
-              <a:rPr lang="en-US" dirty="0" smtClean="0"/>
-              <a:t>Echo - Get the published data and display</a:t>
-            </a:r>
-          </a:p>
-          <a:p>
-            <a:endParaRPr lang="en-US" dirty="0" smtClean="0"/>
-          </a:p>
-          <a:p>
-            <a:r>
-              <a:rPr lang="en-US" dirty="0" smtClean="0"/>
-              <a:t>Persist - Get the published data and stores in database.</a:t>
-            </a:r>
-          </a:p>
-          <a:p>
-            <a:endParaRPr lang="en-US" dirty="0" smtClean="0"/>
-          </a:p>
-          <a:p>
-            <a:r>
-              <a:rPr lang="en-US" dirty="0" smtClean="0"/>
-              <a:t>Alarm - Get the published data and display the abnormal behavior only.</a:t>
+            <a:pPr lvl="0">
+              <a:buNone/>
+            </a:pPr>
+            <a:r>
+              <a:rPr lang="en-US" sz="3000" dirty="0" smtClean="0"/>
+              <a:t>	</a:t>
+            </a:r>
+            <a:r>
+              <a:rPr lang="en-US" sz="3000" b="1" dirty="0" smtClean="0"/>
+              <a:t>Sample Data (BP) received from Data generator</a:t>
+            </a:r>
+          </a:p>
+          <a:p>
+            <a:pPr lvl="0">
+              <a:buNone/>
+            </a:pPr>
+            <a:r>
+              <a:rPr lang="en-US" sz="3000" dirty="0" smtClean="0"/>
+              <a:t>			1319793289:132:71:66</a:t>
+            </a:r>
+          </a:p>
+          <a:p>
+            <a:pPr lvl="0">
+              <a:buNone/>
+            </a:pPr>
+            <a:r>
+              <a:rPr lang="en-US" sz="3000" dirty="0" smtClean="0"/>
+              <a:t>	</a:t>
+            </a:r>
+          </a:p>
+          <a:p>
+            <a:pPr lvl="0">
+              <a:buNone/>
+            </a:pPr>
+            <a:r>
+              <a:rPr lang="en-US" sz="3000" dirty="0" smtClean="0"/>
+              <a:t>	</a:t>
+            </a:r>
+            <a:r>
+              <a:rPr lang="en-US" sz="3000" b="1" dirty="0" smtClean="0"/>
+              <a:t>Populated Object content	</a:t>
+            </a:r>
+          </a:p>
+          <a:p>
+            <a:pPr lvl="0">
+              <a:buNone/>
+            </a:pPr>
+            <a:r>
+              <a:rPr lang="en-US" sz="3000" dirty="0" smtClean="0"/>
+              <a:t>			</a:t>
+            </a:r>
+            <a:r>
+              <a:rPr lang="en-US" sz="3000" dirty="0" err="1" smtClean="0"/>
+              <a:t>TimeStamp</a:t>
+            </a:r>
+            <a:r>
+              <a:rPr lang="en-US" sz="3000" dirty="0" smtClean="0"/>
+              <a:t> - 1319793289 </a:t>
+            </a:r>
+          </a:p>
+          <a:p>
+            <a:pPr lvl="0">
+              <a:buNone/>
+            </a:pPr>
+            <a:r>
+              <a:rPr lang="en-US" sz="3000" dirty="0" smtClean="0"/>
+              <a:t>			Systolic Pressure – 132 </a:t>
+            </a:r>
+          </a:p>
+          <a:p>
+            <a:pPr lvl="0">
+              <a:buNone/>
+            </a:pPr>
+            <a:r>
+              <a:rPr lang="en-US" sz="3000" dirty="0" smtClean="0"/>
+              <a:t>			Diastolic Pressure - 71 </a:t>
+            </a:r>
+          </a:p>
+          <a:p>
+            <a:pPr lvl="0">
+              <a:buNone/>
+            </a:pPr>
+            <a:r>
+              <a:rPr lang="en-US" sz="3000" dirty="0" smtClean="0"/>
+              <a:t>			Pulse Rate - 66 </a:t>
             </a:r>
           </a:p>
         </p:txBody>
@@ -45527,6 +45785,13 @@
   <p:clrMapOvr>
     <a:masterClrMapping/>
   </p:clrMapOvr>
+  <p:timing>
+    <p:tnLst>
+      <p:par>
+        <p:cTn id="1" dur="indefinite" restart="never" nodeType="tmRoot"/>
+      </p:par>
+    </p:tnLst>
+  </p:timing>
 </p:sld>
 </file>
 
@@ -45559,12 +45824,14 @@
         </p:nvSpPr>
         <p:spPr/>
         <p:txBody>
-          <a:bodyPr/>
+          <a:bodyPr>
+            <a:normAutofit/>
+          </a:bodyPr>
           <a:lstStyle/>
           <a:p>
             <a:r>
               <a:rPr lang="en-US" dirty="0" smtClean="0"/>
-              <a:t>Subscribers</a:t>
+              <a:t>Publishers</a:t>
             </a:r>
             <a:endParaRPr lang="en-US" dirty="0"/>
           </a:p>
@@ -45572,7 +45839,7 @@
       </p:sp>
       <p:sp>
         <p:nvSpPr>
-          <p:cNvPr id="3" name="Content Placeholder 2"/>
+          <p:cNvPr id="4" name="Content Placeholder 2"/>
           <p:cNvSpPr>
             <a:spLocks noGrp="1"/>
           </p:cNvSpPr>
@@ -45580,25 +45847,24 @@
             <p:ph idx="1"/>
           </p:nvPr>
         </p:nvSpPr>
-        <p:spPr/>
+        <p:spPr>
+          <a:xfrm>
+            <a:off x="304800" y="1503215"/>
+            <a:ext cx="8458200" cy="4724400"/>
+          </a:xfrm>
+        </p:spPr>
         <p:txBody>
           <a:bodyPr>
-            <a:normAutofit fontScale="92500" lnSpcReduction="20000"/>
+            <a:noAutofit/>
           </a:bodyPr>
           <a:lstStyle/>
-          <a:p>
-            <a:r>
-              <a:rPr lang="en-US" dirty="0" smtClean="0"/>
-              <a:t>Run the subscriber use the following command</a:t>
-            </a:r>
-          </a:p>
           <a:p>
             <a:pPr>
               <a:buNone/>
             </a:pPr>
             <a:r>
-              <a:rPr lang="en-US" sz="2300" i="1" dirty="0" smtClean="0"/>
-              <a:t>       ./&lt;device-name&gt;-sub-echo</a:t>
+              <a:rPr lang="en-US" sz="2400" dirty="0" smtClean="0"/>
+              <a:t>Command Line options for</a:t>
             </a:r>
           </a:p>
           <a:p>
@@ -45606,8 +45872,16 @@
               <a:buNone/>
             </a:pPr>
             <a:r>
-              <a:rPr lang="en-US" sz="2300" i="1" dirty="0" smtClean="0"/>
-              <a:t>	./&lt;device-name&gt;-sub-persist</a:t>
+              <a:rPr lang="en-US" sz="2400" i="1" dirty="0" smtClean="0"/>
+              <a:t># ./</a:t>
+            </a:r>
+            <a:r>
+              <a:rPr lang="en-US" sz="2400" i="1" dirty="0" err="1" smtClean="0"/>
+              <a:t>bp</a:t>
+            </a:r>
+            <a:r>
+              <a:rPr lang="en-US" sz="2400" i="1" dirty="0" smtClean="0"/>
+              <a:t>-pub</a:t>
             </a:r>
           </a:p>
           <a:p>
@@ -45615,8 +45889,8 @@
               <a:buNone/>
             </a:pPr>
             <a:r>
-              <a:rPr lang="en-US" sz="2300" i="1" dirty="0" smtClean="0"/>
-              <a:t>	./&lt;device-name&gt;-sub-alarm</a:t>
+              <a:rPr lang="en-US" sz="2400" i="1" dirty="0" smtClean="0"/>
+              <a:t>Available options for are:</a:t>
             </a:r>
           </a:p>
           <a:p>
@@ -45624,8 +45898,16 @@
               <a:buNone/>
             </a:pPr>
             <a:r>
-              <a:rPr lang="en-US" sz="2300" i="1" dirty="0" smtClean="0"/>
-              <a:t>	</a:t>
+              <a:rPr lang="en-US" sz="2400" i="1" dirty="0" smtClean="0"/>
+              <a:t>  --help                </a:t>
+            </a:r>
+            <a:r>
+              <a:rPr lang="en-US" sz="2400" i="1" dirty="0" smtClean="0"/>
+              <a:t>	produce </a:t>
+            </a:r>
+            <a:r>
+              <a:rPr lang="en-US" sz="2400" i="1" dirty="0" smtClean="0"/>
+              <a:t>help message</a:t>
             </a:r>
           </a:p>
           <a:p>
@@ -45633,8 +45915,32 @@
               <a:buNone/>
             </a:pPr>
             <a:r>
-              <a:rPr lang="en-US" sz="2300" i="1" dirty="0" smtClean="0"/>
-              <a:t>	Example</a:t>
+              <a:rPr lang="en-US" sz="2400" i="1" dirty="0" smtClean="0"/>
+              <a:t>  --data-gen-</a:t>
+            </a:r>
+            <a:r>
+              <a:rPr lang="en-US" sz="2400" i="1" dirty="0" err="1" smtClean="0"/>
+              <a:t>ip</a:t>
+            </a:r>
+            <a:r>
+              <a:rPr lang="en-US" sz="2400" i="1" dirty="0" smtClean="0"/>
+              <a:t> </a:t>
+            </a:r>
+            <a:r>
+              <a:rPr lang="en-US" sz="2400" i="1" dirty="0" err="1" smtClean="0"/>
+              <a:t>arg</a:t>
+            </a:r>
+            <a:r>
+              <a:rPr lang="en-US" sz="2400" i="1" dirty="0" smtClean="0"/>
+              <a:t>     </a:t>
+            </a:r>
+            <a:r>
+              <a:rPr lang="en-US" sz="2400" i="1" dirty="0" smtClean="0"/>
+              <a:t>	Data </a:t>
+            </a:r>
+            <a:r>
+              <a:rPr lang="en-US" sz="2400" i="1" dirty="0" smtClean="0"/>
+              <a:t>Generator IP</a:t>
             </a:r>
           </a:p>
           <a:p>
@@ -45642,16 +45948,16 @@
               <a:buNone/>
             </a:pPr>
             <a:r>
-              <a:rPr lang="en-US" sz="2300" i="1" dirty="0" smtClean="0"/>
-              <a:t>	./</a:t>
-            </a:r>
-            <a:r>
-              <a:rPr lang="en-US" sz="2300" i="1" dirty="0" err="1" smtClean="0"/>
-              <a:t>bp</a:t>
-            </a:r>
-            <a:r>
-              <a:rPr lang="en-US" sz="2300" i="1" dirty="0" smtClean="0"/>
-              <a:t>-sub-echo</a:t>
+              <a:rPr lang="en-US" sz="2400" i="1" dirty="0" smtClean="0"/>
+              <a:t>  --data-gen-port </a:t>
+            </a:r>
+            <a:r>
+              <a:rPr lang="en-US" sz="2400" i="1" dirty="0" err="1" smtClean="0"/>
+              <a:t>arg</a:t>
+            </a:r>
+            <a:r>
+              <a:rPr lang="en-US" sz="2400" i="1" dirty="0" smtClean="0"/>
+              <a:t>   Data Generator Port</a:t>
             </a:r>
           </a:p>
           <a:p>
@@ -45659,8 +45965,24 @@
               <a:buNone/>
             </a:pPr>
             <a:r>
-              <a:rPr lang="en-US" sz="2300" i="1" dirty="0" smtClean="0"/>
-              <a:t>      ######################################################</a:t>
+              <a:rPr lang="en-US" sz="2400" i="1" dirty="0" smtClean="0"/>
+              <a:t>  --domain </a:t>
+            </a:r>
+            <a:r>
+              <a:rPr lang="en-US" sz="2400" i="1" dirty="0" err="1" smtClean="0"/>
+              <a:t>arg</a:t>
+            </a:r>
+            <a:r>
+              <a:rPr lang="en-US" sz="2400" i="1" dirty="0" smtClean="0"/>
+              <a:t>          </a:t>
+            </a:r>
+            <a:r>
+              <a:rPr lang="en-US" sz="2400" i="1" dirty="0" smtClean="0"/>
+              <a:t>	Device </a:t>
+            </a:r>
+            <a:r>
+              <a:rPr lang="en-US" sz="2400" i="1" dirty="0" smtClean="0"/>
+              <a:t>Domain</a:t>
             </a:r>
           </a:p>
           <a:p>
@@ -45668,8 +45990,24 @@
               <a:buNone/>
             </a:pPr>
             <a:r>
-              <a:rPr lang="en-US" sz="2300" i="1" dirty="0" smtClean="0"/>
-              <a:t>      Measured Time : 1319794069</a:t>
+              <a:rPr lang="en-US" sz="2400" i="1" dirty="0" smtClean="0"/>
+              <a:t>  --device-id </a:t>
+            </a:r>
+            <a:r>
+              <a:rPr lang="en-US" sz="2400" i="1" dirty="0" err="1" smtClean="0"/>
+              <a:t>arg</a:t>
+            </a:r>
+            <a:r>
+              <a:rPr lang="en-US" sz="2400" i="1" dirty="0" smtClean="0"/>
+              <a:t>       </a:t>
+            </a:r>
+            <a:r>
+              <a:rPr lang="en-US" sz="2400" i="1" dirty="0" smtClean="0"/>
+              <a:t>	Device </a:t>
+            </a:r>
+            <a:r>
+              <a:rPr lang="en-US" sz="2400" i="1" dirty="0" smtClean="0"/>
+              <a:t>ID - for device identification</a:t>
             </a:r>
           </a:p>
           <a:p>
@@ -45677,16 +46015,24 @@
               <a:buNone/>
             </a:pPr>
             <a:r>
-              <a:rPr lang="en-US" sz="2300" i="1" dirty="0" smtClean="0"/>
-              <a:t>      </a:t>
-            </a:r>
-            <a:r>
-              <a:rPr lang="en-US" sz="2300" i="1" dirty="0" err="1" smtClean="0"/>
-              <a:t>SystolicPressure</a:t>
-            </a:r>
-            <a:r>
-              <a:rPr lang="en-US" sz="2300" i="1" dirty="0" smtClean="0"/>
-              <a:t> :126</a:t>
+              <a:rPr lang="en-US" sz="2400" i="1" dirty="0" smtClean="0"/>
+              <a:t>  --log-info </a:t>
+            </a:r>
+            <a:r>
+              <a:rPr lang="en-US" sz="2400" i="1" dirty="0" err="1" smtClean="0"/>
+              <a:t>arg</a:t>
+            </a:r>
+            <a:r>
+              <a:rPr lang="en-US" sz="2400" i="1" dirty="0" smtClean="0"/>
+              <a:t>        </a:t>
+            </a:r>
+            <a:r>
+              <a:rPr lang="en-US" sz="2400" i="1" dirty="0" smtClean="0"/>
+              <a:t>	Log </a:t>
+            </a:r>
+            <a:r>
+              <a:rPr lang="en-US" sz="2400" i="1" dirty="0" smtClean="0"/>
+              <a:t>Info Specification</a:t>
             </a:r>
           </a:p>
           <a:p>
@@ -45694,16 +46040,24 @@
               <a:buNone/>
             </a:pPr>
             <a:r>
-              <a:rPr lang="en-US" sz="2300" i="1" dirty="0" smtClean="0"/>
-              <a:t>      </a:t>
-            </a:r>
-            <a:r>
-              <a:rPr lang="en-US" sz="2300" i="1" dirty="0" err="1" smtClean="0"/>
-              <a:t>DiastolicPressure</a:t>
-            </a:r>
-            <a:r>
-              <a:rPr lang="en-US" sz="2300" i="1" dirty="0" smtClean="0"/>
-              <a:t> :67</a:t>
+              <a:rPr lang="en-US" sz="2400" i="1" dirty="0" smtClean="0"/>
+              <a:t>  --log-data </a:t>
+            </a:r>
+            <a:r>
+              <a:rPr lang="en-US" sz="2400" i="1" dirty="0" err="1" smtClean="0"/>
+              <a:t>arg</a:t>
+            </a:r>
+            <a:r>
+              <a:rPr lang="en-US" sz="2400" i="1" dirty="0" smtClean="0"/>
+              <a:t>        </a:t>
+            </a:r>
+            <a:r>
+              <a:rPr lang="en-US" sz="2400" i="1" dirty="0" smtClean="0"/>
+              <a:t>	Log </a:t>
+            </a:r>
+            <a:r>
+              <a:rPr lang="en-US" sz="2400" i="1" dirty="0" smtClean="0"/>
+              <a:t>Data Specification</a:t>
             </a:r>
           </a:p>
           <a:p>
@@ -45711,38 +46065,26 @@
               <a:buNone/>
             </a:pPr>
             <a:r>
-              <a:rPr lang="en-US" sz="2300" i="1" dirty="0" smtClean="0"/>
-              <a:t>      </a:t>
-            </a:r>
-            <a:r>
-              <a:rPr lang="en-US" sz="2300" i="1" dirty="0" err="1" smtClean="0"/>
-              <a:t>PulseRatePerMinute</a:t>
-            </a:r>
-            <a:r>
-              <a:rPr lang="en-US" sz="2300" i="1" dirty="0" smtClean="0"/>
-              <a:t> :64</a:t>
-            </a:r>
-          </a:p>
-          <a:p>
-            <a:pPr>
-              <a:buNone/>
-            </a:pPr>
-            <a:r>
-              <a:rPr lang="en-US" sz="2300" i="1" dirty="0" smtClean="0"/>
-              <a:t>      #####################################################</a:t>
-            </a:r>
-          </a:p>
-          <a:p>
-            <a:pPr>
-              <a:buNone/>
-            </a:pPr>
-            <a:endParaRPr lang="en-US" dirty="0" smtClean="0"/>
-          </a:p>
-          <a:p>
-            <a:pPr>
-              <a:buNone/>
-            </a:pPr>
-            <a:endParaRPr lang="en-US" dirty="0" smtClean="0"/>
+              <a:rPr lang="en-US" sz="2400" i="1" dirty="0" smtClean="0"/>
+              <a:t>  --log4cpp-conf </a:t>
+            </a:r>
+            <a:r>
+              <a:rPr lang="en-US" sz="2400" i="1" dirty="0" err="1" smtClean="0"/>
+              <a:t>arg</a:t>
+            </a:r>
+            <a:r>
+              <a:rPr lang="en-US" sz="2400" i="1" dirty="0" smtClean="0"/>
+              <a:t>    Log </a:t>
+            </a:r>
+            <a:r>
+              <a:rPr lang="en-US" sz="2400" i="1" dirty="0" smtClean="0"/>
+              <a:t>Configuration </a:t>
+            </a:r>
+            <a:r>
+              <a:rPr lang="en-US" sz="2400" i="1" dirty="0" smtClean="0"/>
+              <a:t>and Format specification file</a:t>
+            </a:r>
+            <a:endParaRPr lang="en-US" sz="2400" i="1" dirty="0" smtClean="0"/>
           </a:p>
         </p:txBody>
       </p:sp>
@@ -45751,6 +46093,13 @@
   <p:clrMapOvr>
     <a:masterClrMapping/>
   </p:clrMapOvr>
+  <p:timing>
+    <p:tnLst>
+      <p:par>
+        <p:cTn id="1" dur="indefinite" restart="never" nodeType="tmRoot"/>
+      </p:par>
+    </p:tnLst>
+  </p:timing>
 </p:sld>
 </file>
 
@@ -45783,12 +46132,14 @@
         </p:nvSpPr>
         <p:spPr/>
         <p:txBody>
-          <a:bodyPr/>
+          <a:bodyPr>
+            <a:normAutofit/>
+          </a:bodyPr>
           <a:lstStyle/>
           <a:p>
             <a:r>
               <a:rPr lang="en-US" dirty="0" smtClean="0"/>
-              <a:t>Ongoing Enhancements</a:t>
+              <a:t>Publishers</a:t>
             </a:r>
             <a:endParaRPr lang="en-US" dirty="0"/>
           </a:p>
@@ -45796,7 +46147,7 @@
       </p:sp>
       <p:sp>
         <p:nvSpPr>
-          <p:cNvPr id="3" name="Content Placeholder 2"/>
+          <p:cNvPr id="4" name="Content Placeholder 2"/>
           <p:cNvSpPr>
             <a:spLocks noGrp="1"/>
           </p:cNvSpPr>
@@ -45806,8 +46157,8 @@
         </p:nvSpPr>
         <p:spPr>
           <a:xfrm>
-            <a:off x="457200" y="1371600"/>
-            <a:ext cx="8229600" cy="4953000"/>
+            <a:off x="304800" y="1503215"/>
+            <a:ext cx="8458200" cy="4724400"/>
           </a:xfrm>
         </p:spPr>
         <p:txBody>
@@ -45816,35 +46167,195 @@
           </a:bodyPr>
           <a:lstStyle/>
           <a:p>
-            <a:pPr algn="just">
-              <a:buFont typeface="Arial" charset="0"/>
-              <a:buChar char="•"/>
+            <a:pPr>
+              <a:buNone/>
             </a:pPr>
             <a:r>
-              <a:rPr lang="en-US" sz="3000" dirty="0" smtClean="0"/>
-              <a:t>Though data-generator can create three types of date, currently it can work only with one publisher at a time. Need to make it work with all publishers.</a:t>
-            </a:r>
-          </a:p>
-          <a:p>
-            <a:pPr algn="just">
-              <a:buFont typeface="Arial" charset="0"/>
-              <a:buChar char="•"/>
+              <a:rPr lang="en-US" sz="2400" i="1" dirty="0" smtClean="0"/>
+              <a:t>Example to Running publishers </a:t>
+            </a:r>
+          </a:p>
+          <a:p>
+            <a:pPr>
+              <a:buNone/>
             </a:pPr>
             <a:r>
-              <a:rPr lang="en-US" sz="3000" dirty="0" smtClean="0"/>
-              <a:t>Publisher should be able get command line arguments like number of publishers and use them appropriately.</a:t>
-            </a:r>
-          </a:p>
-          <a:p>
-            <a:pPr algn="just">
-              <a:buFont typeface="Arial" charset="0"/>
-              <a:buChar char="•"/>
+              <a:rPr lang="en-US" sz="2400" i="1" dirty="0" smtClean="0"/>
+              <a:t>#./</a:t>
+            </a:r>
+            <a:r>
+              <a:rPr lang="en-US" sz="2400" i="1" dirty="0" err="1" smtClean="0"/>
+              <a:t>bp</a:t>
+            </a:r>
+            <a:r>
+              <a:rPr lang="en-US" sz="2400" i="1" dirty="0" smtClean="0"/>
+              <a:t>-pub --data-gen-</a:t>
+            </a:r>
+            <a:r>
+              <a:rPr lang="en-US" sz="2400" i="1" dirty="0" err="1" smtClean="0"/>
+              <a:t>ip</a:t>
+            </a:r>
+            <a:r>
+              <a:rPr lang="en-US" sz="2400" i="1" dirty="0" smtClean="0"/>
+              <a:t> 127.0.0.1 --data-gen-port 5000 </a:t>
+            </a:r>
+            <a:r>
+              <a:rPr lang="en-US" sz="2400" i="1" dirty="0" smtClean="0"/>
+              <a:t>\</a:t>
+            </a:r>
+          </a:p>
+          <a:p>
+            <a:pPr>
+              <a:buNone/>
             </a:pPr>
             <a:r>
-              <a:rPr lang="en-US" sz="3000" dirty="0" smtClean="0"/>
-              <a:t>Subscriber should be able to get command line arguments like log file path and use them.</a:t>
-            </a:r>
-            <a:endParaRPr lang="en-US" sz="3000" dirty="0"/>
+              <a:rPr lang="en-US" sz="2400" i="1" dirty="0" smtClean="0"/>
+              <a:t>   --</a:t>
+            </a:r>
+            <a:r>
+              <a:rPr lang="en-US" sz="2400" i="1" dirty="0" smtClean="0"/>
+              <a:t>domain blood --device-id BP_LAB3 --log-info blood.info </a:t>
+            </a:r>
+            <a:r>
+              <a:rPr lang="en-US" sz="2400" i="1" dirty="0" smtClean="0"/>
+              <a:t>\</a:t>
+            </a:r>
+          </a:p>
+          <a:p>
+            <a:pPr>
+              <a:buNone/>
+            </a:pPr>
+            <a:r>
+              <a:rPr lang="en-US" sz="2400" i="1" dirty="0" smtClean="0"/>
+              <a:t>   --</a:t>
+            </a:r>
+            <a:r>
+              <a:rPr lang="en-US" sz="2400" i="1" dirty="0" smtClean="0"/>
+              <a:t>log-data </a:t>
+            </a:r>
+            <a:r>
+              <a:rPr lang="en-US" sz="2400" i="1" dirty="0" err="1" smtClean="0"/>
+              <a:t>blood.data</a:t>
+            </a:r>
+            <a:r>
+              <a:rPr lang="en-US" sz="2400" i="1" dirty="0" smtClean="0"/>
+              <a:t> --</a:t>
+            </a:r>
+            <a:r>
+              <a:rPr lang="en-US" sz="2400" i="1" dirty="0" smtClean="0"/>
+              <a:t>log4cpp-conf  \ ../</a:t>
+            </a:r>
+            <a:r>
+              <a:rPr lang="en-US" sz="2400" i="1" dirty="0" err="1" smtClean="0"/>
+              <a:t>src</a:t>
+            </a:r>
+            <a:r>
+              <a:rPr lang="en-US" sz="2400" i="1" dirty="0" smtClean="0"/>
+              <a:t>/</a:t>
+            </a:r>
+            <a:r>
+              <a:rPr lang="en-US" sz="2400" i="1" dirty="0" err="1" smtClean="0"/>
+              <a:t>c++</a:t>
+            </a:r>
+            <a:r>
+              <a:rPr lang="en-US" sz="2400" i="1" dirty="0" smtClean="0"/>
+              <a:t>/production/conf/</a:t>
+            </a:r>
+            <a:r>
+              <a:rPr lang="en-US" sz="2400" i="1" dirty="0" err="1" smtClean="0"/>
+              <a:t>simulation_log_bp.conf</a:t>
+            </a:r>
+            <a:endParaRPr lang="en-US" sz="2400" i="1" dirty="0" smtClean="0"/>
+          </a:p>
+          <a:p>
+            <a:pPr>
+              <a:buNone/>
+            </a:pPr>
+            <a:endParaRPr lang="en-US" sz="2400" i="1" dirty="0" smtClean="0"/>
+          </a:p>
+          <a:p>
+            <a:pPr>
+              <a:buNone/>
+            </a:pPr>
+            <a:r>
+              <a:rPr lang="en-US" sz="2400" dirty="0" smtClean="0"/>
+              <a:t>We will receive notices, errors and warnings in the file </a:t>
+            </a:r>
+          </a:p>
+          <a:p>
+            <a:pPr>
+              <a:buNone/>
+            </a:pPr>
+            <a:r>
+              <a:rPr lang="en-US" sz="2400" dirty="0" smtClean="0"/>
+              <a:t>/</a:t>
+            </a:r>
+            <a:r>
+              <a:rPr lang="en-US" sz="2400" dirty="0" err="1" smtClean="0"/>
+              <a:t>var</a:t>
+            </a:r>
+            <a:r>
+              <a:rPr lang="en-US" sz="2400" dirty="0" smtClean="0"/>
+              <a:t>/log/</a:t>
+            </a:r>
+            <a:r>
+              <a:rPr lang="en-US" sz="2400" dirty="0" err="1" smtClean="0"/>
+              <a:t>netspective</a:t>
+            </a:r>
+            <a:r>
+              <a:rPr lang="en-US" sz="2400" dirty="0" smtClean="0"/>
+              <a:t>/blood/</a:t>
+            </a:r>
+            <a:r>
+              <a:rPr lang="en-US" sz="2400" dirty="0" err="1" smtClean="0"/>
+              <a:t>pub.blood.info.log</a:t>
+            </a:r>
+            <a:endParaRPr lang="en-US" sz="2400" dirty="0" smtClean="0"/>
+          </a:p>
+          <a:p>
+            <a:pPr>
+              <a:buNone/>
+            </a:pPr>
+            <a:r>
+              <a:rPr lang="en-US" sz="2400" dirty="0" smtClean="0"/>
+              <a:t>and formatted data in the file </a:t>
+            </a:r>
+          </a:p>
+          <a:p>
+            <a:pPr>
+              <a:buNone/>
+            </a:pPr>
+            <a:r>
+              <a:rPr lang="en-US" sz="2400" dirty="0" smtClean="0"/>
+              <a:t>/</a:t>
+            </a:r>
+            <a:r>
+              <a:rPr lang="en-US" sz="2400" dirty="0" err="1" smtClean="0"/>
+              <a:t>var</a:t>
+            </a:r>
+            <a:r>
+              <a:rPr lang="en-US" sz="2400" dirty="0" smtClean="0"/>
+              <a:t>/log/</a:t>
+            </a:r>
+            <a:r>
+              <a:rPr lang="en-US" sz="2400" dirty="0" err="1" smtClean="0"/>
+              <a:t>netspective</a:t>
+            </a:r>
+            <a:r>
+              <a:rPr lang="en-US" sz="2400" dirty="0" smtClean="0"/>
+              <a:t>/blood/</a:t>
+            </a:r>
+            <a:r>
+              <a:rPr lang="en-US" sz="2400" dirty="0" err="1" smtClean="0"/>
+              <a:t>pub.blood.data.log</a:t>
+            </a:r>
+            <a:endParaRPr lang="en-US" sz="2400" dirty="0" smtClean="0"/>
+          </a:p>
+          <a:p>
+            <a:pPr>
+              <a:buNone/>
+            </a:pPr>
+            <a:endParaRPr lang="en-US" sz="2400" i="1" dirty="0" smtClean="0"/>
           </a:p>
         </p:txBody>
       </p:sp>
@@ -45853,6 +46364,13 @@
   <p:clrMapOvr>
     <a:masterClrMapping/>
   </p:clrMapOvr>
+  <p:timing>
+    <p:tnLst>
+      <p:par>
+        <p:cTn id="1" dur="indefinite" restart="never" nodeType="tmRoot"/>
+      </p:par>
+    </p:tnLst>
+  </p:timing>
 </p:sld>
 </file>
 
@@ -45875,7 +46393,7 @@
       </p:grpSpPr>
       <p:sp>
         <p:nvSpPr>
-          <p:cNvPr id="22530" name="Title 1"/>
+          <p:cNvPr id="2" name="Title 1"/>
           <p:cNvSpPr>
             <a:spLocks noGrp="1"/>
           </p:cNvSpPr>
@@ -45890,19 +46408,400 @@
           <a:p>
             <a:r>
               <a:rPr lang="en-US" dirty="0" smtClean="0"/>
-              <a:t>Questions</a:t>
-            </a:r>
+              <a:t>Spawn the Publisher</a:t>
+            </a:r>
+            <a:endParaRPr lang="en-US" dirty="0"/>
           </a:p>
         </p:txBody>
       </p:sp>
       <p:sp>
         <p:nvSpPr>
-          <p:cNvPr id="12" name="Text Placeholder 11"/>
+          <p:cNvPr id="8" name="Content Placeholder 2"/>
+          <p:cNvSpPr txBox="1">
+            <a:spLocks/>
+          </p:cNvSpPr>
+          <p:nvPr/>
+        </p:nvSpPr>
+        <p:spPr>
+          <a:xfrm>
+            <a:off x="381000" y="1524000"/>
+            <a:ext cx="8229600" cy="4572000"/>
+          </a:xfrm>
+          <a:prstGeom prst="rect">
+            <a:avLst/>
+          </a:prstGeom>
+        </p:spPr>
+        <p:txBody>
+          <a:bodyPr vert="horz" lIns="91440" tIns="45720" rIns="91440" bIns="45720" rtlCol="0">
+            <a:noAutofit/>
+          </a:bodyPr>
+          <a:lstStyle/>
+          <a:p>
+            <a:pPr marL="342900" indent="-342900" fontAlgn="auto">
+              <a:spcBef>
+                <a:spcPct val="20000"/>
+              </a:spcBef>
+              <a:spcAft>
+                <a:spcPts val="0"/>
+              </a:spcAft>
+              <a:buFont typeface="Arial" pitchFamily="34" charset="0"/>
+              <a:buChar char="•"/>
+              <a:defRPr/>
+            </a:pPr>
+            <a:r>
+              <a:rPr lang="en-US" sz="2400" dirty="0" smtClean="0">
+                <a:latin typeface="+mn-lt"/>
+              </a:rPr>
+              <a:t>Shell script to spawn publisher which starts multiple publishers at the same time</a:t>
+            </a:r>
+            <a:endParaRPr kumimoji="0" lang="en-US" sz="2400" b="0" i="0" u="none" strike="noStrike" kern="1200" cap="none" spc="0" normalizeH="0" baseline="0" noProof="0" dirty="0" smtClean="0">
+              <a:ln>
+                <a:noFill/>
+              </a:ln>
+              <a:solidFill>
+                <a:schemeClr val="tx1"/>
+              </a:solidFill>
+              <a:effectLst/>
+              <a:uLnTx/>
+              <a:uFillTx/>
+              <a:latin typeface="+mn-lt"/>
+              <a:ea typeface="+mn-ea"/>
+              <a:cs typeface="+mn-cs"/>
+            </a:endParaRPr>
+          </a:p>
+          <a:p>
+            <a:pPr marL="342900" marR="0" lvl="0" indent="-342900" algn="l" defTabSz="914400" rtl="0" eaLnBrk="1" fontAlgn="auto" latinLnBrk="0" hangingPunct="1">
+              <a:lnSpc>
+                <a:spcPct val="100000"/>
+              </a:lnSpc>
+              <a:spcBef>
+                <a:spcPct val="20000"/>
+              </a:spcBef>
+              <a:spcAft>
+                <a:spcPts val="0"/>
+              </a:spcAft>
+              <a:buClrTx/>
+              <a:buSzTx/>
+              <a:buFont typeface="Arial" pitchFamily="34" charset="0"/>
+              <a:buChar char="•"/>
+              <a:tabLst/>
+              <a:defRPr/>
+            </a:pPr>
+            <a:r>
+              <a:rPr kumimoji="0" lang="en-US" sz="2400" b="0" i="0" u="none" strike="noStrike" kern="1200" cap="none" spc="0" normalizeH="0" baseline="0" noProof="0" dirty="0" smtClean="0">
+                <a:ln>
+                  <a:noFill/>
+                </a:ln>
+                <a:solidFill>
+                  <a:schemeClr val="tx1"/>
+                </a:solidFill>
+                <a:effectLst/>
+                <a:uLnTx/>
+                <a:uFillTx/>
+                <a:latin typeface="+mn-lt"/>
+                <a:ea typeface="+mn-ea"/>
+                <a:cs typeface="+mn-cs"/>
+              </a:rPr>
+              <a:t>Command line</a:t>
+            </a:r>
+            <a:r>
+              <a:rPr kumimoji="0" lang="en-US" sz="2400" b="0" i="0" u="none" strike="noStrike" kern="1200" cap="none" spc="0" normalizeH="0" noProof="0" dirty="0" smtClean="0">
+                <a:ln>
+                  <a:noFill/>
+                </a:ln>
+                <a:solidFill>
+                  <a:schemeClr val="tx1"/>
+                </a:solidFill>
+                <a:effectLst/>
+                <a:uLnTx/>
+                <a:uFillTx/>
+                <a:latin typeface="+mn-lt"/>
+                <a:ea typeface="+mn-ea"/>
+                <a:cs typeface="+mn-cs"/>
+              </a:rPr>
+              <a:t> options for shell script</a:t>
+            </a:r>
+          </a:p>
+          <a:p>
+            <a:pPr marL="342900" lvl="0" indent="-342900" fontAlgn="auto">
+              <a:spcBef>
+                <a:spcPct val="20000"/>
+              </a:spcBef>
+              <a:spcAft>
+                <a:spcPts val="0"/>
+              </a:spcAft>
+            </a:pPr>
+            <a:r>
+              <a:rPr lang="en-US" sz="1600" i="1" dirty="0" smtClean="0">
+                <a:latin typeface="+mn-lt"/>
+              </a:rPr>
+              <a:t># ./bp-pub.sh </a:t>
+            </a:r>
+          </a:p>
+          <a:p>
+            <a:pPr marL="342900" lvl="0" indent="-342900" fontAlgn="auto">
+              <a:spcBef>
+                <a:spcPct val="20000"/>
+              </a:spcBef>
+              <a:spcAft>
+                <a:spcPts val="0"/>
+              </a:spcAft>
+            </a:pPr>
+            <a:r>
+              <a:rPr lang="en-US" sz="1600" i="1" dirty="0" smtClean="0">
+                <a:latin typeface="+mn-lt"/>
+              </a:rPr>
+              <a:t>USAGE: </a:t>
+            </a:r>
+          </a:p>
+          <a:p>
+            <a:pPr marL="342900" lvl="0" indent="-342900" fontAlgn="auto">
+              <a:spcBef>
+                <a:spcPct val="20000"/>
+              </a:spcBef>
+              <a:spcAft>
+                <a:spcPts val="0"/>
+              </a:spcAft>
+            </a:pPr>
+            <a:r>
+              <a:rPr lang="en-US" sz="1600" i="1" dirty="0" smtClean="0">
+                <a:latin typeface="+mn-lt"/>
+              </a:rPr>
+              <a:t>    </a:t>
+            </a:r>
+            <a:r>
+              <a:rPr lang="en-US" sz="1600" i="1" dirty="0" err="1" smtClean="0">
+                <a:latin typeface="+mn-lt"/>
+              </a:rPr>
+              <a:t>BloodPressure</a:t>
+            </a:r>
+            <a:r>
+              <a:rPr lang="en-US" sz="1600" i="1" dirty="0" smtClean="0">
+                <a:latin typeface="+mn-lt"/>
+              </a:rPr>
+              <a:t> Publisher</a:t>
+            </a:r>
+          </a:p>
+          <a:p>
+            <a:pPr marL="342900" lvl="0" indent="-342900" fontAlgn="auto">
+              <a:spcBef>
+                <a:spcPct val="20000"/>
+              </a:spcBef>
+              <a:spcAft>
+                <a:spcPts val="0"/>
+              </a:spcAft>
+            </a:pPr>
+            <a:r>
+              <a:rPr lang="en-US" sz="1600" i="1" dirty="0" smtClean="0">
+                <a:latin typeface="+mn-lt"/>
+              </a:rPr>
+              <a:t>OPTIONS:</a:t>
+            </a:r>
+          </a:p>
+          <a:p>
+            <a:pPr marL="342900" lvl="0" indent="-342900" fontAlgn="auto">
+              <a:spcBef>
+                <a:spcPts val="200"/>
+              </a:spcBef>
+              <a:spcAft>
+                <a:spcPts val="200"/>
+              </a:spcAft>
+            </a:pPr>
+            <a:r>
+              <a:rPr lang="en-US" sz="1600" i="1" dirty="0" smtClean="0">
+                <a:latin typeface="+mn-lt"/>
+              </a:rPr>
+              <a:t>    --domain                     Device Domain</a:t>
+            </a:r>
+          </a:p>
+          <a:p>
+            <a:pPr marL="342900" lvl="0" indent="-342900" fontAlgn="auto">
+              <a:spcBef>
+                <a:spcPts val="200"/>
+              </a:spcBef>
+              <a:spcAft>
+                <a:spcPts val="200"/>
+              </a:spcAft>
+            </a:pPr>
+            <a:r>
+              <a:rPr lang="en-US" sz="1600" i="1" dirty="0" smtClean="0">
+                <a:latin typeface="+mn-lt"/>
+              </a:rPr>
+              <a:t>    --device-id                  Device ID to identify the particular device</a:t>
+            </a:r>
+          </a:p>
+          <a:p>
+            <a:pPr marL="342900" lvl="0" indent="-342900" fontAlgn="auto">
+              <a:spcBef>
+                <a:spcPts val="200"/>
+              </a:spcBef>
+              <a:spcAft>
+                <a:spcPts val="200"/>
+              </a:spcAft>
+            </a:pPr>
+            <a:r>
+              <a:rPr lang="en-US" sz="1600" i="1" dirty="0" smtClean="0">
+                <a:latin typeface="+mn-lt"/>
+              </a:rPr>
+              <a:t>    --spawn                      Number of publishers to run</a:t>
+            </a:r>
+          </a:p>
+          <a:p>
+            <a:pPr marL="342900" lvl="0" indent="-342900" fontAlgn="auto">
+              <a:spcBef>
+                <a:spcPts val="200"/>
+              </a:spcBef>
+              <a:spcAft>
+                <a:spcPts val="200"/>
+              </a:spcAft>
+            </a:pPr>
+            <a:r>
+              <a:rPr lang="en-US" sz="1600" i="1" dirty="0" smtClean="0">
+                <a:latin typeface="+mn-lt"/>
+              </a:rPr>
+              <a:t>    </a:t>
+            </a:r>
+            <a:r>
+              <a:rPr lang="en-US" sz="1600" i="1" dirty="0" smtClean="0">
+                <a:latin typeface="+mj-lt"/>
+              </a:rPr>
+              <a:t>--log4cpp-conf          Importing log4cpp configuration </a:t>
+            </a:r>
+          </a:p>
+          <a:p>
+            <a:pPr marL="342900" lvl="0" indent="-342900" fontAlgn="auto">
+              <a:spcBef>
+                <a:spcPts val="200"/>
+              </a:spcBef>
+              <a:spcAft>
+                <a:spcPts val="200"/>
+              </a:spcAft>
+            </a:pPr>
+            <a:r>
+              <a:rPr lang="en-US" sz="1600" i="1" dirty="0" smtClean="0">
+                <a:latin typeface="+mn-lt"/>
+              </a:rPr>
+              <a:t>EXAMPLE:</a:t>
+            </a:r>
+          </a:p>
+          <a:p>
+            <a:pPr marL="342900" lvl="0" indent="-342900" fontAlgn="auto">
+              <a:spcBef>
+                <a:spcPct val="20000"/>
+              </a:spcBef>
+              <a:spcAft>
+                <a:spcPts val="0"/>
+              </a:spcAft>
+            </a:pPr>
+            <a:r>
+              <a:rPr lang="en-US" sz="1600" i="1" dirty="0" smtClean="0">
+                <a:latin typeface="+mn-lt"/>
+              </a:rPr>
+              <a:t># ./bp-pub.sh --device=blood --device-id=A10 --spawn=15  \</a:t>
+            </a:r>
+          </a:p>
+          <a:p>
+            <a:pPr marL="342900" lvl="0" indent="-342900" fontAlgn="auto">
+              <a:spcBef>
+                <a:spcPct val="20000"/>
+              </a:spcBef>
+              <a:spcAft>
+                <a:spcPts val="0"/>
+              </a:spcAft>
+            </a:pPr>
+            <a:r>
+              <a:rPr lang="en-US" sz="1600" i="1" dirty="0" smtClean="0">
+                <a:latin typeface="+mn-lt"/>
+              </a:rPr>
+              <a:t> 			--log4cpp-conf ../</a:t>
+            </a:r>
+            <a:r>
+              <a:rPr lang="en-US" sz="1600" i="1" dirty="0" err="1" smtClean="0">
+                <a:latin typeface="+mn-lt"/>
+              </a:rPr>
+              <a:t>src</a:t>
+            </a:r>
+            <a:r>
+              <a:rPr lang="en-US" sz="1600" i="1" dirty="0" smtClean="0">
+                <a:latin typeface="+mn-lt"/>
+              </a:rPr>
+              <a:t>/</a:t>
+            </a:r>
+            <a:r>
+              <a:rPr lang="en-US" sz="1600" i="1" dirty="0" err="1" smtClean="0">
+                <a:latin typeface="+mn-lt"/>
+              </a:rPr>
+              <a:t>c++</a:t>
+            </a:r>
+            <a:r>
+              <a:rPr lang="en-US" sz="1600" i="1" dirty="0" smtClean="0">
+                <a:latin typeface="+mn-lt"/>
+              </a:rPr>
+              <a:t>/production/conf/</a:t>
+            </a:r>
+            <a:r>
+              <a:rPr lang="en-US" sz="1600" i="1" dirty="0" err="1" smtClean="0">
+                <a:latin typeface="+mn-lt"/>
+              </a:rPr>
+              <a:t>simulation_log_bp.conf</a:t>
+            </a:r>
+            <a:endParaRPr kumimoji="0" lang="en-US" sz="1600" i="1" u="none" strike="noStrike" kern="1200" cap="none" spc="0" normalizeH="0" baseline="0" noProof="0" dirty="0">
+              <a:ln>
+                <a:noFill/>
+              </a:ln>
+              <a:solidFill>
+                <a:schemeClr val="tx1"/>
+              </a:solidFill>
+              <a:effectLst/>
+              <a:uLnTx/>
+              <a:uFillTx/>
+              <a:latin typeface="+mn-lt"/>
+              <a:ea typeface="+mn-ea"/>
+              <a:cs typeface="+mn-cs"/>
+            </a:endParaRPr>
+          </a:p>
+        </p:txBody>
+      </p:sp>
+    </p:spTree>
+  </p:cSld>
+  <p:clrMapOvr>
+    <a:masterClrMapping/>
+  </p:clrMapOvr>
+  <p:timing>
+    <p:tnLst>
+      <p:par>
+        <p:cTn id="1" dur="indefinite" restart="never" nodeType="tmRoot"/>
+      </p:par>
+    </p:tnLst>
+  </p:timing>
+</p:sld>
+</file>
+
+<file path=ppt/slides/slide35.xml><?xml version="1.0" encoding="utf-8"?>
+<p:sld xmlns:a="http://schemas.openxmlformats.org/drawingml/2006/main" xmlns:r="http://schemas.openxmlformats.org/officeDocument/2006/relationships" xmlns:p="http://schemas.openxmlformats.org/presentationml/2006/main">
+  <p:cSld>
+    <p:spTree>
+      <p:nvGrpSpPr>
+        <p:cNvPr id="1" name=""/>
+        <p:cNvGrpSpPr/>
+        <p:nvPr/>
+      </p:nvGrpSpPr>
+      <p:grpSpPr>
+        <a:xfrm>
+          <a:off x="0" y="0"/>
+          <a:ext cx="0" cy="0"/>
+          <a:chOff x="0" y="0"/>
+          <a:chExt cx="0" cy="0"/>
+        </a:xfrm>
+      </p:grpSpPr>
+      <p:sp>
+        <p:nvSpPr>
+          <p:cNvPr id="2" name="Title 1"/>
           <p:cNvSpPr>
             <a:spLocks noGrp="1"/>
           </p:cNvSpPr>
           <p:nvPr>
-            <p:ph type="body" idx="1"/>
+            <p:ph type="title"/>
           </p:nvPr>
         </p:nvSpPr>
         <p:spPr/>
@@ -45910,7 +46809,1949 @@
           <a:bodyPr/>
           <a:lstStyle/>
           <a:p>
-            <a:endParaRPr lang="en-US"/>
+            <a:r>
+              <a:rPr lang="en-US" dirty="0" smtClean="0"/>
+              <a:t>Subscribers</a:t>
+            </a:r>
+            <a:endParaRPr lang="en-US" dirty="0"/>
+          </a:p>
+        </p:txBody>
+      </p:sp>
+      <p:sp>
+        <p:nvSpPr>
+          <p:cNvPr id="3" name="Content Placeholder 2"/>
+          <p:cNvSpPr>
+            <a:spLocks noGrp="1"/>
+          </p:cNvSpPr>
+          <p:nvPr>
+            <p:ph idx="1"/>
+          </p:nvPr>
+        </p:nvSpPr>
+        <p:spPr/>
+        <p:txBody>
+          <a:bodyPr>
+            <a:normAutofit fontScale="92500" lnSpcReduction="10000"/>
+          </a:bodyPr>
+          <a:lstStyle/>
+          <a:p>
+            <a:r>
+              <a:rPr lang="en-US" dirty="0" smtClean="0"/>
+              <a:t>Subscriber Types : Echo, Alarm and Persist.</a:t>
+            </a:r>
+          </a:p>
+          <a:p>
+            <a:endParaRPr lang="en-US" dirty="0" smtClean="0"/>
+          </a:p>
+          <a:p>
+            <a:r>
+              <a:rPr lang="en-US" dirty="0" smtClean="0"/>
+              <a:t>Echo - Get the published data and display</a:t>
+            </a:r>
+          </a:p>
+          <a:p>
+            <a:endParaRPr lang="en-US" dirty="0" smtClean="0"/>
+          </a:p>
+          <a:p>
+            <a:r>
+              <a:rPr lang="en-US" dirty="0" smtClean="0"/>
+              <a:t>Persist - Get the published data and stores in database.</a:t>
+            </a:r>
+          </a:p>
+          <a:p>
+            <a:endParaRPr lang="en-US" dirty="0" smtClean="0"/>
+          </a:p>
+          <a:p>
+            <a:r>
+              <a:rPr lang="en-US" dirty="0" smtClean="0"/>
+              <a:t>Alarm - Get the published data and display the abnormal behavior only.</a:t>
+            </a:r>
+          </a:p>
+        </p:txBody>
+      </p:sp>
+    </p:spTree>
+  </p:cSld>
+  <p:clrMapOvr>
+    <a:masterClrMapping/>
+  </p:clrMapOvr>
+  <p:timing>
+    <p:tnLst>
+      <p:par>
+        <p:cTn id="1" dur="indefinite" restart="never" nodeType="tmRoot"/>
+      </p:par>
+    </p:tnLst>
+  </p:timing>
+</p:sld>
+</file>
+
+<file path=ppt/slides/slide36.xml><?xml version="1.0" encoding="utf-8"?>
+<p:sld xmlns:a="http://schemas.openxmlformats.org/drawingml/2006/main" xmlns:r="http://schemas.openxmlformats.org/officeDocument/2006/relationships" xmlns:p="http://schemas.openxmlformats.org/presentationml/2006/main">
+  <p:cSld>
+    <p:spTree>
+      <p:nvGrpSpPr>
+        <p:cNvPr id="1" name=""/>
+        <p:cNvGrpSpPr/>
+        <p:nvPr/>
+      </p:nvGrpSpPr>
+      <p:grpSpPr>
+        <a:xfrm>
+          <a:off x="0" y="0"/>
+          <a:ext cx="0" cy="0"/>
+          <a:chOff x="0" y="0"/>
+          <a:chExt cx="0" cy="0"/>
+        </a:xfrm>
+      </p:grpSpPr>
+      <p:sp>
+        <p:nvSpPr>
+          <p:cNvPr id="2" name="Title 1"/>
+          <p:cNvSpPr>
+            <a:spLocks noGrp="1"/>
+          </p:cNvSpPr>
+          <p:nvPr>
+            <p:ph type="title"/>
+          </p:nvPr>
+        </p:nvSpPr>
+        <p:spPr/>
+        <p:txBody>
+          <a:bodyPr/>
+          <a:lstStyle/>
+          <a:p>
+            <a:r>
+              <a:rPr lang="en-US" dirty="0" smtClean="0"/>
+              <a:t>Subscribers</a:t>
+            </a:r>
+            <a:endParaRPr lang="en-US" dirty="0"/>
+          </a:p>
+        </p:txBody>
+      </p:sp>
+      <p:sp>
+        <p:nvSpPr>
+          <p:cNvPr id="5" name="Content Placeholder 2"/>
+          <p:cNvSpPr txBox="1">
+            <a:spLocks/>
+          </p:cNvSpPr>
+          <p:nvPr/>
+        </p:nvSpPr>
+        <p:spPr>
+          <a:xfrm>
+            <a:off x="304800" y="1981215"/>
+            <a:ext cx="8458200" cy="4114785"/>
+          </a:xfrm>
+          <a:prstGeom prst="rect">
+            <a:avLst/>
+          </a:prstGeom>
+        </p:spPr>
+        <p:txBody>
+          <a:bodyPr vert="horz" lIns="91440" tIns="45720" rIns="91440" bIns="45720" rtlCol="0">
+            <a:noAutofit/>
+          </a:bodyPr>
+          <a:lstStyle/>
+          <a:p>
+            <a:pPr marL="342900" lvl="0" indent="-342900" fontAlgn="auto">
+              <a:spcBef>
+                <a:spcPct val="20000"/>
+              </a:spcBef>
+              <a:spcAft>
+                <a:spcPts val="0"/>
+              </a:spcAft>
+              <a:defRPr/>
+            </a:pPr>
+            <a:r>
+              <a:rPr lang="en-US" sz="2400" dirty="0" smtClean="0"/>
+              <a:t>Common c</a:t>
+            </a:r>
+            <a:r>
+              <a:rPr kumimoji="0" lang="en-US" sz="2400" b="0" i="0" u="none" strike="noStrike" kern="1200" cap="none" spc="0" normalizeH="0" baseline="0" noProof="0" dirty="0" err="1" smtClean="0">
+                <a:ln>
+                  <a:noFill/>
+                </a:ln>
+                <a:solidFill>
+                  <a:schemeClr val="tx1"/>
+                </a:solidFill>
+                <a:effectLst/>
+                <a:uLnTx/>
+                <a:uFillTx/>
+                <a:latin typeface="+mn-lt"/>
+                <a:ea typeface="+mn-ea"/>
+                <a:cs typeface="+mn-cs"/>
+              </a:rPr>
+              <a:t>ommand</a:t>
+            </a:r>
+            <a:r>
+              <a:rPr kumimoji="0" lang="en-US" sz="2400" b="0" i="0" u="none" strike="noStrike" kern="1200" cap="none" spc="0" normalizeH="0" baseline="0" noProof="0" dirty="0" smtClean="0">
+                <a:ln>
+                  <a:noFill/>
+                </a:ln>
+                <a:solidFill>
+                  <a:schemeClr val="tx1"/>
+                </a:solidFill>
+                <a:effectLst/>
+                <a:uLnTx/>
+                <a:uFillTx/>
+                <a:latin typeface="+mn-lt"/>
+                <a:ea typeface="+mn-ea"/>
+                <a:cs typeface="+mn-cs"/>
+              </a:rPr>
+              <a:t> </a:t>
+            </a:r>
+            <a:r>
+              <a:rPr lang="en-US" sz="2400" dirty="0" smtClean="0">
+                <a:latin typeface="+mn-lt"/>
+              </a:rPr>
+              <a:t>l</a:t>
+            </a:r>
+            <a:r>
+              <a:rPr kumimoji="0" lang="en-US" sz="2400" b="0" i="0" u="none" strike="noStrike" kern="1200" cap="none" spc="0" normalizeH="0" baseline="0" noProof="0" dirty="0" err="1" smtClean="0">
+                <a:ln>
+                  <a:noFill/>
+                </a:ln>
+                <a:solidFill>
+                  <a:schemeClr val="tx1"/>
+                </a:solidFill>
+                <a:effectLst/>
+                <a:uLnTx/>
+                <a:uFillTx/>
+                <a:latin typeface="+mn-lt"/>
+                <a:ea typeface="+mn-ea"/>
+                <a:cs typeface="+mn-cs"/>
+              </a:rPr>
+              <a:t>ine</a:t>
+            </a:r>
+            <a:r>
+              <a:rPr kumimoji="0" lang="en-US" sz="2400" b="0" i="0" u="none" strike="noStrike" kern="1200" cap="none" spc="0" normalizeH="0" baseline="0" noProof="0" dirty="0" smtClean="0">
+                <a:ln>
+                  <a:noFill/>
+                </a:ln>
+                <a:solidFill>
+                  <a:schemeClr val="tx1"/>
+                </a:solidFill>
+                <a:effectLst/>
+                <a:uLnTx/>
+                <a:uFillTx/>
+                <a:latin typeface="+mn-lt"/>
+                <a:ea typeface="+mn-ea"/>
+                <a:cs typeface="+mn-cs"/>
+              </a:rPr>
+              <a:t> options for all subscribers</a:t>
+            </a:r>
+            <a:r>
+              <a:rPr kumimoji="0" lang="en-US" sz="2400" b="0" i="0" u="none" strike="noStrike" kern="1200" cap="none" spc="0" normalizeH="0" noProof="0" dirty="0" smtClean="0">
+                <a:ln>
+                  <a:noFill/>
+                </a:ln>
+                <a:solidFill>
+                  <a:schemeClr val="tx1"/>
+                </a:solidFill>
+                <a:effectLst/>
+                <a:uLnTx/>
+                <a:uFillTx/>
+                <a:latin typeface="+mn-lt"/>
+                <a:ea typeface="+mn-ea"/>
+                <a:cs typeface="+mn-cs"/>
+              </a:rPr>
+              <a:t> </a:t>
+            </a:r>
+            <a:endParaRPr kumimoji="0" lang="en-US" sz="2400" b="0" i="0" u="none" strike="noStrike" kern="1200" cap="none" spc="0" normalizeH="0" baseline="0" noProof="0" dirty="0" smtClean="0">
+              <a:ln>
+                <a:noFill/>
+              </a:ln>
+              <a:solidFill>
+                <a:schemeClr val="tx1"/>
+              </a:solidFill>
+              <a:effectLst/>
+              <a:uLnTx/>
+              <a:uFillTx/>
+              <a:latin typeface="+mn-lt"/>
+              <a:ea typeface="+mn-ea"/>
+              <a:cs typeface="+mn-cs"/>
+            </a:endParaRPr>
+          </a:p>
+          <a:p>
+            <a:pPr marL="342900" marR="0" lvl="0" indent="-342900" algn="l" defTabSz="914400" rtl="0" eaLnBrk="1" fontAlgn="auto" latinLnBrk="0" hangingPunct="1">
+              <a:lnSpc>
+                <a:spcPct val="100000"/>
+              </a:lnSpc>
+              <a:spcBef>
+                <a:spcPct val="20000"/>
+              </a:spcBef>
+              <a:spcAft>
+                <a:spcPts val="0"/>
+              </a:spcAft>
+              <a:buClrTx/>
+              <a:buSzTx/>
+              <a:buFont typeface="Arial" pitchFamily="34" charset="0"/>
+              <a:buNone/>
+              <a:tabLst/>
+              <a:defRPr/>
+            </a:pPr>
+            <a:r>
+              <a:rPr kumimoji="0" lang="en-US" sz="2400" b="0" i="1" u="none" strike="noStrike" kern="1200" cap="none" spc="0" normalizeH="0" baseline="0" noProof="0" dirty="0" smtClean="0">
+                <a:ln>
+                  <a:noFill/>
+                </a:ln>
+                <a:solidFill>
+                  <a:schemeClr val="tx1"/>
+                </a:solidFill>
+                <a:effectLst/>
+                <a:uLnTx/>
+                <a:uFillTx/>
+                <a:latin typeface="+mn-lt"/>
+                <a:ea typeface="+mn-ea"/>
+                <a:cs typeface="+mn-cs"/>
+              </a:rPr>
+              <a:t># ./&lt;device-type&gt;-sub-&lt;type&gt; {command line options}</a:t>
+            </a:r>
+          </a:p>
+          <a:p>
+            <a:pPr marL="342900" marR="0" lvl="0" indent="-342900" algn="l" defTabSz="914400" rtl="0" eaLnBrk="1" fontAlgn="auto" latinLnBrk="0" hangingPunct="1">
+              <a:lnSpc>
+                <a:spcPct val="100000"/>
+              </a:lnSpc>
+              <a:spcBef>
+                <a:spcPct val="20000"/>
+              </a:spcBef>
+              <a:spcAft>
+                <a:spcPts val="0"/>
+              </a:spcAft>
+              <a:buClrTx/>
+              <a:buSzTx/>
+              <a:buFont typeface="Arial" pitchFamily="34" charset="0"/>
+              <a:buNone/>
+              <a:tabLst/>
+              <a:defRPr/>
+            </a:pPr>
+            <a:r>
+              <a:rPr kumimoji="0" lang="en-US" sz="2400" b="0" i="1" u="none" strike="noStrike" kern="1200" cap="none" spc="0" normalizeH="0" baseline="0" noProof="0" dirty="0" smtClean="0">
+                <a:ln>
+                  <a:noFill/>
+                </a:ln>
+                <a:solidFill>
+                  <a:schemeClr val="tx1"/>
+                </a:solidFill>
+                <a:effectLst/>
+                <a:uLnTx/>
+                <a:uFillTx/>
+                <a:latin typeface="+mn-lt"/>
+                <a:ea typeface="+mn-ea"/>
+                <a:cs typeface="+mn-cs"/>
+              </a:rPr>
+              <a:t>Available options for &lt;&lt;Device Type&gt; Publisher&gt; are:</a:t>
+            </a:r>
+          </a:p>
+          <a:p>
+            <a:pPr marL="342900" marR="0" lvl="0" indent="-342900" algn="l" defTabSz="914400" rtl="0" eaLnBrk="1" fontAlgn="auto" latinLnBrk="0" hangingPunct="1">
+              <a:lnSpc>
+                <a:spcPct val="100000"/>
+              </a:lnSpc>
+              <a:spcBef>
+                <a:spcPct val="20000"/>
+              </a:spcBef>
+              <a:spcAft>
+                <a:spcPts val="0"/>
+              </a:spcAft>
+              <a:buClrTx/>
+              <a:buSzTx/>
+              <a:buFont typeface="Arial" pitchFamily="34" charset="0"/>
+              <a:buNone/>
+              <a:tabLst/>
+              <a:defRPr/>
+            </a:pPr>
+            <a:r>
+              <a:rPr kumimoji="0" lang="en-US" sz="2400" b="0" i="1" u="none" strike="noStrike" kern="1200" cap="none" spc="0" normalizeH="0" baseline="0" noProof="0" dirty="0" smtClean="0">
+                <a:ln>
+                  <a:noFill/>
+                </a:ln>
+                <a:solidFill>
+                  <a:schemeClr val="tx1"/>
+                </a:solidFill>
+                <a:effectLst/>
+                <a:uLnTx/>
+                <a:uFillTx/>
+                <a:latin typeface="+mn-lt"/>
+                <a:ea typeface="+mn-ea"/>
+                <a:cs typeface="+mn-cs"/>
+              </a:rPr>
+              <a:t>  --help          	          Produce help message</a:t>
+            </a:r>
+          </a:p>
+          <a:p>
+            <a:pPr marL="342900" marR="0" lvl="0" indent="-342900" algn="l" defTabSz="914400" rtl="0" eaLnBrk="1" fontAlgn="auto" latinLnBrk="0" hangingPunct="1">
+              <a:lnSpc>
+                <a:spcPct val="100000"/>
+              </a:lnSpc>
+              <a:spcBef>
+                <a:spcPct val="20000"/>
+              </a:spcBef>
+              <a:spcAft>
+                <a:spcPts val="0"/>
+              </a:spcAft>
+              <a:buClrTx/>
+              <a:buSzTx/>
+              <a:buFont typeface="Arial" pitchFamily="34" charset="0"/>
+              <a:buNone/>
+              <a:tabLst/>
+              <a:defRPr/>
+            </a:pPr>
+            <a:r>
+              <a:rPr kumimoji="0" lang="en-US" sz="2400" b="0" i="1" u="none" strike="noStrike" kern="1200" cap="none" spc="0" normalizeH="0" baseline="0" noProof="0" dirty="0" smtClean="0">
+                <a:ln>
+                  <a:noFill/>
+                </a:ln>
+                <a:solidFill>
+                  <a:schemeClr val="tx1"/>
+                </a:solidFill>
+                <a:effectLst/>
+                <a:uLnTx/>
+                <a:uFillTx/>
+                <a:latin typeface="+mn-lt"/>
+                <a:ea typeface="+mn-ea"/>
+                <a:cs typeface="+mn-cs"/>
+              </a:rPr>
+              <a:t>  --domain                  Device Domain </a:t>
+            </a:r>
+          </a:p>
+          <a:p>
+            <a:pPr marL="342900" marR="0" lvl="0" indent="-342900" algn="l" defTabSz="914400" rtl="0" eaLnBrk="1" fontAlgn="auto" latinLnBrk="0" hangingPunct="1">
+              <a:lnSpc>
+                <a:spcPct val="100000"/>
+              </a:lnSpc>
+              <a:spcBef>
+                <a:spcPct val="20000"/>
+              </a:spcBef>
+              <a:spcAft>
+                <a:spcPts val="0"/>
+              </a:spcAft>
+              <a:buClrTx/>
+              <a:buSzTx/>
+              <a:buFont typeface="Arial" pitchFamily="34" charset="0"/>
+              <a:buNone/>
+              <a:tabLst/>
+              <a:defRPr/>
+            </a:pPr>
+            <a:r>
+              <a:rPr kumimoji="0" lang="en-US" sz="2400" b="0" i="1" u="none" strike="noStrike" kern="1200" cap="none" spc="0" normalizeH="0" baseline="0" noProof="0" dirty="0" smtClean="0">
+                <a:ln>
+                  <a:noFill/>
+                </a:ln>
+                <a:solidFill>
+                  <a:schemeClr val="tx1"/>
+                </a:solidFill>
+                <a:effectLst/>
+                <a:uLnTx/>
+                <a:uFillTx/>
+                <a:latin typeface="+mn-lt"/>
+                <a:ea typeface="+mn-ea"/>
+                <a:cs typeface="+mn-cs"/>
+              </a:rPr>
+              <a:t>  --device-id 	          Device ID - for device identification</a:t>
+            </a:r>
+          </a:p>
+          <a:p>
+            <a:pPr marL="342900" lvl="0" indent="-342900" fontAlgn="auto">
+              <a:spcBef>
+                <a:spcPct val="20000"/>
+              </a:spcBef>
+              <a:spcAft>
+                <a:spcPts val="0"/>
+              </a:spcAft>
+              <a:defRPr/>
+            </a:pPr>
+            <a:r>
+              <a:rPr kumimoji="0" lang="en-US" sz="2400" b="0" i="1" u="none" strike="noStrike" kern="1200" cap="none" spc="0" normalizeH="0" baseline="0" noProof="0" dirty="0" smtClean="0">
+                <a:ln>
+                  <a:noFill/>
+                </a:ln>
+                <a:solidFill>
+                  <a:schemeClr val="tx1"/>
+                </a:solidFill>
+                <a:effectLst/>
+                <a:uLnTx/>
+                <a:uFillTx/>
+                <a:latin typeface="+mn-lt"/>
+                <a:ea typeface="+mn-ea"/>
+                <a:cs typeface="+mn-cs"/>
+              </a:rPr>
+              <a:t>  </a:t>
+            </a:r>
+            <a:r>
+              <a:rPr lang="en-US" sz="2400" i="1" dirty="0" smtClean="0">
+                <a:latin typeface="+mn-lt"/>
+              </a:rPr>
+              <a:t>--log-info </a:t>
+            </a:r>
+            <a:r>
+              <a:rPr lang="en-US" sz="2400" i="1" dirty="0" err="1" smtClean="0">
+                <a:latin typeface="+mn-lt"/>
+              </a:rPr>
+              <a:t>arg</a:t>
+            </a:r>
+            <a:r>
+              <a:rPr lang="en-US" sz="2400" i="1" dirty="0" smtClean="0">
+                <a:latin typeface="+mn-lt"/>
+              </a:rPr>
+              <a:t>          Log Info Specification</a:t>
+            </a:r>
+          </a:p>
+          <a:p>
+            <a:pPr marL="342900" lvl="0" indent="-342900" fontAlgn="auto">
+              <a:spcBef>
+                <a:spcPct val="20000"/>
+              </a:spcBef>
+              <a:spcAft>
+                <a:spcPts val="0"/>
+              </a:spcAft>
+              <a:defRPr/>
+            </a:pPr>
+            <a:r>
+              <a:rPr lang="en-US" sz="2400" i="1" dirty="0" smtClean="0">
+                <a:latin typeface="+mn-lt"/>
+              </a:rPr>
+              <a:t>  --log-data </a:t>
+            </a:r>
+            <a:r>
+              <a:rPr lang="en-US" sz="2400" i="1" dirty="0" err="1" smtClean="0">
+                <a:latin typeface="+mn-lt"/>
+              </a:rPr>
+              <a:t>arg</a:t>
+            </a:r>
+            <a:r>
+              <a:rPr lang="en-US" sz="2400" i="1" dirty="0" smtClean="0">
+                <a:latin typeface="+mn-lt"/>
+              </a:rPr>
+              <a:t>         Log data Specification</a:t>
+            </a:r>
+          </a:p>
+          <a:p>
+            <a:pPr marL="342900" lvl="0" indent="-342900" fontAlgn="auto">
+              <a:spcBef>
+                <a:spcPct val="20000"/>
+              </a:spcBef>
+              <a:spcAft>
+                <a:spcPts val="0"/>
+              </a:spcAft>
+              <a:defRPr/>
+            </a:pPr>
+            <a:r>
+              <a:rPr lang="en-US" sz="2400" i="1" dirty="0" smtClean="0">
+                <a:latin typeface="+mn-lt"/>
+              </a:rPr>
+              <a:t>  --log4cpp-conf </a:t>
+            </a:r>
+            <a:r>
+              <a:rPr lang="en-US" sz="2400" i="1" dirty="0" err="1" smtClean="0">
+                <a:latin typeface="+mn-lt"/>
+              </a:rPr>
+              <a:t>arg</a:t>
+            </a:r>
+            <a:r>
+              <a:rPr lang="en-US" sz="2400" i="1" dirty="0" smtClean="0">
+                <a:latin typeface="+mn-lt"/>
+              </a:rPr>
+              <a:t> </a:t>
+            </a:r>
+            <a:r>
+              <a:rPr lang="en-US" sz="2000" i="1" dirty="0" smtClean="0">
+                <a:latin typeface="+mn-lt"/>
+              </a:rPr>
+              <a:t>Log </a:t>
+            </a:r>
+            <a:r>
+              <a:rPr lang="en-US" sz="2000" i="1" dirty="0" err="1" smtClean="0">
+                <a:latin typeface="+mn-lt"/>
+              </a:rPr>
+              <a:t>Configration</a:t>
+            </a:r>
+            <a:r>
+              <a:rPr lang="en-US" sz="2000" i="1" dirty="0" smtClean="0">
+                <a:latin typeface="+mn-lt"/>
+              </a:rPr>
+              <a:t> and Format specification file</a:t>
+            </a:r>
+            <a:endParaRPr kumimoji="0" lang="en-US" sz="2400" b="0" i="1" u="none" strike="noStrike" kern="1200" cap="none" spc="0" normalizeH="0" baseline="0" noProof="0" dirty="0" smtClean="0">
+              <a:ln>
+                <a:noFill/>
+              </a:ln>
+              <a:solidFill>
+                <a:schemeClr val="tx1"/>
+              </a:solidFill>
+              <a:effectLst/>
+              <a:uLnTx/>
+              <a:uFillTx/>
+              <a:latin typeface="+mn-lt"/>
+              <a:ea typeface="+mn-ea"/>
+              <a:cs typeface="+mn-cs"/>
+            </a:endParaRPr>
+          </a:p>
+        </p:txBody>
+      </p:sp>
+    </p:spTree>
+  </p:cSld>
+  <p:clrMapOvr>
+    <a:masterClrMapping/>
+  </p:clrMapOvr>
+  <p:timing>
+    <p:tnLst>
+      <p:par>
+        <p:cTn id="1" dur="indefinite" restart="never" nodeType="tmRoot"/>
+      </p:par>
+    </p:tnLst>
+  </p:timing>
+</p:sld>
+</file>
+
+<file path=ppt/slides/slide37.xml><?xml version="1.0" encoding="utf-8"?>
+<p:sld xmlns:a="http://schemas.openxmlformats.org/drawingml/2006/main" xmlns:r="http://schemas.openxmlformats.org/officeDocument/2006/relationships" xmlns:p="http://schemas.openxmlformats.org/presentationml/2006/main">
+  <p:cSld>
+    <p:spTree>
+      <p:nvGrpSpPr>
+        <p:cNvPr id="1" name=""/>
+        <p:cNvGrpSpPr/>
+        <p:nvPr/>
+      </p:nvGrpSpPr>
+      <p:grpSpPr>
+        <a:xfrm>
+          <a:off x="0" y="0"/>
+          <a:ext cx="0" cy="0"/>
+          <a:chOff x="0" y="0"/>
+          <a:chExt cx="0" cy="0"/>
+        </a:xfrm>
+      </p:grpSpPr>
+      <p:sp>
+        <p:nvSpPr>
+          <p:cNvPr id="2" name="Title 1"/>
+          <p:cNvSpPr>
+            <a:spLocks noGrp="1"/>
+          </p:cNvSpPr>
+          <p:nvPr>
+            <p:ph type="title"/>
+          </p:nvPr>
+        </p:nvSpPr>
+        <p:spPr/>
+        <p:txBody>
+          <a:bodyPr/>
+          <a:lstStyle/>
+          <a:p>
+            <a:r>
+              <a:rPr lang="en-US" dirty="0" smtClean="0"/>
+              <a:t>Subscribers</a:t>
+            </a:r>
+            <a:endParaRPr lang="en-US" dirty="0"/>
+          </a:p>
+        </p:txBody>
+      </p:sp>
+      <p:sp>
+        <p:nvSpPr>
+          <p:cNvPr id="5" name="Content Placeholder 2"/>
+          <p:cNvSpPr txBox="1">
+            <a:spLocks/>
+          </p:cNvSpPr>
+          <p:nvPr/>
+        </p:nvSpPr>
+        <p:spPr>
+          <a:xfrm>
+            <a:off x="381000" y="1524000"/>
+            <a:ext cx="9144000" cy="4724400"/>
+          </a:xfrm>
+          <a:prstGeom prst="rect">
+            <a:avLst/>
+          </a:prstGeom>
+        </p:spPr>
+        <p:txBody>
+          <a:bodyPr vert="horz" lIns="91440" tIns="45720" rIns="91440" bIns="45720" rtlCol="0">
+            <a:noAutofit/>
+          </a:bodyPr>
+          <a:lstStyle/>
+          <a:p>
+            <a:pPr marL="342900" marR="0" lvl="0" indent="-342900" algn="l" defTabSz="914400" rtl="0" eaLnBrk="1" fontAlgn="auto" latinLnBrk="0" hangingPunct="1">
+              <a:lnSpc>
+                <a:spcPct val="100000"/>
+              </a:lnSpc>
+              <a:spcBef>
+                <a:spcPct val="20000"/>
+              </a:spcBef>
+              <a:spcAft>
+                <a:spcPts val="0"/>
+              </a:spcAft>
+              <a:buClrTx/>
+              <a:buSzTx/>
+              <a:buFont typeface="Arial" pitchFamily="34" charset="0"/>
+              <a:buNone/>
+              <a:tabLst/>
+              <a:defRPr/>
+            </a:pPr>
+            <a:r>
+              <a:rPr kumimoji="0" lang="en-US" sz="2400" b="0" i="0" u="none" strike="noStrike" kern="1200" cap="none" spc="0" normalizeH="0" baseline="0" noProof="0" dirty="0" smtClean="0">
+                <a:ln>
+                  <a:noFill/>
+                </a:ln>
+                <a:solidFill>
+                  <a:schemeClr val="tx1"/>
+                </a:solidFill>
+                <a:effectLst/>
+                <a:uLnTx/>
+                <a:uFillTx/>
+                <a:latin typeface="+mn-lt"/>
+                <a:ea typeface="+mn-ea"/>
+                <a:cs typeface="+mn-cs"/>
+              </a:rPr>
+              <a:t>Command line options for alarm</a:t>
+            </a:r>
+            <a:r>
+              <a:rPr kumimoji="0" lang="en-US" sz="2400" b="0" i="0" u="none" strike="noStrike" kern="1200" cap="none" spc="0" normalizeH="0" noProof="0" dirty="0" smtClean="0">
+                <a:ln>
+                  <a:noFill/>
+                </a:ln>
+                <a:solidFill>
+                  <a:schemeClr val="tx1"/>
+                </a:solidFill>
+                <a:effectLst/>
+                <a:uLnTx/>
+                <a:uFillTx/>
+                <a:latin typeface="+mn-lt"/>
+                <a:ea typeface="+mn-ea"/>
+                <a:cs typeface="+mn-cs"/>
+              </a:rPr>
+              <a:t> subscribers(other than common)</a:t>
+            </a:r>
+          </a:p>
+          <a:p>
+            <a:pPr marL="342900" marR="0" lvl="0" indent="-342900" algn="l" defTabSz="914400" rtl="0" eaLnBrk="1" fontAlgn="auto" latinLnBrk="0" hangingPunct="1">
+              <a:lnSpc>
+                <a:spcPct val="100000"/>
+              </a:lnSpc>
+              <a:spcBef>
+                <a:spcPct val="20000"/>
+              </a:spcBef>
+              <a:spcAft>
+                <a:spcPts val="0"/>
+              </a:spcAft>
+              <a:buClrTx/>
+              <a:buSzTx/>
+              <a:buFont typeface="Arial" pitchFamily="34" charset="0"/>
+              <a:buNone/>
+              <a:tabLst/>
+              <a:defRPr/>
+            </a:pPr>
+            <a:r>
+              <a:rPr lang="en-US" sz="2400" dirty="0" smtClean="0">
+                <a:latin typeface="+mn-lt"/>
+              </a:rPr>
+              <a:t>For blood Pressure Alarm</a:t>
+            </a:r>
+          </a:p>
+          <a:p>
+            <a:pPr marL="342900" lvl="0" indent="-342900" fontAlgn="auto">
+              <a:spcBef>
+                <a:spcPct val="20000"/>
+              </a:spcBef>
+              <a:spcAft>
+                <a:spcPts val="0"/>
+              </a:spcAft>
+            </a:pPr>
+            <a:r>
+              <a:rPr lang="en-US" sz="2400" dirty="0" smtClean="0">
+                <a:latin typeface="+mn-lt"/>
+              </a:rPr>
+              <a:t> </a:t>
+            </a:r>
+            <a:r>
+              <a:rPr lang="en-US" sz="2000" dirty="0" smtClean="0">
+                <a:latin typeface="+mj-lt"/>
+              </a:rPr>
+              <a:t>--systolic-low </a:t>
+            </a:r>
+            <a:r>
+              <a:rPr lang="en-US" sz="2000" dirty="0" err="1" smtClean="0">
+                <a:latin typeface="+mj-lt"/>
+              </a:rPr>
+              <a:t>arg</a:t>
+            </a:r>
+            <a:r>
+              <a:rPr lang="en-US" sz="2000" dirty="0" smtClean="0">
+                <a:latin typeface="+mj-lt"/>
+              </a:rPr>
+              <a:t>    Systolic Low Pressure Alarm Specification - default &lt;90</a:t>
+            </a:r>
+          </a:p>
+          <a:p>
+            <a:pPr marL="342900" lvl="0" indent="-342900" fontAlgn="auto">
+              <a:spcBef>
+                <a:spcPct val="20000"/>
+              </a:spcBef>
+              <a:spcAft>
+                <a:spcPts val="0"/>
+              </a:spcAft>
+            </a:pPr>
+            <a:r>
+              <a:rPr lang="en-US" sz="2000" dirty="0" smtClean="0">
+                <a:latin typeface="+mj-lt"/>
+              </a:rPr>
+              <a:t>  --systolic-high </a:t>
+            </a:r>
+            <a:r>
+              <a:rPr lang="en-US" sz="2000" dirty="0" err="1" smtClean="0">
+                <a:latin typeface="+mj-lt"/>
+              </a:rPr>
+              <a:t>arg</a:t>
+            </a:r>
+            <a:r>
+              <a:rPr lang="en-US" sz="2000" dirty="0" smtClean="0">
+                <a:latin typeface="+mj-lt"/>
+              </a:rPr>
+              <a:t>   Systolic High Pressure Alarm Specification – default &gt;140</a:t>
+            </a:r>
+          </a:p>
+          <a:p>
+            <a:pPr marL="342900" lvl="0" indent="-342900" fontAlgn="auto">
+              <a:spcBef>
+                <a:spcPct val="20000"/>
+              </a:spcBef>
+              <a:spcAft>
+                <a:spcPts val="0"/>
+              </a:spcAft>
+            </a:pPr>
+            <a:r>
+              <a:rPr lang="en-US" sz="2000" dirty="0" smtClean="0">
+                <a:latin typeface="+mj-lt"/>
+              </a:rPr>
+              <a:t>  --</a:t>
+            </a:r>
+            <a:r>
+              <a:rPr lang="en-US" sz="2000" dirty="0" err="1" smtClean="0">
+                <a:latin typeface="+mj-lt"/>
+              </a:rPr>
+              <a:t>diatolic</a:t>
+            </a:r>
+            <a:r>
+              <a:rPr lang="en-US" sz="2000" dirty="0" smtClean="0">
+                <a:latin typeface="+mj-lt"/>
+              </a:rPr>
+              <a:t>-low </a:t>
+            </a:r>
+            <a:r>
+              <a:rPr lang="en-US" sz="2000" dirty="0" err="1" smtClean="0">
+                <a:latin typeface="+mj-lt"/>
+              </a:rPr>
+              <a:t>arg</a:t>
+            </a:r>
+            <a:r>
+              <a:rPr lang="en-US" sz="2000" dirty="0" smtClean="0">
+                <a:latin typeface="+mj-lt"/>
+              </a:rPr>
+              <a:t>    </a:t>
+            </a:r>
+            <a:r>
+              <a:rPr lang="en-US" sz="2000" dirty="0" err="1" smtClean="0">
+                <a:latin typeface="+mj-lt"/>
+              </a:rPr>
+              <a:t>Diatolic</a:t>
+            </a:r>
+            <a:r>
+              <a:rPr lang="en-US" sz="2000" dirty="0" smtClean="0">
+                <a:latin typeface="+mj-lt"/>
+              </a:rPr>
+              <a:t> Low Pressure Alarm Specification - default &lt;60</a:t>
+            </a:r>
+          </a:p>
+          <a:p>
+            <a:pPr marL="342900" lvl="0" indent="-342900" fontAlgn="auto">
+              <a:spcBef>
+                <a:spcPct val="20000"/>
+              </a:spcBef>
+              <a:spcAft>
+                <a:spcPts val="0"/>
+              </a:spcAft>
+            </a:pPr>
+            <a:r>
+              <a:rPr lang="en-US" sz="2000" dirty="0" smtClean="0">
+                <a:latin typeface="+mj-lt"/>
+              </a:rPr>
+              <a:t>  --</a:t>
+            </a:r>
+            <a:r>
+              <a:rPr lang="en-US" sz="2000" dirty="0" err="1" smtClean="0">
+                <a:latin typeface="+mj-lt"/>
+              </a:rPr>
+              <a:t>diatolic</a:t>
+            </a:r>
+            <a:r>
+              <a:rPr lang="en-US" sz="2000" dirty="0" smtClean="0">
+                <a:latin typeface="+mj-lt"/>
+              </a:rPr>
+              <a:t>-high </a:t>
+            </a:r>
+            <a:r>
+              <a:rPr lang="en-US" sz="2000" dirty="0" err="1" smtClean="0">
+                <a:latin typeface="+mj-lt"/>
+              </a:rPr>
+              <a:t>arg</a:t>
+            </a:r>
+            <a:r>
+              <a:rPr lang="en-US" sz="2000" dirty="0" smtClean="0">
+                <a:latin typeface="+mj-lt"/>
+              </a:rPr>
+              <a:t>   </a:t>
+            </a:r>
+            <a:r>
+              <a:rPr lang="en-US" sz="2000" dirty="0" err="1" smtClean="0">
+                <a:latin typeface="+mj-lt"/>
+              </a:rPr>
+              <a:t>Diatolic</a:t>
+            </a:r>
+            <a:r>
+              <a:rPr lang="en-US" sz="2000" dirty="0" smtClean="0">
+                <a:latin typeface="+mj-lt"/>
+              </a:rPr>
+              <a:t> High Pressure Alarm Specification – default &gt;90</a:t>
+            </a:r>
+          </a:p>
+          <a:p>
+            <a:pPr marL="342900" lvl="0" indent="-342900" fontAlgn="auto">
+              <a:spcBef>
+                <a:spcPct val="20000"/>
+              </a:spcBef>
+              <a:spcAft>
+                <a:spcPts val="0"/>
+              </a:spcAft>
+            </a:pPr>
+            <a:r>
+              <a:rPr lang="en-US" sz="2000" dirty="0" smtClean="0">
+                <a:latin typeface="+mj-lt"/>
+              </a:rPr>
+              <a:t>  --pulse-rate-low </a:t>
+            </a:r>
+            <a:r>
+              <a:rPr lang="en-US" sz="2000" dirty="0" err="1" smtClean="0">
+                <a:latin typeface="+mj-lt"/>
+              </a:rPr>
+              <a:t>arg</a:t>
+            </a:r>
+            <a:r>
+              <a:rPr lang="en-US" sz="2000" dirty="0" smtClean="0">
+                <a:latin typeface="+mj-lt"/>
+              </a:rPr>
+              <a:t>  Pulse Low Rate Alarm Specification - default &lt;60</a:t>
+            </a:r>
+          </a:p>
+          <a:p>
+            <a:pPr marL="342900" lvl="0" indent="-342900" fontAlgn="auto">
+              <a:spcBef>
+                <a:spcPct val="20000"/>
+              </a:spcBef>
+              <a:spcAft>
+                <a:spcPts val="0"/>
+              </a:spcAft>
+            </a:pPr>
+            <a:r>
+              <a:rPr lang="en-US" sz="2000" dirty="0" smtClean="0">
+                <a:latin typeface="+mj-lt"/>
+              </a:rPr>
+              <a:t>  --pulse-rate-high </a:t>
+            </a:r>
+            <a:r>
+              <a:rPr lang="en-US" sz="2000" dirty="0" err="1" smtClean="0">
+                <a:latin typeface="+mj-lt"/>
+              </a:rPr>
+              <a:t>arg</a:t>
+            </a:r>
+            <a:r>
+              <a:rPr lang="en-US" sz="2000" dirty="0" smtClean="0">
+                <a:latin typeface="+mj-lt"/>
+              </a:rPr>
+              <a:t> Pulse High Rate Alarm Specification - default &gt;90</a:t>
+            </a:r>
+          </a:p>
+          <a:p>
+            <a:pPr marL="342900" indent="-342900" fontAlgn="auto">
+              <a:spcBef>
+                <a:spcPct val="20000"/>
+              </a:spcBef>
+              <a:spcAft>
+                <a:spcPts val="0"/>
+              </a:spcAft>
+            </a:pPr>
+            <a:r>
+              <a:rPr lang="en-US" sz="2400" dirty="0" smtClean="0">
+                <a:latin typeface="+mj-lt"/>
+              </a:rPr>
+              <a:t>For pulse </a:t>
+            </a:r>
+            <a:r>
+              <a:rPr lang="en-US" sz="2400" dirty="0" err="1" smtClean="0">
+                <a:latin typeface="+mj-lt"/>
+              </a:rPr>
+              <a:t>oximeter</a:t>
+            </a:r>
+            <a:r>
+              <a:rPr lang="en-US" sz="2400" dirty="0" smtClean="0">
+                <a:latin typeface="+mj-lt"/>
+              </a:rPr>
+              <a:t> alarm </a:t>
+            </a:r>
+          </a:p>
+          <a:p>
+            <a:pPr marL="342900" indent="-342900" fontAlgn="auto">
+              <a:spcBef>
+                <a:spcPct val="20000"/>
+              </a:spcBef>
+              <a:spcAft>
+                <a:spcPts val="0"/>
+              </a:spcAft>
+            </a:pPr>
+            <a:r>
+              <a:rPr lang="en-US" sz="2400" dirty="0" smtClean="0">
+                <a:latin typeface="+mj-lt"/>
+              </a:rPr>
+              <a:t> </a:t>
+            </a:r>
+            <a:r>
+              <a:rPr lang="en-US" sz="2000" dirty="0" smtClean="0">
+                <a:latin typeface="+mj-lt"/>
+              </a:rPr>
+              <a:t>--spo2-low </a:t>
+            </a:r>
+            <a:r>
+              <a:rPr lang="en-US" sz="2000" dirty="0" err="1" smtClean="0">
+                <a:latin typeface="+mj-lt"/>
+              </a:rPr>
+              <a:t>arg</a:t>
+            </a:r>
+            <a:r>
+              <a:rPr lang="en-US" sz="2000" dirty="0" smtClean="0">
+                <a:latin typeface="+mj-lt"/>
+              </a:rPr>
+              <a:t>        SPO2 Low level Alarm </a:t>
+            </a:r>
+            <a:r>
+              <a:rPr lang="en-US" sz="2000" dirty="0" err="1" smtClean="0">
+                <a:latin typeface="+mj-lt"/>
+              </a:rPr>
+              <a:t>Alarm</a:t>
+            </a:r>
+            <a:r>
+              <a:rPr lang="en-US" sz="2000" dirty="0" smtClean="0">
+                <a:latin typeface="+mj-lt"/>
+              </a:rPr>
+              <a:t> Specification - default &lt;88</a:t>
+            </a:r>
+          </a:p>
+          <a:p>
+            <a:pPr marL="342900" indent="-342900" fontAlgn="auto">
+              <a:spcBef>
+                <a:spcPct val="20000"/>
+              </a:spcBef>
+              <a:spcAft>
+                <a:spcPts val="0"/>
+              </a:spcAft>
+            </a:pPr>
+            <a:r>
+              <a:rPr lang="en-US" sz="2000" dirty="0" smtClean="0">
+                <a:latin typeface="+mj-lt"/>
+              </a:rPr>
+              <a:t>  --spo2-high </a:t>
+            </a:r>
+            <a:r>
+              <a:rPr lang="en-US" sz="2000" dirty="0" err="1" smtClean="0">
+                <a:latin typeface="+mj-lt"/>
+              </a:rPr>
+              <a:t>arg</a:t>
+            </a:r>
+            <a:r>
+              <a:rPr lang="en-US" sz="2000" dirty="0" smtClean="0">
+                <a:latin typeface="+mj-lt"/>
+              </a:rPr>
+              <a:t>       SPO2 High Level Alarm Specification - default &gt;92</a:t>
+            </a:r>
+          </a:p>
+          <a:p>
+            <a:pPr marL="342900" lvl="0" indent="-342900" fontAlgn="auto">
+              <a:spcBef>
+                <a:spcPct val="20000"/>
+              </a:spcBef>
+              <a:spcAft>
+                <a:spcPts val="0"/>
+              </a:spcAft>
+            </a:pPr>
+            <a:endParaRPr lang="en-US" sz="2000" dirty="0" smtClean="0">
+              <a:latin typeface="+mj-lt"/>
+            </a:endParaRPr>
+          </a:p>
+          <a:p>
+            <a:pPr marL="342900" lvl="0" indent="-342900" fontAlgn="auto">
+              <a:spcBef>
+                <a:spcPct val="20000"/>
+              </a:spcBef>
+              <a:spcAft>
+                <a:spcPts val="0"/>
+              </a:spcAft>
+            </a:pPr>
+            <a:endParaRPr lang="en-US" sz="2400" dirty="0" smtClean="0">
+              <a:latin typeface="+mn-lt"/>
+            </a:endParaRPr>
+          </a:p>
+          <a:p>
+            <a:pPr marL="342900" marR="0" lvl="0" indent="-342900" algn="l" defTabSz="914400" rtl="0" eaLnBrk="1" fontAlgn="auto" latinLnBrk="0" hangingPunct="1">
+              <a:lnSpc>
+                <a:spcPct val="100000"/>
+              </a:lnSpc>
+              <a:spcBef>
+                <a:spcPct val="20000"/>
+              </a:spcBef>
+              <a:spcAft>
+                <a:spcPts val="0"/>
+              </a:spcAft>
+              <a:buClrTx/>
+              <a:buSzTx/>
+              <a:buFont typeface="Arial" pitchFamily="34" charset="0"/>
+              <a:buNone/>
+              <a:tabLst/>
+              <a:defRPr/>
+            </a:pPr>
+            <a:endParaRPr lang="en-US" sz="2400" dirty="0" smtClean="0">
+              <a:latin typeface="+mn-lt"/>
+            </a:endParaRPr>
+          </a:p>
+          <a:p>
+            <a:pPr marL="342900" marR="0" lvl="0" indent="-342900" algn="l" defTabSz="914400" rtl="0" eaLnBrk="1" fontAlgn="auto" latinLnBrk="0" hangingPunct="1">
+              <a:lnSpc>
+                <a:spcPct val="100000"/>
+              </a:lnSpc>
+              <a:spcBef>
+                <a:spcPct val="20000"/>
+              </a:spcBef>
+              <a:spcAft>
+                <a:spcPts val="0"/>
+              </a:spcAft>
+              <a:buClrTx/>
+              <a:buSzTx/>
+              <a:buFont typeface="Arial" pitchFamily="34" charset="0"/>
+              <a:buNone/>
+              <a:tabLst/>
+              <a:defRPr/>
+            </a:pPr>
+            <a:endParaRPr lang="en-US" sz="2400" dirty="0" smtClean="0">
+              <a:latin typeface="+mn-lt"/>
+            </a:endParaRPr>
+          </a:p>
+          <a:p>
+            <a:pPr marL="342900" marR="0" lvl="0" indent="-342900" algn="l" defTabSz="914400" rtl="0" eaLnBrk="1" fontAlgn="auto" latinLnBrk="0" hangingPunct="1">
+              <a:lnSpc>
+                <a:spcPct val="100000"/>
+              </a:lnSpc>
+              <a:spcBef>
+                <a:spcPct val="20000"/>
+              </a:spcBef>
+              <a:spcAft>
+                <a:spcPts val="0"/>
+              </a:spcAft>
+              <a:buClrTx/>
+              <a:buSzTx/>
+              <a:buFont typeface="Arial" pitchFamily="34" charset="0"/>
+              <a:buNone/>
+              <a:tabLst/>
+              <a:defRPr/>
+            </a:pPr>
+            <a:endParaRPr lang="en-US" sz="2400" dirty="0" smtClean="0">
+              <a:latin typeface="+mn-lt"/>
+            </a:endParaRPr>
+          </a:p>
+          <a:p>
+            <a:pPr marL="342900" marR="0" lvl="0" indent="-342900" algn="l" defTabSz="914400" rtl="0" eaLnBrk="1" fontAlgn="auto" latinLnBrk="0" hangingPunct="1">
+              <a:lnSpc>
+                <a:spcPct val="100000"/>
+              </a:lnSpc>
+              <a:spcBef>
+                <a:spcPct val="20000"/>
+              </a:spcBef>
+              <a:spcAft>
+                <a:spcPts val="0"/>
+              </a:spcAft>
+              <a:buClrTx/>
+              <a:buSzTx/>
+              <a:buFont typeface="Arial" pitchFamily="34" charset="0"/>
+              <a:buNone/>
+              <a:tabLst/>
+              <a:defRPr/>
+            </a:pPr>
+            <a:endParaRPr lang="en-US" sz="2400" dirty="0" smtClean="0">
+              <a:latin typeface="+mn-lt"/>
+            </a:endParaRPr>
+          </a:p>
+          <a:p>
+            <a:pPr marL="342900" marR="0" lvl="0" indent="-342900" algn="l" defTabSz="914400" rtl="0" eaLnBrk="1" fontAlgn="auto" latinLnBrk="0" hangingPunct="1">
+              <a:lnSpc>
+                <a:spcPct val="100000"/>
+              </a:lnSpc>
+              <a:spcBef>
+                <a:spcPct val="20000"/>
+              </a:spcBef>
+              <a:spcAft>
+                <a:spcPts val="0"/>
+              </a:spcAft>
+              <a:buClrTx/>
+              <a:buSzTx/>
+              <a:buFont typeface="Arial" pitchFamily="34" charset="0"/>
+              <a:buNone/>
+              <a:tabLst/>
+              <a:defRPr/>
+            </a:pPr>
+            <a:endParaRPr lang="en-US" sz="2400" dirty="0" smtClean="0">
+              <a:latin typeface="+mn-lt"/>
+            </a:endParaRPr>
+          </a:p>
+          <a:p>
+            <a:pPr marL="342900" marR="0" lvl="0" indent="-342900" algn="l" defTabSz="914400" rtl="0" eaLnBrk="1" fontAlgn="auto" latinLnBrk="0" hangingPunct="1">
+              <a:lnSpc>
+                <a:spcPct val="100000"/>
+              </a:lnSpc>
+              <a:spcBef>
+                <a:spcPct val="20000"/>
+              </a:spcBef>
+              <a:spcAft>
+                <a:spcPts val="0"/>
+              </a:spcAft>
+              <a:buClrTx/>
+              <a:buSzTx/>
+              <a:buFont typeface="Arial" pitchFamily="34" charset="0"/>
+              <a:buNone/>
+              <a:tabLst/>
+              <a:defRPr/>
+            </a:pPr>
+            <a:endParaRPr kumimoji="0" lang="en-US" sz="2400" b="0" i="1" u="none" strike="noStrike" kern="1200" cap="none" spc="0" normalizeH="0" baseline="0" noProof="0" dirty="0" smtClean="0">
+              <a:ln>
+                <a:noFill/>
+              </a:ln>
+              <a:solidFill>
+                <a:schemeClr val="tx1"/>
+              </a:solidFill>
+              <a:effectLst/>
+              <a:uLnTx/>
+              <a:uFillTx/>
+              <a:latin typeface="+mn-lt"/>
+              <a:ea typeface="+mn-ea"/>
+              <a:cs typeface="+mn-cs"/>
+            </a:endParaRPr>
+          </a:p>
+          <a:p>
+            <a:pPr marL="342900" marR="0" lvl="0" indent="-342900" algn="l" defTabSz="914400" rtl="0" eaLnBrk="1" fontAlgn="auto" latinLnBrk="0" hangingPunct="1">
+              <a:lnSpc>
+                <a:spcPct val="100000"/>
+              </a:lnSpc>
+              <a:spcBef>
+                <a:spcPct val="20000"/>
+              </a:spcBef>
+              <a:spcAft>
+                <a:spcPts val="0"/>
+              </a:spcAft>
+              <a:buClrTx/>
+              <a:buSzTx/>
+              <a:buFont typeface="Arial" pitchFamily="34" charset="0"/>
+              <a:buNone/>
+              <a:tabLst/>
+              <a:defRPr/>
+            </a:pPr>
+            <a:r>
+              <a:rPr kumimoji="0" lang="en-US" sz="2400" b="0" i="1" u="none" strike="noStrike" kern="1200" cap="none" spc="0" normalizeH="0" baseline="0" noProof="0" dirty="0" smtClean="0">
+                <a:ln>
+                  <a:noFill/>
+                </a:ln>
+                <a:solidFill>
+                  <a:schemeClr val="tx1"/>
+                </a:solidFill>
+                <a:effectLst/>
+                <a:uLnTx/>
+                <a:uFillTx/>
+                <a:latin typeface="+mn-lt"/>
+                <a:ea typeface="+mn-ea"/>
+                <a:cs typeface="+mn-cs"/>
+              </a:rPr>
+              <a:t>  </a:t>
+            </a:r>
+          </a:p>
+        </p:txBody>
+      </p:sp>
+    </p:spTree>
+  </p:cSld>
+  <p:clrMapOvr>
+    <a:masterClrMapping/>
+  </p:clrMapOvr>
+  <p:timing>
+    <p:tnLst>
+      <p:par>
+        <p:cTn id="1" dur="indefinite" restart="never" nodeType="tmRoot"/>
+      </p:par>
+    </p:tnLst>
+  </p:timing>
+</p:sld>
+</file>
+
+<file path=ppt/slides/slide38.xml><?xml version="1.0" encoding="utf-8"?>
+<p:sld xmlns:a="http://schemas.openxmlformats.org/drawingml/2006/main" xmlns:r="http://schemas.openxmlformats.org/officeDocument/2006/relationships" xmlns:p="http://schemas.openxmlformats.org/presentationml/2006/main">
+  <p:cSld>
+    <p:spTree>
+      <p:nvGrpSpPr>
+        <p:cNvPr id="1" name=""/>
+        <p:cNvGrpSpPr/>
+        <p:nvPr/>
+      </p:nvGrpSpPr>
+      <p:grpSpPr>
+        <a:xfrm>
+          <a:off x="0" y="0"/>
+          <a:ext cx="0" cy="0"/>
+          <a:chOff x="0" y="0"/>
+          <a:chExt cx="0" cy="0"/>
+        </a:xfrm>
+      </p:grpSpPr>
+      <p:sp>
+        <p:nvSpPr>
+          <p:cNvPr id="2" name="Title 1"/>
+          <p:cNvSpPr>
+            <a:spLocks noGrp="1"/>
+          </p:cNvSpPr>
+          <p:nvPr>
+            <p:ph type="title"/>
+          </p:nvPr>
+        </p:nvSpPr>
+        <p:spPr/>
+        <p:txBody>
+          <a:bodyPr/>
+          <a:lstStyle/>
+          <a:p>
+            <a:r>
+              <a:rPr lang="en-US" dirty="0" smtClean="0"/>
+              <a:t>Subscribers</a:t>
+            </a:r>
+            <a:endParaRPr lang="en-US" dirty="0"/>
+          </a:p>
+        </p:txBody>
+      </p:sp>
+      <p:sp>
+        <p:nvSpPr>
+          <p:cNvPr id="5" name="Content Placeholder 2"/>
+          <p:cNvSpPr txBox="1">
+            <a:spLocks/>
+          </p:cNvSpPr>
+          <p:nvPr/>
+        </p:nvSpPr>
+        <p:spPr>
+          <a:xfrm>
+            <a:off x="381000" y="1600200"/>
+            <a:ext cx="9144000" cy="4724400"/>
+          </a:xfrm>
+          <a:prstGeom prst="rect">
+            <a:avLst/>
+          </a:prstGeom>
+        </p:spPr>
+        <p:txBody>
+          <a:bodyPr vert="horz" lIns="91440" tIns="45720" rIns="91440" bIns="45720" rtlCol="0">
+            <a:noAutofit/>
+          </a:bodyPr>
+          <a:lstStyle/>
+          <a:p>
+            <a:pPr marL="342900" marR="0" lvl="0" indent="-342900" algn="l" defTabSz="914400" rtl="0" eaLnBrk="1" fontAlgn="auto" latinLnBrk="0" hangingPunct="1">
+              <a:lnSpc>
+                <a:spcPct val="100000"/>
+              </a:lnSpc>
+              <a:spcBef>
+                <a:spcPct val="20000"/>
+              </a:spcBef>
+              <a:spcAft>
+                <a:spcPts val="0"/>
+              </a:spcAft>
+              <a:buClrTx/>
+              <a:buSzTx/>
+              <a:buFont typeface="Arial" pitchFamily="34" charset="0"/>
+              <a:buNone/>
+              <a:tabLst/>
+              <a:defRPr/>
+            </a:pPr>
+            <a:r>
+              <a:rPr lang="en-US" sz="2400" dirty="0" smtClean="0">
+                <a:latin typeface="+mn-lt"/>
+              </a:rPr>
+              <a:t>For  temp monitor</a:t>
+            </a:r>
+          </a:p>
+          <a:p>
+            <a:pPr marL="342900" lvl="0" indent="-342900" fontAlgn="auto">
+              <a:spcBef>
+                <a:spcPct val="20000"/>
+              </a:spcBef>
+              <a:spcAft>
+                <a:spcPts val="0"/>
+              </a:spcAft>
+            </a:pPr>
+            <a:r>
+              <a:rPr lang="en-US" sz="2400" dirty="0" smtClean="0">
+                <a:latin typeface="+mn-lt"/>
+              </a:rPr>
+              <a:t> </a:t>
+            </a:r>
+            <a:r>
+              <a:rPr lang="en-US" sz="2000" dirty="0" smtClean="0">
+                <a:latin typeface="+mn-lt"/>
+              </a:rPr>
+              <a:t>--</a:t>
+            </a:r>
+            <a:r>
+              <a:rPr lang="en-US" sz="2000" dirty="0" err="1" smtClean="0">
+                <a:latin typeface="+mn-lt"/>
+              </a:rPr>
+              <a:t>avg</a:t>
+            </a:r>
+            <a:r>
+              <a:rPr lang="en-US" sz="2000" dirty="0" smtClean="0">
+                <a:latin typeface="+mn-lt"/>
+              </a:rPr>
+              <a:t>-time-period </a:t>
+            </a:r>
+            <a:r>
+              <a:rPr lang="en-US" sz="2000" dirty="0" err="1" smtClean="0">
+                <a:latin typeface="+mn-lt"/>
+              </a:rPr>
+              <a:t>arg</a:t>
+            </a:r>
+            <a:r>
+              <a:rPr lang="en-US" sz="2000" dirty="0" smtClean="0">
+                <a:latin typeface="+mn-lt"/>
+              </a:rPr>
+              <a:t> Average time period for </a:t>
+            </a:r>
+            <a:r>
+              <a:rPr lang="en-US" sz="2000" dirty="0" err="1" smtClean="0">
+                <a:latin typeface="+mn-lt"/>
+              </a:rPr>
+              <a:t>tempetature</a:t>
+            </a:r>
+            <a:r>
+              <a:rPr lang="en-US" sz="2000" dirty="0" smtClean="0">
+                <a:latin typeface="+mn-lt"/>
+              </a:rPr>
+              <a:t> - default 1 min</a:t>
+            </a:r>
+          </a:p>
+          <a:p>
+            <a:pPr marL="342900" lvl="0" indent="-342900" fontAlgn="auto">
+              <a:spcBef>
+                <a:spcPct val="20000"/>
+              </a:spcBef>
+              <a:spcAft>
+                <a:spcPts val="0"/>
+              </a:spcAft>
+            </a:pPr>
+            <a:r>
+              <a:rPr lang="en-US" sz="2000" dirty="0" smtClean="0">
+                <a:latin typeface="+mn-lt"/>
+              </a:rPr>
+              <a:t>  --temp-low </a:t>
+            </a:r>
+            <a:r>
+              <a:rPr lang="en-US" sz="2000" dirty="0" err="1" smtClean="0">
+                <a:latin typeface="+mn-lt"/>
+              </a:rPr>
+              <a:t>arg</a:t>
+            </a:r>
+            <a:r>
+              <a:rPr lang="en-US" sz="2000" dirty="0" smtClean="0">
+                <a:latin typeface="+mn-lt"/>
+              </a:rPr>
+              <a:t>   Temperature Low level Alarm </a:t>
+            </a:r>
+            <a:r>
+              <a:rPr lang="en-US" sz="2000" dirty="0" err="1" smtClean="0">
+                <a:latin typeface="+mn-lt"/>
+              </a:rPr>
+              <a:t>Alarm</a:t>
+            </a:r>
+            <a:r>
+              <a:rPr lang="en-US" sz="2000" dirty="0" smtClean="0">
+                <a:latin typeface="+mn-lt"/>
+              </a:rPr>
+              <a:t> Specification - default &lt;88</a:t>
+            </a:r>
+          </a:p>
+          <a:p>
+            <a:pPr marL="342900" lvl="0" indent="-342900" fontAlgn="auto">
+              <a:spcBef>
+                <a:spcPct val="20000"/>
+              </a:spcBef>
+              <a:spcAft>
+                <a:spcPts val="0"/>
+              </a:spcAft>
+            </a:pPr>
+            <a:r>
+              <a:rPr lang="en-US" sz="2000" dirty="0" smtClean="0">
+                <a:latin typeface="+mn-lt"/>
+              </a:rPr>
+              <a:t>  --temp-high </a:t>
+            </a:r>
+            <a:r>
+              <a:rPr lang="en-US" sz="2000" dirty="0" err="1" smtClean="0">
+                <a:latin typeface="+mn-lt"/>
+              </a:rPr>
+              <a:t>arg</a:t>
+            </a:r>
+            <a:r>
+              <a:rPr lang="en-US" sz="2000" dirty="0" smtClean="0">
+                <a:latin typeface="+mn-lt"/>
+              </a:rPr>
+              <a:t>  Temperature High Level Alarm Specification - default&gt;92</a:t>
+            </a:r>
+          </a:p>
+          <a:p>
+            <a:pPr marL="342900" marR="0" lvl="0" indent="-342900" algn="l" defTabSz="914400" rtl="0" eaLnBrk="1" fontAlgn="auto" latinLnBrk="0" hangingPunct="1">
+              <a:lnSpc>
+                <a:spcPct val="100000"/>
+              </a:lnSpc>
+              <a:spcBef>
+                <a:spcPct val="20000"/>
+              </a:spcBef>
+              <a:spcAft>
+                <a:spcPts val="0"/>
+              </a:spcAft>
+              <a:buClrTx/>
+              <a:buSzTx/>
+              <a:buFont typeface="Arial" pitchFamily="34" charset="0"/>
+              <a:buNone/>
+              <a:tabLst/>
+              <a:defRPr/>
+            </a:pPr>
+            <a:endParaRPr lang="en-US" sz="2400" dirty="0" smtClean="0">
+              <a:latin typeface="+mn-lt"/>
+            </a:endParaRPr>
+          </a:p>
+          <a:p>
+            <a:pPr marL="342900" marR="0" lvl="0" indent="-342900" algn="l" defTabSz="914400" rtl="0" eaLnBrk="1" fontAlgn="auto" latinLnBrk="0" hangingPunct="1">
+              <a:lnSpc>
+                <a:spcPct val="100000"/>
+              </a:lnSpc>
+              <a:spcBef>
+                <a:spcPct val="20000"/>
+              </a:spcBef>
+              <a:spcAft>
+                <a:spcPts val="0"/>
+              </a:spcAft>
+              <a:buClrTx/>
+              <a:buSzTx/>
+              <a:buFont typeface="Arial" pitchFamily="34" charset="0"/>
+              <a:buNone/>
+              <a:tabLst/>
+              <a:defRPr/>
+            </a:pPr>
+            <a:endParaRPr lang="en-US" sz="2400" dirty="0" smtClean="0">
+              <a:latin typeface="+mn-lt"/>
+            </a:endParaRPr>
+          </a:p>
+          <a:p>
+            <a:pPr marL="342900" lvl="0" indent="-342900" fontAlgn="auto">
+              <a:spcBef>
+                <a:spcPct val="20000"/>
+              </a:spcBef>
+              <a:spcAft>
+                <a:spcPts val="0"/>
+              </a:spcAft>
+            </a:pPr>
+            <a:r>
+              <a:rPr lang="en-US" sz="2400" dirty="0" smtClean="0">
+                <a:latin typeface="+mn-lt"/>
+              </a:rPr>
+              <a:t> </a:t>
+            </a:r>
+            <a:endParaRPr lang="en-US" sz="2000" dirty="0" smtClean="0">
+              <a:latin typeface="+mj-lt"/>
+            </a:endParaRPr>
+          </a:p>
+          <a:p>
+            <a:pPr marL="342900" lvl="0" indent="-342900" fontAlgn="auto">
+              <a:spcBef>
+                <a:spcPct val="20000"/>
+              </a:spcBef>
+              <a:spcAft>
+                <a:spcPts val="0"/>
+              </a:spcAft>
+            </a:pPr>
+            <a:endParaRPr lang="en-US" sz="2400" dirty="0" smtClean="0">
+              <a:latin typeface="+mn-lt"/>
+            </a:endParaRPr>
+          </a:p>
+          <a:p>
+            <a:pPr marL="342900" marR="0" lvl="0" indent="-342900" algn="l" defTabSz="914400" rtl="0" eaLnBrk="1" fontAlgn="auto" latinLnBrk="0" hangingPunct="1">
+              <a:lnSpc>
+                <a:spcPct val="100000"/>
+              </a:lnSpc>
+              <a:spcBef>
+                <a:spcPct val="20000"/>
+              </a:spcBef>
+              <a:spcAft>
+                <a:spcPts val="0"/>
+              </a:spcAft>
+              <a:buClrTx/>
+              <a:buSzTx/>
+              <a:buFont typeface="Arial" pitchFamily="34" charset="0"/>
+              <a:buNone/>
+              <a:tabLst/>
+              <a:defRPr/>
+            </a:pPr>
+            <a:endParaRPr lang="en-US" sz="2400" dirty="0" smtClean="0">
+              <a:latin typeface="+mn-lt"/>
+            </a:endParaRPr>
+          </a:p>
+          <a:p>
+            <a:pPr marL="342900" marR="0" lvl="0" indent="-342900" algn="l" defTabSz="914400" rtl="0" eaLnBrk="1" fontAlgn="auto" latinLnBrk="0" hangingPunct="1">
+              <a:lnSpc>
+                <a:spcPct val="100000"/>
+              </a:lnSpc>
+              <a:spcBef>
+                <a:spcPct val="20000"/>
+              </a:spcBef>
+              <a:spcAft>
+                <a:spcPts val="0"/>
+              </a:spcAft>
+              <a:buClrTx/>
+              <a:buSzTx/>
+              <a:buFont typeface="Arial" pitchFamily="34" charset="0"/>
+              <a:buNone/>
+              <a:tabLst/>
+              <a:defRPr/>
+            </a:pPr>
+            <a:endParaRPr lang="en-US" sz="2400" dirty="0" smtClean="0">
+              <a:latin typeface="+mn-lt"/>
+            </a:endParaRPr>
+          </a:p>
+          <a:p>
+            <a:pPr marL="342900" marR="0" lvl="0" indent="-342900" algn="l" defTabSz="914400" rtl="0" eaLnBrk="1" fontAlgn="auto" latinLnBrk="0" hangingPunct="1">
+              <a:lnSpc>
+                <a:spcPct val="100000"/>
+              </a:lnSpc>
+              <a:spcBef>
+                <a:spcPct val="20000"/>
+              </a:spcBef>
+              <a:spcAft>
+                <a:spcPts val="0"/>
+              </a:spcAft>
+              <a:buClrTx/>
+              <a:buSzTx/>
+              <a:buFont typeface="Arial" pitchFamily="34" charset="0"/>
+              <a:buNone/>
+              <a:tabLst/>
+              <a:defRPr/>
+            </a:pPr>
+            <a:endParaRPr lang="en-US" sz="2400" dirty="0" smtClean="0">
+              <a:latin typeface="+mn-lt"/>
+            </a:endParaRPr>
+          </a:p>
+          <a:p>
+            <a:pPr marL="342900" marR="0" lvl="0" indent="-342900" algn="l" defTabSz="914400" rtl="0" eaLnBrk="1" fontAlgn="auto" latinLnBrk="0" hangingPunct="1">
+              <a:lnSpc>
+                <a:spcPct val="100000"/>
+              </a:lnSpc>
+              <a:spcBef>
+                <a:spcPct val="20000"/>
+              </a:spcBef>
+              <a:spcAft>
+                <a:spcPts val="0"/>
+              </a:spcAft>
+              <a:buClrTx/>
+              <a:buSzTx/>
+              <a:buFont typeface="Arial" pitchFamily="34" charset="0"/>
+              <a:buNone/>
+              <a:tabLst/>
+              <a:defRPr/>
+            </a:pPr>
+            <a:endParaRPr lang="en-US" sz="2400" dirty="0" smtClean="0">
+              <a:latin typeface="+mn-lt"/>
+            </a:endParaRPr>
+          </a:p>
+          <a:p>
+            <a:pPr marL="342900" marR="0" lvl="0" indent="-342900" algn="l" defTabSz="914400" rtl="0" eaLnBrk="1" fontAlgn="auto" latinLnBrk="0" hangingPunct="1">
+              <a:lnSpc>
+                <a:spcPct val="100000"/>
+              </a:lnSpc>
+              <a:spcBef>
+                <a:spcPct val="20000"/>
+              </a:spcBef>
+              <a:spcAft>
+                <a:spcPts val="0"/>
+              </a:spcAft>
+              <a:buClrTx/>
+              <a:buSzTx/>
+              <a:buFont typeface="Arial" pitchFamily="34" charset="0"/>
+              <a:buNone/>
+              <a:tabLst/>
+              <a:defRPr/>
+            </a:pPr>
+            <a:endParaRPr lang="en-US" sz="2400" dirty="0" smtClean="0">
+              <a:latin typeface="+mn-lt"/>
+            </a:endParaRPr>
+          </a:p>
+          <a:p>
+            <a:pPr marL="342900" marR="0" lvl="0" indent="-342900" algn="l" defTabSz="914400" rtl="0" eaLnBrk="1" fontAlgn="auto" latinLnBrk="0" hangingPunct="1">
+              <a:lnSpc>
+                <a:spcPct val="100000"/>
+              </a:lnSpc>
+              <a:spcBef>
+                <a:spcPct val="20000"/>
+              </a:spcBef>
+              <a:spcAft>
+                <a:spcPts val="0"/>
+              </a:spcAft>
+              <a:buClrTx/>
+              <a:buSzTx/>
+              <a:buFont typeface="Arial" pitchFamily="34" charset="0"/>
+              <a:buNone/>
+              <a:tabLst/>
+              <a:defRPr/>
+            </a:pPr>
+            <a:endParaRPr kumimoji="0" lang="en-US" sz="2400" b="0" i="1" u="none" strike="noStrike" kern="1200" cap="none" spc="0" normalizeH="0" baseline="0" noProof="0" dirty="0" smtClean="0">
+              <a:ln>
+                <a:noFill/>
+              </a:ln>
+              <a:solidFill>
+                <a:schemeClr val="tx1"/>
+              </a:solidFill>
+              <a:effectLst/>
+              <a:uLnTx/>
+              <a:uFillTx/>
+              <a:latin typeface="+mn-lt"/>
+              <a:ea typeface="+mn-ea"/>
+              <a:cs typeface="+mn-cs"/>
+            </a:endParaRPr>
+          </a:p>
+          <a:p>
+            <a:pPr marL="342900" marR="0" lvl="0" indent="-342900" algn="l" defTabSz="914400" rtl="0" eaLnBrk="1" fontAlgn="auto" latinLnBrk="0" hangingPunct="1">
+              <a:lnSpc>
+                <a:spcPct val="100000"/>
+              </a:lnSpc>
+              <a:spcBef>
+                <a:spcPct val="20000"/>
+              </a:spcBef>
+              <a:spcAft>
+                <a:spcPts val="0"/>
+              </a:spcAft>
+              <a:buClrTx/>
+              <a:buSzTx/>
+              <a:buFont typeface="Arial" pitchFamily="34" charset="0"/>
+              <a:buNone/>
+              <a:tabLst/>
+              <a:defRPr/>
+            </a:pPr>
+            <a:r>
+              <a:rPr kumimoji="0" lang="en-US" sz="2400" b="0" i="1" u="none" strike="noStrike" kern="1200" cap="none" spc="0" normalizeH="0" baseline="0" noProof="0" dirty="0" smtClean="0">
+                <a:ln>
+                  <a:noFill/>
+                </a:ln>
+                <a:solidFill>
+                  <a:schemeClr val="tx1"/>
+                </a:solidFill>
+                <a:effectLst/>
+                <a:uLnTx/>
+                <a:uFillTx/>
+                <a:latin typeface="+mn-lt"/>
+                <a:ea typeface="+mn-ea"/>
+                <a:cs typeface="+mn-cs"/>
+              </a:rPr>
+              <a:t>  </a:t>
+            </a:r>
+          </a:p>
+        </p:txBody>
+      </p:sp>
+    </p:spTree>
+  </p:cSld>
+  <p:clrMapOvr>
+    <a:masterClrMapping/>
+  </p:clrMapOvr>
+  <p:timing>
+    <p:tnLst>
+      <p:par>
+        <p:cTn id="1" dur="indefinite" restart="never" nodeType="tmRoot"/>
+      </p:par>
+    </p:tnLst>
+  </p:timing>
+</p:sld>
+</file>
+
+<file path=ppt/slides/slide39.xml><?xml version="1.0" encoding="utf-8"?>
+<p:sld xmlns:a="http://schemas.openxmlformats.org/drawingml/2006/main" xmlns:r="http://schemas.openxmlformats.org/officeDocument/2006/relationships" xmlns:p="http://schemas.openxmlformats.org/presentationml/2006/main">
+  <p:cSld>
+    <p:spTree>
+      <p:nvGrpSpPr>
+        <p:cNvPr id="1" name=""/>
+        <p:cNvGrpSpPr/>
+        <p:nvPr/>
+      </p:nvGrpSpPr>
+      <p:grpSpPr>
+        <a:xfrm>
+          <a:off x="0" y="0"/>
+          <a:ext cx="0" cy="0"/>
+          <a:chOff x="0" y="0"/>
+          <a:chExt cx="0" cy="0"/>
+        </a:xfrm>
+      </p:grpSpPr>
+      <p:sp>
+        <p:nvSpPr>
+          <p:cNvPr id="2" name="Title 1"/>
+          <p:cNvSpPr>
+            <a:spLocks noGrp="1"/>
+          </p:cNvSpPr>
+          <p:nvPr>
+            <p:ph type="title"/>
+          </p:nvPr>
+        </p:nvSpPr>
+        <p:spPr/>
+        <p:txBody>
+          <a:bodyPr/>
+          <a:lstStyle/>
+          <a:p>
+            <a:r>
+              <a:rPr lang="en-US" dirty="0" smtClean="0"/>
+              <a:t>Subscribers</a:t>
+            </a:r>
+            <a:endParaRPr lang="en-US" dirty="0"/>
+          </a:p>
+        </p:txBody>
+      </p:sp>
+      <p:sp>
+        <p:nvSpPr>
+          <p:cNvPr id="3" name="Content Placeholder 2"/>
+          <p:cNvSpPr>
+            <a:spLocks noGrp="1"/>
+          </p:cNvSpPr>
+          <p:nvPr>
+            <p:ph idx="1"/>
+          </p:nvPr>
+        </p:nvSpPr>
+        <p:spPr/>
+        <p:txBody>
+          <a:bodyPr>
+            <a:normAutofit/>
+          </a:bodyPr>
+          <a:lstStyle/>
+          <a:p>
+            <a:pPr>
+              <a:buNone/>
+            </a:pPr>
+            <a:r>
+              <a:rPr lang="en-US" sz="2300" dirty="0" smtClean="0"/>
+              <a:t>Example to run subscribers</a:t>
+            </a:r>
+          </a:p>
+          <a:p>
+            <a:pPr>
+              <a:buNone/>
+            </a:pPr>
+            <a:r>
+              <a:rPr lang="en-US" sz="2300" i="1" dirty="0" smtClean="0"/>
+              <a:t># ./</a:t>
+            </a:r>
+            <a:r>
+              <a:rPr lang="en-US" sz="2300" i="1" dirty="0" err="1" smtClean="0"/>
+              <a:t>bp</a:t>
+            </a:r>
+            <a:r>
+              <a:rPr lang="en-US" sz="2300" i="1" dirty="0" smtClean="0"/>
+              <a:t>-sub-echo --domain blood --device-id BP_LAB3 </a:t>
+            </a:r>
+            <a:r>
+              <a:rPr lang="en-US" sz="2300" i="1" dirty="0" smtClean="0"/>
+              <a:t>\</a:t>
+            </a:r>
+          </a:p>
+          <a:p>
+            <a:pPr>
+              <a:buNone/>
+            </a:pPr>
+            <a:r>
+              <a:rPr lang="en-US" sz="2300" i="1" dirty="0" smtClean="0"/>
+              <a:t>   --</a:t>
+            </a:r>
+            <a:r>
+              <a:rPr lang="en-US" sz="2300" i="1" dirty="0" smtClean="0"/>
+              <a:t>log-info blood.info --log-data </a:t>
+            </a:r>
+            <a:r>
+              <a:rPr lang="en-US" sz="2300" i="1" dirty="0" err="1" smtClean="0"/>
+              <a:t>blood.echo</a:t>
+            </a:r>
+            <a:r>
+              <a:rPr lang="en-US" sz="2300" i="1" dirty="0" smtClean="0"/>
+              <a:t> --log4cpp-conf </a:t>
+            </a:r>
+            <a:r>
+              <a:rPr lang="en-US" sz="2300" i="1" dirty="0" smtClean="0"/>
+              <a:t>\ ../</a:t>
+            </a:r>
+            <a:r>
+              <a:rPr lang="en-US" sz="2300" i="1" dirty="0" err="1" smtClean="0"/>
+              <a:t>src</a:t>
+            </a:r>
+            <a:r>
+              <a:rPr lang="en-US" sz="2300" i="1" dirty="0" smtClean="0"/>
+              <a:t>/</a:t>
+            </a:r>
+            <a:r>
+              <a:rPr lang="en-US" sz="2300" i="1" dirty="0" err="1" smtClean="0"/>
+              <a:t>c++</a:t>
+            </a:r>
+            <a:r>
+              <a:rPr lang="en-US" sz="2300" i="1" dirty="0" smtClean="0"/>
+              <a:t>/</a:t>
+            </a:r>
+            <a:r>
+              <a:rPr lang="en-US" sz="2300" i="1" dirty="0" smtClean="0"/>
+              <a:t>production/conf/</a:t>
+            </a:r>
+            <a:r>
+              <a:rPr lang="en-US" sz="2300" i="1" dirty="0" err="1" smtClean="0"/>
+              <a:t>simulation_log_bp_sub.conf</a:t>
+            </a:r>
+            <a:endParaRPr lang="en-US" sz="2300" i="1" dirty="0" smtClean="0"/>
+          </a:p>
+          <a:p>
+            <a:pPr>
+              <a:buNone/>
+            </a:pPr>
+            <a:endParaRPr lang="en-US" sz="2300" i="1" dirty="0" smtClean="0"/>
+          </a:p>
+          <a:p>
+            <a:pPr>
+              <a:buNone/>
+            </a:pPr>
+            <a:r>
+              <a:rPr lang="en-US" sz="2200" dirty="0" smtClean="0"/>
+              <a:t>We will receive subscribers notices, errors and warnings in the file /</a:t>
+            </a:r>
+            <a:r>
+              <a:rPr lang="en-US" sz="2200" dirty="0" err="1" smtClean="0"/>
+              <a:t>var</a:t>
+            </a:r>
+            <a:r>
+              <a:rPr lang="en-US" sz="2200" dirty="0" smtClean="0"/>
+              <a:t>/log/</a:t>
+            </a:r>
+            <a:r>
+              <a:rPr lang="en-US" sz="2200" dirty="0" err="1" smtClean="0"/>
+              <a:t>netspective</a:t>
+            </a:r>
+            <a:r>
+              <a:rPr lang="en-US" sz="2200" dirty="0" smtClean="0"/>
+              <a:t>/blood/ </a:t>
+            </a:r>
+            <a:r>
+              <a:rPr lang="en-US" sz="2200" dirty="0" err="1" smtClean="0"/>
+              <a:t>sub.blood.info.log</a:t>
+            </a:r>
+            <a:r>
+              <a:rPr lang="en-US" sz="2200" dirty="0" smtClean="0"/>
+              <a:t> and formatted data will stored in the sub.&lt;echo/alarm/persist&gt;.</a:t>
+            </a:r>
+            <a:r>
+              <a:rPr lang="en-US" sz="2200" dirty="0" err="1" smtClean="0"/>
+              <a:t>blood.data.log</a:t>
+            </a:r>
+            <a:r>
+              <a:rPr lang="en-US" sz="2200" dirty="0" smtClean="0"/>
+              <a:t> in the same path</a:t>
+            </a:r>
+            <a:endParaRPr lang="en-US" dirty="0" smtClean="0"/>
           </a:p>
         </p:txBody>
       </p:sp>
@@ -46047,9 +48888,191 @@
     </p:spTree>
     <p:extLst>
       <p:ext uri="{BB962C8B-B14F-4D97-AF65-F5344CB8AC3E}">
-        <p14:creationId xmlns="" xmlns:p14="http://schemas.microsoft.com/office/powerpoint/2010/main" val="4133917539"/>
+        <p14:creationId xmlns:p14="http://schemas.microsoft.com/office/powerpoint/2010/main" xmlns="" val="4133917539"/>
       </p:ext>
     </p:extLst>
+  </p:cSld>
+  <p:clrMapOvr>
+    <a:masterClrMapping/>
+  </p:clrMapOvr>
+  <p:timing>
+    <p:tnLst>
+      <p:par>
+        <p:cTn id="1" dur="indefinite" restart="never" nodeType="tmRoot"/>
+      </p:par>
+    </p:tnLst>
+  </p:timing>
+</p:sld>
+</file>
+
+<file path=ppt/slides/slide40.xml><?xml version="1.0" encoding="utf-8"?>
+<p:sld xmlns:a="http://schemas.openxmlformats.org/drawingml/2006/main" xmlns:r="http://schemas.openxmlformats.org/officeDocument/2006/relationships" xmlns:p="http://schemas.openxmlformats.org/presentationml/2006/main">
+  <p:cSld>
+    <p:spTree>
+      <p:nvGrpSpPr>
+        <p:cNvPr id="1" name=""/>
+        <p:cNvGrpSpPr/>
+        <p:nvPr/>
+      </p:nvGrpSpPr>
+      <p:grpSpPr>
+        <a:xfrm>
+          <a:off x="0" y="0"/>
+          <a:ext cx="0" cy="0"/>
+          <a:chOff x="0" y="0"/>
+          <a:chExt cx="0" cy="0"/>
+        </a:xfrm>
+      </p:grpSpPr>
+      <p:sp>
+        <p:nvSpPr>
+          <p:cNvPr id="2" name="Title 1"/>
+          <p:cNvSpPr>
+            <a:spLocks noGrp="1"/>
+          </p:cNvSpPr>
+          <p:nvPr>
+            <p:ph type="title"/>
+          </p:nvPr>
+        </p:nvSpPr>
+        <p:spPr/>
+        <p:txBody>
+          <a:bodyPr/>
+          <a:lstStyle/>
+          <a:p>
+            <a:r>
+              <a:rPr lang="en-US" dirty="0" smtClean="0"/>
+              <a:t>Ongoing Enhancements</a:t>
+            </a:r>
+            <a:endParaRPr lang="en-US" dirty="0"/>
+          </a:p>
+        </p:txBody>
+      </p:sp>
+      <p:sp>
+        <p:nvSpPr>
+          <p:cNvPr id="3" name="Content Placeholder 2"/>
+          <p:cNvSpPr>
+            <a:spLocks noGrp="1"/>
+          </p:cNvSpPr>
+          <p:nvPr>
+            <p:ph idx="1"/>
+          </p:nvPr>
+        </p:nvSpPr>
+        <p:spPr>
+          <a:xfrm>
+            <a:off x="457200" y="1925800"/>
+            <a:ext cx="8229600" cy="2819400"/>
+          </a:xfrm>
+        </p:spPr>
+        <p:txBody>
+          <a:bodyPr>
+            <a:noAutofit/>
+          </a:bodyPr>
+          <a:lstStyle/>
+          <a:p>
+            <a:pPr algn="just">
+              <a:buFont typeface="Arial" charset="0"/>
+              <a:buChar char="•"/>
+            </a:pPr>
+            <a:r>
+              <a:rPr lang="en-US" sz="3000" dirty="0" smtClean="0"/>
+              <a:t>Common persistent subscriber.</a:t>
+            </a:r>
+          </a:p>
+          <a:p>
+            <a:pPr algn="just">
+              <a:buFont typeface="Arial" charset="0"/>
+              <a:buChar char="•"/>
+            </a:pPr>
+            <a:r>
+              <a:rPr lang="en-US" sz="3000" dirty="0" smtClean="0"/>
+              <a:t>Implementation </a:t>
+            </a:r>
+            <a:r>
+              <a:rPr lang="en-US" sz="3000" dirty="0" smtClean="0"/>
+              <a:t>with Multiple Gateway </a:t>
+            </a:r>
+          </a:p>
+          <a:p>
+            <a:pPr algn="just">
+              <a:buFont typeface="Arial" charset="0"/>
+              <a:buChar char="•"/>
+            </a:pPr>
+            <a:endParaRPr lang="en-US" sz="3000" dirty="0"/>
+          </a:p>
+        </p:txBody>
+      </p:sp>
+    </p:spTree>
+  </p:cSld>
+  <p:clrMapOvr>
+    <a:masterClrMapping/>
+  </p:clrMapOvr>
+  <p:timing>
+    <p:tnLst>
+      <p:par>
+        <p:cTn id="1" dur="indefinite" restart="never" nodeType="tmRoot"/>
+      </p:par>
+    </p:tnLst>
+  </p:timing>
+</p:sld>
+</file>
+
+<file path=ppt/slides/slide41.xml><?xml version="1.0" encoding="utf-8"?>
+<p:sld xmlns:a="http://schemas.openxmlformats.org/drawingml/2006/main" xmlns:r="http://schemas.openxmlformats.org/officeDocument/2006/relationships" xmlns:p="http://schemas.openxmlformats.org/presentationml/2006/main">
+  <p:cSld>
+    <p:spTree>
+      <p:nvGrpSpPr>
+        <p:cNvPr id="1" name=""/>
+        <p:cNvGrpSpPr/>
+        <p:nvPr/>
+      </p:nvGrpSpPr>
+      <p:grpSpPr>
+        <a:xfrm>
+          <a:off x="0" y="0"/>
+          <a:ext cx="0" cy="0"/>
+          <a:chOff x="0" y="0"/>
+          <a:chExt cx="0" cy="0"/>
+        </a:xfrm>
+      </p:grpSpPr>
+      <p:sp>
+        <p:nvSpPr>
+          <p:cNvPr id="22530" name="Title 1"/>
+          <p:cNvSpPr>
+            <a:spLocks noGrp="1"/>
+          </p:cNvSpPr>
+          <p:nvPr>
+            <p:ph type="title"/>
+          </p:nvPr>
+        </p:nvSpPr>
+        <p:spPr/>
+        <p:txBody>
+          <a:bodyPr/>
+          <a:lstStyle/>
+          <a:p>
+            <a:r>
+              <a:rPr lang="en-US" dirty="0" smtClean="0"/>
+              <a:t>Questions</a:t>
+            </a:r>
+          </a:p>
+        </p:txBody>
+      </p:sp>
+      <p:sp>
+        <p:nvSpPr>
+          <p:cNvPr id="12" name="Text Placeholder 11"/>
+          <p:cNvSpPr>
+            <a:spLocks noGrp="1"/>
+          </p:cNvSpPr>
+          <p:nvPr>
+            <p:ph type="body" idx="1"/>
+          </p:nvPr>
+        </p:nvSpPr>
+        <p:spPr/>
+        <p:txBody>
+          <a:bodyPr/>
+          <a:lstStyle/>
+          <a:p>
+            <a:endParaRPr lang="en-US"/>
+          </a:p>
+        </p:txBody>
+      </p:sp>
+    </p:spTree>
   </p:cSld>
   <p:clrMapOvr>
     <a:masterClrMapping/>
@@ -46194,7 +49217,7 @@
           </a:effectLst>
           <a:extLst>
             <a:ext uri="{91240B29-F687-4F45-9708-019B960494DF}">
-              <a14:hiddenLine xmlns="" xmlns:a14="http://schemas.microsoft.com/office/drawing/2010/main" w="9525">
+              <a14:hiddenLine xmlns:a14="http://schemas.microsoft.com/office/drawing/2010/main" xmlns="" w="9525">
                 <a:solidFill>
                   <a:schemeClr val="tx1"/>
                 </a:solidFill>
@@ -46392,7 +49415,7 @@
           </a:effectLst>
           <a:extLst>
             <a:ext uri="{91240B29-F687-4F45-9708-019B960494DF}">
-              <a14:hiddenLine xmlns="" xmlns:a14="http://schemas.microsoft.com/office/drawing/2010/main" w="9525">
+              <a14:hiddenLine xmlns:a14="http://schemas.microsoft.com/office/drawing/2010/main" xmlns="" w="9525">
                 <a:solidFill>
                   <a:schemeClr val="tx1"/>
                 </a:solidFill>
@@ -48476,7 +51499,7 @@
             </a:clrChange>
             <a:extLst>
               <a:ext uri="{28A0092B-C50C-407E-A947-70E740481C1C}">
-                <a14:useLocalDpi xmlns="" xmlns:a14="http://schemas.microsoft.com/office/drawing/2010/main" val="0"/>
+                <a14:useLocalDpi xmlns:a14="http://schemas.microsoft.com/office/drawing/2010/main" xmlns="" val="0"/>
               </a:ext>
             </a:extLst>
           </a:blip>
@@ -48500,14 +51523,14 @@
           <a:effectLst/>
           <a:extLst>
             <a:ext uri="{909E8E84-426E-40DD-AFC4-6F175D3DCCD1}">
-              <a14:hiddenFill xmlns="" xmlns:a14="http://schemas.microsoft.com/office/drawing/2010/main">
+              <a14:hiddenFill xmlns:a14="http://schemas.microsoft.com/office/drawing/2010/main" xmlns="">
                 <a:solidFill>
                   <a:schemeClr val="accent1"/>
                 </a:solidFill>
               </a14:hiddenFill>
             </a:ext>
             <a:ext uri="{91240B29-F687-4F45-9708-019B960494DF}">
-              <a14:hiddenLine xmlns="" xmlns:a14="http://schemas.microsoft.com/office/drawing/2010/main" w="9525">
+              <a14:hiddenLine xmlns:a14="http://schemas.microsoft.com/office/drawing/2010/main" xmlns="" w="9525">
                 <a:solidFill>
                   <a:schemeClr val="tx1"/>
                 </a:solidFill>
@@ -48517,7 +51540,7 @@
               </a14:hiddenLine>
             </a:ext>
             <a:ext uri="{AF507438-7753-43E0-B8FC-AC1667EBCBE1}">
-              <a14:hiddenEffects xmlns="" xmlns:a14="http://schemas.microsoft.com/office/drawing/2010/main">
+              <a14:hiddenEffects xmlns:a14="http://schemas.microsoft.com/office/drawing/2010/main" xmlns="">
                 <a:effectLst>
                   <a:outerShdw dist="35921" dir="2700000" algn="ctr" rotWithShape="0">
                     <a:schemeClr val="bg2"/>
@@ -48550,7 +51573,7 @@
             </a:clrChange>
             <a:extLst>
               <a:ext uri="{28A0092B-C50C-407E-A947-70E740481C1C}">
-                <a14:useLocalDpi xmlns="" xmlns:a14="http://schemas.microsoft.com/office/drawing/2010/main" val="0"/>
+                <a14:useLocalDpi xmlns:a14="http://schemas.microsoft.com/office/drawing/2010/main" xmlns="" val="0"/>
               </a:ext>
             </a:extLst>
           </a:blip>
@@ -48574,14 +51597,14 @@
           <a:effectLst/>
           <a:extLst>
             <a:ext uri="{909E8E84-426E-40DD-AFC4-6F175D3DCCD1}">
-              <a14:hiddenFill xmlns="" xmlns:a14="http://schemas.microsoft.com/office/drawing/2010/main">
+              <a14:hiddenFill xmlns:a14="http://schemas.microsoft.com/office/drawing/2010/main" xmlns="">
                 <a:solidFill>
                   <a:schemeClr val="accent1"/>
                 </a:solidFill>
               </a14:hiddenFill>
             </a:ext>
             <a:ext uri="{91240B29-F687-4F45-9708-019B960494DF}">
-              <a14:hiddenLine xmlns="" xmlns:a14="http://schemas.microsoft.com/office/drawing/2010/main" w="9525">
+              <a14:hiddenLine xmlns:a14="http://schemas.microsoft.com/office/drawing/2010/main" xmlns="" w="9525">
                 <a:solidFill>
                   <a:schemeClr val="tx1"/>
                 </a:solidFill>
@@ -48591,7 +51614,7 @@
               </a14:hiddenLine>
             </a:ext>
             <a:ext uri="{AF507438-7753-43E0-B8FC-AC1667EBCBE1}">
-              <a14:hiddenEffects xmlns="" xmlns:a14="http://schemas.microsoft.com/office/drawing/2010/main">
+              <a14:hiddenEffects xmlns:a14="http://schemas.microsoft.com/office/drawing/2010/main" xmlns="">
                 <a:effectLst>
                   <a:outerShdw dist="35921" dir="2700000" algn="ctr" rotWithShape="0">
                     <a:schemeClr val="bg2"/>
@@ -48624,7 +51647,7 @@
             </a:clrChange>
             <a:extLst>
               <a:ext uri="{28A0092B-C50C-407E-A947-70E740481C1C}">
-                <a14:useLocalDpi xmlns="" xmlns:a14="http://schemas.microsoft.com/office/drawing/2010/main" val="0"/>
+                <a14:useLocalDpi xmlns:a14="http://schemas.microsoft.com/office/drawing/2010/main" xmlns="" val="0"/>
               </a:ext>
             </a:extLst>
           </a:blip>
@@ -48648,14 +51671,14 @@
           <a:effectLst/>
           <a:extLst>
             <a:ext uri="{909E8E84-426E-40DD-AFC4-6F175D3DCCD1}">
-              <a14:hiddenFill xmlns="" xmlns:a14="http://schemas.microsoft.com/office/drawing/2010/main">
+              <a14:hiddenFill xmlns:a14="http://schemas.microsoft.com/office/drawing/2010/main" xmlns="">
                 <a:solidFill>
                   <a:schemeClr val="accent1"/>
                 </a:solidFill>
               </a14:hiddenFill>
             </a:ext>
             <a:ext uri="{91240B29-F687-4F45-9708-019B960494DF}">
-              <a14:hiddenLine xmlns="" xmlns:a14="http://schemas.microsoft.com/office/drawing/2010/main" w="9525">
+              <a14:hiddenLine xmlns:a14="http://schemas.microsoft.com/office/drawing/2010/main" xmlns="" w="9525">
                 <a:solidFill>
                   <a:schemeClr val="tx1"/>
                 </a:solidFill>
@@ -48665,7 +51688,7 @@
               </a14:hiddenLine>
             </a:ext>
             <a:ext uri="{AF507438-7753-43E0-B8FC-AC1667EBCBE1}">
-              <a14:hiddenEffects xmlns="" xmlns:a14="http://schemas.microsoft.com/office/drawing/2010/main">
+              <a14:hiddenEffects xmlns:a14="http://schemas.microsoft.com/office/drawing/2010/main" xmlns="">
                 <a:effectLst>
                   <a:outerShdw dist="35921" dir="2700000" algn="ctr" rotWithShape="0">
                     <a:schemeClr val="bg2"/>
@@ -49018,7 +52041,7 @@
             </a:clrChange>
             <a:extLst>
               <a:ext uri="{28A0092B-C50C-407E-A947-70E740481C1C}">
-                <a14:useLocalDpi xmlns="" xmlns:a14="http://schemas.microsoft.com/office/drawing/2010/main" val="0"/>
+                <a14:useLocalDpi xmlns:a14="http://schemas.microsoft.com/office/drawing/2010/main" xmlns="" val="0"/>
               </a:ext>
             </a:extLst>
           </a:blip>
@@ -49042,14 +52065,14 @@
           <a:effectLst/>
           <a:extLst>
             <a:ext uri="{909E8E84-426E-40DD-AFC4-6F175D3DCCD1}">
-              <a14:hiddenFill xmlns="" xmlns:a14="http://schemas.microsoft.com/office/drawing/2010/main">
+              <a14:hiddenFill xmlns:a14="http://schemas.microsoft.com/office/drawing/2010/main" xmlns="">
                 <a:solidFill>
                   <a:schemeClr val="accent1"/>
                 </a:solidFill>
               </a14:hiddenFill>
             </a:ext>
             <a:ext uri="{91240B29-F687-4F45-9708-019B960494DF}">
-              <a14:hiddenLine xmlns="" xmlns:a14="http://schemas.microsoft.com/office/drawing/2010/main" w="9525">
+              <a14:hiddenLine xmlns:a14="http://schemas.microsoft.com/office/drawing/2010/main" xmlns="" w="9525">
                 <a:solidFill>
                   <a:schemeClr val="tx1"/>
                 </a:solidFill>
@@ -49059,7 +52082,7 @@
               </a14:hiddenLine>
             </a:ext>
             <a:ext uri="{AF507438-7753-43E0-B8FC-AC1667EBCBE1}">
-              <a14:hiddenEffects xmlns="" xmlns:a14="http://schemas.microsoft.com/office/drawing/2010/main">
+              <a14:hiddenEffects xmlns:a14="http://schemas.microsoft.com/office/drawing/2010/main" xmlns="">
                 <a:effectLst>
                   <a:outerShdw dist="35921" dir="2700000" algn="ctr" rotWithShape="0">
                     <a:schemeClr val="bg2"/>
@@ -49389,7 +52412,7 @@
     </p:spTree>
     <p:extLst>
       <p:ext uri="{BB962C8B-B14F-4D97-AF65-F5344CB8AC3E}">
-        <p14:creationId xmlns="" xmlns:p14="http://schemas.microsoft.com/office/powerpoint/2010/main" val="2421555525"/>
+        <p14:creationId xmlns:p14="http://schemas.microsoft.com/office/powerpoint/2010/main" xmlns="" val="2421555525"/>
       </p:ext>
     </p:extLst>
   </p:cSld>
@@ -49458,7 +52481,7 @@
             <p:ph idx="1"/>
             <p:extLst>
               <p:ext uri="{D42A27DB-BD31-4B8C-83A1-F6EECF244321}">
-                <p14:modId xmlns="" xmlns:p14="http://schemas.microsoft.com/office/powerpoint/2010/main" val="3016246473"/>
+                <p14:modId xmlns:p14="http://schemas.microsoft.com/office/powerpoint/2010/main" xmlns="" val="3016246473"/>
               </p:ext>
             </p:extLst>
           </p:nvPr>
@@ -49568,13 +52591,20 @@
     </p:spTree>
     <p:extLst>
       <p:ext uri="{BB962C8B-B14F-4D97-AF65-F5344CB8AC3E}">
-        <p14:creationId xmlns="" xmlns:p14="http://schemas.microsoft.com/office/powerpoint/2010/main" val="3858812559"/>
+        <p14:creationId xmlns:p14="http://schemas.microsoft.com/office/powerpoint/2010/main" xmlns="" val="3858812559"/>
       </p:ext>
     </p:extLst>
   </p:cSld>
   <p:clrMapOvr>
     <a:masterClrMapping/>
   </p:clrMapOvr>
+  <p:timing>
+    <p:tnLst>
+      <p:par>
+        <p:cTn id="1" dur="indefinite" restart="never" nodeType="tmRoot"/>
+      </p:par>
+    </p:tnLst>
+  </p:timing>
 </p:sld>
 </file>
 
@@ -49628,7 +52658,7 @@
             <p:ph idx="1"/>
             <p:extLst>
               <p:ext uri="{D42A27DB-BD31-4B8C-83A1-F6EECF244321}">
-                <p14:modId xmlns="" xmlns:p14="http://schemas.microsoft.com/office/powerpoint/2010/main" val="452459243"/>
+                <p14:modId xmlns:p14="http://schemas.microsoft.com/office/powerpoint/2010/main" xmlns="" val="452459243"/>
               </p:ext>
             </p:extLst>
           </p:nvPr>
@@ -50236,7 +53266,7 @@
     </p:spTree>
     <p:extLst>
       <p:ext uri="{BB962C8B-B14F-4D97-AF65-F5344CB8AC3E}">
-        <p14:creationId xmlns="" xmlns:p14="http://schemas.microsoft.com/office/powerpoint/2010/main" val="1102793749"/>
+        <p14:creationId xmlns:p14="http://schemas.microsoft.com/office/powerpoint/2010/main" xmlns="" val="1102793749"/>
       </p:ext>
     </p:extLst>
   </p:cSld>
@@ -50305,7 +53335,7 @@
             <p:ph idx="1"/>
             <p:extLst>
               <p:ext uri="{D42A27DB-BD31-4B8C-83A1-F6EECF244321}">
-                <p14:modId xmlns="" xmlns:p14="http://schemas.microsoft.com/office/powerpoint/2010/main" val="1473220721"/>
+                <p14:modId xmlns:p14="http://schemas.microsoft.com/office/powerpoint/2010/main" xmlns="" val="1473220721"/>
               </p:ext>
             </p:extLst>
           </p:nvPr>
@@ -50323,13 +53353,20 @@
     </p:spTree>
     <p:extLst>
       <p:ext uri="{BB962C8B-B14F-4D97-AF65-F5344CB8AC3E}">
-        <p14:creationId xmlns="" xmlns:p14="http://schemas.microsoft.com/office/powerpoint/2010/main" val="3145103375"/>
+        <p14:creationId xmlns:p14="http://schemas.microsoft.com/office/powerpoint/2010/main" xmlns="" val="3145103375"/>
       </p:ext>
     </p:extLst>
   </p:cSld>
   <p:clrMapOvr>
     <a:masterClrMapping/>
   </p:clrMapOvr>
+  <p:timing>
+    <p:tnLst>
+      <p:par>
+        <p:cTn id="1" dur="indefinite" restart="never" nodeType="tmRoot"/>
+      </p:par>
+    </p:tnLst>
+  </p:timing>
 </p:sld>
 </file>
 
@@ -50491,7 +53528,7 @@
             <p:ph sz="half" idx="2"/>
             <p:extLst>
               <p:ext uri="{D42A27DB-BD31-4B8C-83A1-F6EECF244321}">
-                <p14:modId xmlns="" xmlns:p14="http://schemas.microsoft.com/office/powerpoint/2010/main" val="2736350375"/>
+                <p14:modId xmlns:p14="http://schemas.microsoft.com/office/powerpoint/2010/main" xmlns="" val="2736350375"/>
               </p:ext>
             </p:extLst>
           </p:nvPr>
@@ -50549,7 +53586,7 @@
             <p:ph sz="quarter" idx="4"/>
             <p:extLst>
               <p:ext uri="{D42A27DB-BD31-4B8C-83A1-F6EECF244321}">
-                <p14:modId xmlns="" xmlns:p14="http://schemas.microsoft.com/office/powerpoint/2010/main" val="3072016281"/>
+                <p14:modId xmlns:p14="http://schemas.microsoft.com/office/powerpoint/2010/main" xmlns="" val="3072016281"/>
               </p:ext>
             </p:extLst>
           </p:nvPr>
@@ -50990,13 +54027,20 @@
     </p:spTree>
     <p:extLst>
       <p:ext uri="{BB962C8B-B14F-4D97-AF65-F5344CB8AC3E}">
-        <p14:creationId xmlns="" xmlns:p14="http://schemas.microsoft.com/office/powerpoint/2010/main" val="890374241"/>
+        <p14:creationId xmlns:p14="http://schemas.microsoft.com/office/powerpoint/2010/main" xmlns="" val="890374241"/>
       </p:ext>
     </p:extLst>
   </p:cSld>
   <p:clrMapOvr>
     <a:masterClrMapping/>
   </p:clrMapOvr>
+  <p:timing>
+    <p:tnLst>
+      <p:par>
+        <p:cTn id="1" dur="indefinite" restart="never" nodeType="tmRoot"/>
+      </p:par>
+    </p:tnLst>
+  </p:timing>
 </p:sld>
 </file>
 
